--- a/lectures/infrastructure-week-9.pptx
+++ b/lectures/infrastructure-week-9.pptx
@@ -5,7 +5,7 @@
     <p:sldMasterId id="2147483648" r:id="rId1"/>
   </p:sldMasterIdLst>
   <p:notesMasterIdLst>
-    <p:notesMasterId r:id="rId54"/>
+    <p:notesMasterId r:id="rId53"/>
   </p:notesMasterIdLst>
   <p:sldIdLst>
     <p:sldId id="256" r:id="rId2"/>
@@ -36,30 +36,29 @@
     <p:sldId id="281" r:id="rId27"/>
     <p:sldId id="286" r:id="rId28"/>
     <p:sldId id="288" r:id="rId29"/>
-    <p:sldId id="323" r:id="rId30"/>
-    <p:sldId id="289" r:id="rId31"/>
-    <p:sldId id="280" r:id="rId32"/>
-    <p:sldId id="282" r:id="rId33"/>
-    <p:sldId id="283" r:id="rId34"/>
-    <p:sldId id="291" r:id="rId35"/>
-    <p:sldId id="319" r:id="rId36"/>
-    <p:sldId id="292" r:id="rId37"/>
-    <p:sldId id="293" r:id="rId38"/>
-    <p:sldId id="294" r:id="rId39"/>
-    <p:sldId id="295" r:id="rId40"/>
-    <p:sldId id="296" r:id="rId41"/>
-    <p:sldId id="297" r:id="rId42"/>
-    <p:sldId id="299" r:id="rId43"/>
-    <p:sldId id="302" r:id="rId44"/>
-    <p:sldId id="305" r:id="rId45"/>
-    <p:sldId id="306" r:id="rId46"/>
-    <p:sldId id="303" r:id="rId47"/>
-    <p:sldId id="307" r:id="rId48"/>
-    <p:sldId id="308" r:id="rId49"/>
-    <p:sldId id="309" r:id="rId50"/>
-    <p:sldId id="311" r:id="rId51"/>
-    <p:sldId id="316" r:id="rId52"/>
-    <p:sldId id="317" r:id="rId53"/>
+    <p:sldId id="289" r:id="rId30"/>
+    <p:sldId id="280" r:id="rId31"/>
+    <p:sldId id="282" r:id="rId32"/>
+    <p:sldId id="283" r:id="rId33"/>
+    <p:sldId id="291" r:id="rId34"/>
+    <p:sldId id="319" r:id="rId35"/>
+    <p:sldId id="292" r:id="rId36"/>
+    <p:sldId id="293" r:id="rId37"/>
+    <p:sldId id="294" r:id="rId38"/>
+    <p:sldId id="295" r:id="rId39"/>
+    <p:sldId id="296" r:id="rId40"/>
+    <p:sldId id="297" r:id="rId41"/>
+    <p:sldId id="299" r:id="rId42"/>
+    <p:sldId id="302" r:id="rId43"/>
+    <p:sldId id="305" r:id="rId44"/>
+    <p:sldId id="306" r:id="rId45"/>
+    <p:sldId id="303" r:id="rId46"/>
+    <p:sldId id="307" r:id="rId47"/>
+    <p:sldId id="308" r:id="rId48"/>
+    <p:sldId id="309" r:id="rId49"/>
+    <p:sldId id="311" r:id="rId50"/>
+    <p:sldId id="316" r:id="rId51"/>
+    <p:sldId id="317" r:id="rId52"/>
   </p:sldIdLst>
   <p:sldSz cx="9144000" cy="6858000" type="screen4x3"/>
   <p:notesSz cx="6858000" cy="9144000"/>
@@ -259,7 +258,7 @@
           <a:p>
             <a:fld id="{EAA08BAD-04ED-244C-92B6-E3671520D864}" type="datetimeFigureOut">
               <a:rPr lang="en-US" smtClean="0"/>
-              <a:t>8/19/18</a:t>
+              <a:t>11/4/18</a:t>
             </a:fld>
             <a:endParaRPr lang="en-US"/>
           </a:p>
@@ -705,7 +704,7 @@
           <a:p>
             <a:fld id="{972605B8-2E90-124E-924E-6F58993143C6}" type="datetimeFigureOut">
               <a:rPr lang="en-US" smtClean="0"/>
-              <a:t>8/19/18</a:t>
+              <a:t>11/4/18</a:t>
             </a:fld>
             <a:endParaRPr lang="en-US"/>
           </a:p>
@@ -873,7 +872,7 @@
           <a:p>
             <a:fld id="{972605B8-2E90-124E-924E-6F58993143C6}" type="datetimeFigureOut">
               <a:rPr lang="en-US" smtClean="0"/>
-              <a:t>8/19/18</a:t>
+              <a:t>11/4/18</a:t>
             </a:fld>
             <a:endParaRPr lang="en-US"/>
           </a:p>
@@ -1051,7 +1050,7 @@
           <a:p>
             <a:fld id="{972605B8-2E90-124E-924E-6F58993143C6}" type="datetimeFigureOut">
               <a:rPr lang="en-US" smtClean="0"/>
-              <a:t>8/19/18</a:t>
+              <a:t>11/4/18</a:t>
             </a:fld>
             <a:endParaRPr lang="en-US"/>
           </a:p>
@@ -1219,7 +1218,7 @@
           <a:p>
             <a:fld id="{972605B8-2E90-124E-924E-6F58993143C6}" type="datetimeFigureOut">
               <a:rPr lang="en-US" smtClean="0"/>
-              <a:t>8/19/18</a:t>
+              <a:t>11/4/18</a:t>
             </a:fld>
             <a:endParaRPr lang="en-US"/>
           </a:p>
@@ -1464,7 +1463,7 @@
           <a:p>
             <a:fld id="{972605B8-2E90-124E-924E-6F58993143C6}" type="datetimeFigureOut">
               <a:rPr lang="en-US" smtClean="0"/>
-              <a:t>8/19/18</a:t>
+              <a:t>11/4/18</a:t>
             </a:fld>
             <a:endParaRPr lang="en-US"/>
           </a:p>
@@ -1749,7 +1748,7 @@
           <a:p>
             <a:fld id="{972605B8-2E90-124E-924E-6F58993143C6}" type="datetimeFigureOut">
               <a:rPr lang="en-US" smtClean="0"/>
-              <a:t>8/19/18</a:t>
+              <a:t>11/4/18</a:t>
             </a:fld>
             <a:endParaRPr lang="en-US"/>
           </a:p>
@@ -2168,7 +2167,7 @@
           <a:p>
             <a:fld id="{972605B8-2E90-124E-924E-6F58993143C6}" type="datetimeFigureOut">
               <a:rPr lang="en-US" smtClean="0"/>
-              <a:t>8/19/18</a:t>
+              <a:t>11/4/18</a:t>
             </a:fld>
             <a:endParaRPr lang="en-US"/>
           </a:p>
@@ -2285,7 +2284,7 @@
           <a:p>
             <a:fld id="{972605B8-2E90-124E-924E-6F58993143C6}" type="datetimeFigureOut">
               <a:rPr lang="en-US" smtClean="0"/>
-              <a:t>8/19/18</a:t>
+              <a:t>11/4/18</a:t>
             </a:fld>
             <a:endParaRPr lang="en-US"/>
           </a:p>
@@ -2380,7 +2379,7 @@
           <a:p>
             <a:fld id="{972605B8-2E90-124E-924E-6F58993143C6}" type="datetimeFigureOut">
               <a:rPr lang="en-US" smtClean="0"/>
-              <a:t>8/19/18</a:t>
+              <a:t>11/4/18</a:t>
             </a:fld>
             <a:endParaRPr lang="en-US"/>
           </a:p>
@@ -2655,7 +2654,7 @@
           <a:p>
             <a:fld id="{972605B8-2E90-124E-924E-6F58993143C6}" type="datetimeFigureOut">
               <a:rPr lang="en-US" smtClean="0"/>
-              <a:t>8/19/18</a:t>
+              <a:t>11/4/18</a:t>
             </a:fld>
             <a:endParaRPr lang="en-US"/>
           </a:p>
@@ -2907,7 +2906,7 @@
           <a:p>
             <a:fld id="{972605B8-2E90-124E-924E-6F58993143C6}" type="datetimeFigureOut">
               <a:rPr lang="en-US" smtClean="0"/>
-              <a:t>8/19/18</a:t>
+              <a:t>11/4/18</a:t>
             </a:fld>
             <a:endParaRPr lang="en-US"/>
           </a:p>
@@ -3118,7 +3117,7 @@
           <a:p>
             <a:fld id="{972605B8-2E90-124E-924E-6F58993143C6}" type="datetimeFigureOut">
               <a:rPr lang="en-US" smtClean="0"/>
-              <a:t>8/19/18</a:t>
+              <a:t>11/4/18</a:t>
             </a:fld>
             <a:endParaRPr lang="en-US"/>
           </a:p>
@@ -6978,13 +6977,7 @@
       </p:grpSpPr>
       <p:sp>
         <p:nvSpPr>
-          <p:cNvPr id="2" name="Title 1">
-            <a:extLst>
-              <a:ext uri="{FF2B5EF4-FFF2-40B4-BE49-F238E27FC236}">
-                <a16:creationId xmlns:a16="http://schemas.microsoft.com/office/drawing/2014/main" id="{43F447DB-03B1-F040-A764-7E2E2662B644}"/>
-              </a:ext>
-            </a:extLst>
-          </p:cNvPr>
+          <p:cNvPr id="2" name="Title 1"/>
           <p:cNvSpPr>
             <a:spLocks noGrp="1"/>
           </p:cNvSpPr>
@@ -6997,19 +6990,21 @@
           <a:bodyPr/>
           <a:lstStyle/>
           <a:p>
-            <a:endParaRPr lang="en-US"/>
-          </a:p>
-        </p:txBody>
-      </p:sp>
-      <p:sp>
-        <p:nvSpPr>
-          <p:cNvPr id="3" name="Content Placeholder 2">
-            <a:extLst>
-              <a:ext uri="{FF2B5EF4-FFF2-40B4-BE49-F238E27FC236}">
-                <a16:creationId xmlns:a16="http://schemas.microsoft.com/office/drawing/2014/main" id="{905E1EB7-E07A-6B40-AB1A-447F1A156355}"/>
-              </a:ext>
-            </a:extLst>
-          </p:cNvPr>
+            <a:r>
+              <a:rPr lang="en-US" dirty="0"/>
+              <a:t>Running </a:t>
+            </a:r>
+            <a:r>
+              <a:rPr lang="en-US" dirty="0" err="1"/>
+              <a:t>Ansible</a:t>
+            </a:r>
+            <a:endParaRPr lang="en-US" dirty="0"/>
+          </a:p>
+        </p:txBody>
+      </p:sp>
+      <p:sp>
+        <p:nvSpPr>
+          <p:cNvPr id="3" name="Content Placeholder 2"/>
           <p:cNvSpPr>
             <a:spLocks noGrp="1"/>
           </p:cNvSpPr>
@@ -7022,14 +7017,93 @@
           <a:bodyPr/>
           <a:lstStyle/>
           <a:p>
-            <a:endParaRPr lang="en-US"/>
+            <a:r>
+              <a:rPr lang="en-US" dirty="0"/>
+              <a:t>3 ways to run </a:t>
+            </a:r>
+            <a:r>
+              <a:rPr lang="en-US" dirty="0" err="1"/>
+              <a:t>Ansible</a:t>
+            </a:r>
+            <a:r>
+              <a:rPr lang="en-US" dirty="0"/>
+              <a:t>:</a:t>
+            </a:r>
+          </a:p>
+          <a:p>
+            <a:endParaRPr lang="en-US" dirty="0"/>
+          </a:p>
+          <a:p>
+            <a:pPr lvl="1"/>
+            <a:r>
+              <a:rPr lang="en-US" b="1" dirty="0"/>
+              <a:t>Ad-hoc</a:t>
+            </a:r>
+            <a:r>
+              <a:rPr lang="en-US" dirty="0"/>
+              <a:t>: </a:t>
+            </a:r>
+            <a:r>
+              <a:rPr lang="en-US" dirty="0" err="1"/>
+              <a:t>ansible</a:t>
+            </a:r>
+            <a:r>
+              <a:rPr lang="en-US" dirty="0"/>
+              <a:t> &lt;inventory&gt; -m &lt;module&gt;</a:t>
+            </a:r>
+          </a:p>
+          <a:p>
+            <a:pPr lvl="1"/>
+            <a:endParaRPr lang="en-US" dirty="0"/>
+          </a:p>
+          <a:p>
+            <a:pPr lvl="1"/>
+            <a:r>
+              <a:rPr lang="en-US" b="1" dirty="0"/>
+              <a:t>Playbooks</a:t>
+            </a:r>
+            <a:r>
+              <a:rPr lang="en-US" dirty="0"/>
+              <a:t>: </a:t>
+            </a:r>
+            <a:r>
+              <a:rPr lang="en-US" dirty="0" err="1"/>
+              <a:t>ansible</a:t>
+            </a:r>
+            <a:r>
+              <a:rPr lang="en-US" dirty="0"/>
+              <a:t>-playbook &lt;YAML file&gt;</a:t>
+            </a:r>
+          </a:p>
+          <a:p>
+            <a:pPr lvl="1"/>
+            <a:endParaRPr lang="en-US" dirty="0"/>
+          </a:p>
+          <a:p>
+            <a:pPr lvl="1"/>
+            <a:r>
+              <a:rPr lang="en-US" b="1" dirty="0"/>
+              <a:t>Automation Framework</a:t>
+            </a:r>
+            <a:r>
+              <a:rPr lang="en-US" dirty="0"/>
+              <a:t>: </a:t>
+            </a:r>
+            <a:r>
+              <a:rPr lang="en-US" dirty="0" err="1"/>
+              <a:t>Ansible</a:t>
+            </a:r>
+            <a:r>
+              <a:rPr lang="en-US" dirty="0"/>
+              <a:t> Tower</a:t>
+            </a:r>
           </a:p>
         </p:txBody>
       </p:sp>
     </p:spTree>
     <p:extLst>
       <p:ext uri="{BB962C8B-B14F-4D97-AF65-F5344CB8AC3E}">
-        <p14:creationId xmlns:p14="http://schemas.microsoft.com/office/powerpoint/2010/main" val="3830848165"/>
+        <p14:creationId xmlns:p14="http://schemas.microsoft.com/office/powerpoint/2010/main" val="2108167216"/>
       </p:ext>
     </p:extLst>
   </p:cSld>
@@ -7181,13 +7255,8 @@
           <a:p>
             <a:r>
               <a:rPr lang="en-US" dirty="0"/>
-              <a:t>Running </a:t>
-            </a:r>
-            <a:r>
-              <a:rPr lang="en-US" dirty="0" err="1"/>
-              <a:t>Ansible</a:t>
-            </a:r>
-            <a:endParaRPr lang="en-US" dirty="0"/>
+              <a:t>Ad hoc commands</a:t>
+            </a:r>
           </a:p>
         </p:txBody>
       </p:sp>
@@ -7203,42 +7272,25 @@
         </p:nvSpPr>
         <p:spPr/>
         <p:txBody>
-          <a:bodyPr/>
-          <a:lstStyle/>
-          <a:p>
-            <a:r>
-              <a:rPr lang="en-US" dirty="0"/>
-              <a:t>3 ways to run </a:t>
-            </a:r>
+          <a:bodyPr>
+            <a:normAutofit fontScale="85000" lnSpcReduction="20000"/>
+          </a:bodyPr>
+          <a:lstStyle/>
+          <a:p>
             <a:r>
               <a:rPr lang="en-US" dirty="0" err="1"/>
               <a:t>Ansible</a:t>
             </a:r>
             <a:r>
               <a:rPr lang="en-US" dirty="0"/>
-              <a:t>:</a:t>
-            </a:r>
-          </a:p>
-          <a:p>
-            <a:endParaRPr lang="en-US" dirty="0"/>
+              <a:t> can be used to execute quick commands on hosts.</a:t>
+            </a:r>
           </a:p>
           <a:p>
             <a:pPr lvl="1"/>
             <a:r>
-              <a:rPr lang="en-US" b="1" dirty="0"/>
-              <a:t>Ad-hoc</a:t>
-            </a:r>
-            <a:r>
-              <a:rPr lang="en-US" dirty="0"/>
-              <a:t>: </a:t>
-            </a:r>
-            <a:r>
-              <a:rPr lang="en-US" dirty="0" err="1"/>
-              <a:t>ansible</a:t>
-            </a:r>
-            <a:r>
-              <a:rPr lang="en-US" dirty="0"/>
-              <a:t> &lt;inventory&gt; -m &lt;module&gt;</a:t>
+              <a:rPr lang="en-US" dirty="0"/>
+              <a:t>Used for very small tasks or testing.</a:t>
             </a:r>
           </a:p>
           <a:p>
@@ -7246,45 +7298,123 @@
             <a:endParaRPr lang="en-US" dirty="0"/>
           </a:p>
           <a:p>
+            <a:pPr marL="457200" lvl="1" indent="0">
+              <a:buNone/>
+            </a:pPr>
+            <a:r>
+              <a:rPr lang="en-US" sz="2000" dirty="0"/>
+              <a:t>$ </a:t>
+            </a:r>
+            <a:r>
+              <a:rPr lang="en-US" sz="2000" dirty="0" err="1"/>
+              <a:t>ansible</a:t>
+            </a:r>
+            <a:r>
+              <a:rPr lang="en-US" sz="2000" dirty="0"/>
+              <a:t> &lt;host pattern&gt; -m &lt;</a:t>
+            </a:r>
+            <a:r>
+              <a:rPr lang="en-US" sz="2000" dirty="0" err="1"/>
+              <a:t>module_name</a:t>
+            </a:r>
+            <a:r>
+              <a:rPr lang="en-US" sz="2000" dirty="0"/>
+              <a:t>&gt; -a &lt;arguments&gt;</a:t>
+            </a:r>
+          </a:p>
+          <a:p>
+            <a:pPr marL="457200" lvl="1" indent="0">
+              <a:buNone/>
+            </a:pPr>
+            <a:endParaRPr lang="en-US" sz="2000" dirty="0"/>
+          </a:p>
+          <a:p>
+            <a:pPr marL="457200" lvl="1" indent="0">
+              <a:buNone/>
+            </a:pPr>
+            <a:r>
+              <a:rPr lang="en-US" sz="2000" dirty="0"/>
+              <a:t>$ </a:t>
+            </a:r>
+            <a:r>
+              <a:rPr lang="en-US" sz="2000" dirty="0" err="1"/>
+              <a:t>ansible</a:t>
+            </a:r>
+            <a:r>
+              <a:rPr lang="en-US" sz="2000" dirty="0"/>
+              <a:t> web1 </a:t>
+            </a:r>
+            <a:r>
+              <a:rPr lang="en-US" sz="2000"/>
+              <a:t>-m command </a:t>
+            </a:r>
+            <a:r>
+              <a:rPr lang="en-US" sz="2000" dirty="0"/>
+              <a:t>–a “uptime”</a:t>
+            </a:r>
+          </a:p>
+          <a:p>
+            <a:endParaRPr lang="en-US" sz="2400" dirty="0"/>
+          </a:p>
+          <a:p>
+            <a:r>
+              <a:rPr lang="en-US" sz="2400" dirty="0"/>
+              <a:t>The </a:t>
+            </a:r>
+            <a:r>
+              <a:rPr lang="en-US" sz="2400" b="1" dirty="0"/>
+              <a:t>command</a:t>
+            </a:r>
+            <a:r>
+              <a:rPr lang="en-US" sz="2400" dirty="0"/>
+              <a:t> module is the default module, so we don’t have to specify it.</a:t>
+            </a:r>
+          </a:p>
+          <a:p>
+            <a:endParaRPr lang="en-US" sz="2400" dirty="0"/>
+          </a:p>
+          <a:p>
+            <a:pPr marL="457200" lvl="1" indent="0">
+              <a:buNone/>
+            </a:pPr>
+            <a:r>
+              <a:rPr lang="en-US" sz="2000" dirty="0"/>
+              <a:t>$ </a:t>
+            </a:r>
+            <a:r>
+              <a:rPr lang="en-US" sz="2000" dirty="0" err="1"/>
+              <a:t>ansible</a:t>
+            </a:r>
+            <a:r>
+              <a:rPr lang="en-US" sz="2000" dirty="0"/>
+              <a:t> all –a “tail /</a:t>
+            </a:r>
+            <a:r>
+              <a:rPr lang="en-US" sz="2000" dirty="0" err="1"/>
+              <a:t>var</a:t>
+            </a:r>
+            <a:r>
+              <a:rPr lang="en-US" sz="2000" dirty="0"/>
+              <a:t>/log/boot” –u </a:t>
+            </a:r>
+            <a:r>
+              <a:rPr lang="en-US" sz="2000" dirty="0" err="1"/>
+              <a:t>sudo</a:t>
+            </a:r>
+            <a:endParaRPr lang="en-US" sz="2000" dirty="0"/>
+          </a:p>
+          <a:p>
             <a:pPr lvl="1"/>
-            <a:r>
-              <a:rPr lang="en-US" b="1" dirty="0"/>
-              <a:t>Playbooks</a:t>
-            </a:r>
-            <a:r>
-              <a:rPr lang="en-US" dirty="0"/>
-              <a:t>: </a:t>
-            </a:r>
-            <a:r>
-              <a:rPr lang="en-US" dirty="0" err="1"/>
-              <a:t>ansible</a:t>
-            </a:r>
-            <a:r>
-              <a:rPr lang="en-US" dirty="0"/>
-              <a:t>-playbook &lt;YAML file&gt;</a:t>
-            </a:r>
-          </a:p>
-          <a:p>
-            <a:pPr lvl="1"/>
-            <a:endParaRPr lang="en-US" dirty="0"/>
-          </a:p>
-          <a:p>
-            <a:pPr lvl="1"/>
-            <a:r>
-              <a:rPr lang="en-US" b="1" dirty="0"/>
-              <a:t>Automation Framework</a:t>
-            </a:r>
-            <a:r>
-              <a:rPr lang="en-US" dirty="0"/>
-              <a:t>: </a:t>
-            </a:r>
-            <a:r>
-              <a:rPr lang="en-US" dirty="0" err="1"/>
+            <a:endParaRPr lang="en-US" sz="2000" dirty="0"/>
+          </a:p>
+          <a:p>
+            <a:r>
+              <a:rPr lang="en-US" sz="2400" dirty="0" err="1"/>
               <a:t>Ansible</a:t>
             </a:r>
             <a:r>
-              <a:rPr lang="en-US" dirty="0"/>
-              <a:t> Tower</a:t>
+              <a:rPr lang="en-US" sz="2400" dirty="0"/>
+              <a:t> will execute the command as the user specified by the –u option.</a:t>
             </a:r>
           </a:p>
         </p:txBody>
@@ -7292,7 +7422,7 @@
     </p:spTree>
     <p:extLst>
       <p:ext uri="{BB962C8B-B14F-4D97-AF65-F5344CB8AC3E}">
-        <p14:creationId xmlns:p14="http://schemas.microsoft.com/office/powerpoint/2010/main" val="2108167216"/>
+        <p14:creationId xmlns:p14="http://schemas.microsoft.com/office/powerpoint/2010/main" val="1378567233"/>
       </p:ext>
     </p:extLst>
   </p:cSld>
@@ -7359,19 +7489,84 @@
           <a:lstStyle/>
           <a:p>
             <a:r>
-              <a:rPr lang="en-US" dirty="0" err="1"/>
-              <a:t>Ansible</a:t>
-            </a:r>
-            <a:r>
-              <a:rPr lang="en-US" dirty="0"/>
-              <a:t> can be used to execute quick commands on hosts.</a:t>
-            </a:r>
-          </a:p>
-          <a:p>
-            <a:pPr lvl="1"/>
-            <a:r>
-              <a:rPr lang="en-US" dirty="0"/>
-              <a:t>Used for very small tasks or testing.</a:t>
+              <a:rPr lang="en-US" dirty="0"/>
+              <a:t>Copy files to a group of servers using </a:t>
+            </a:r>
+            <a:r>
+              <a:rPr lang="en-US" b="1" dirty="0"/>
+              <a:t>copy</a:t>
+            </a:r>
+            <a:r>
+              <a:rPr lang="en-US" dirty="0"/>
+              <a:t> module:</a:t>
+            </a:r>
+          </a:p>
+          <a:p>
+            <a:endParaRPr lang="en-US" dirty="0"/>
+          </a:p>
+          <a:p>
+            <a:pPr marL="457200" lvl="1" indent="0">
+              <a:buNone/>
+            </a:pPr>
+            <a:r>
+              <a:rPr lang="en-US" sz="1900" dirty="0"/>
+              <a:t>$ </a:t>
+            </a:r>
+            <a:r>
+              <a:rPr lang="en-US" sz="1900" dirty="0" err="1"/>
+              <a:t>ansible</a:t>
+            </a:r>
+            <a:r>
+              <a:rPr lang="en-US" sz="1900" dirty="0"/>
+              <a:t> </a:t>
+            </a:r>
+            <a:r>
+              <a:rPr lang="en-US" sz="1900" dirty="0" err="1"/>
+              <a:t>minneapolis</a:t>
+            </a:r>
+            <a:r>
+              <a:rPr lang="en-US" sz="1900" dirty="0"/>
+              <a:t> –m copy –a “</a:t>
+            </a:r>
+            <a:r>
+              <a:rPr lang="en-US" sz="1900" dirty="0" err="1"/>
+              <a:t>src</a:t>
+            </a:r>
+            <a:r>
+              <a:rPr lang="en-US" sz="1900" dirty="0"/>
+              <a:t>=~/</a:t>
+            </a:r>
+            <a:r>
+              <a:rPr lang="en-US" sz="1900" dirty="0" err="1"/>
+              <a:t>archive.zip</a:t>
+            </a:r>
+            <a:r>
+              <a:rPr lang="en-US" sz="1900" dirty="0"/>
+              <a:t> </a:t>
+            </a:r>
+            <a:r>
+              <a:rPr lang="en-US" sz="1900" dirty="0" err="1"/>
+              <a:t>dest</a:t>
+            </a:r>
+            <a:r>
+              <a:rPr lang="en-US" sz="1900" dirty="0"/>
+              <a:t>=/</a:t>
+            </a:r>
+            <a:r>
+              <a:rPr lang="en-US" sz="1900" dirty="0" err="1"/>
+              <a:t>var</a:t>
+            </a:r>
+            <a:r>
+              <a:rPr lang="en-US" sz="1900" dirty="0"/>
+              <a:t>/www/</a:t>
+            </a:r>
+            <a:r>
+              <a:rPr lang="en-US" sz="1900" dirty="0" err="1"/>
+              <a:t>archive.zip</a:t>
+            </a:r>
+            <a:r>
+              <a:rPr lang="en-US" sz="1900" dirty="0"/>
+              <a:t>”</a:t>
             </a:r>
           </a:p>
           <a:p>
@@ -7379,131 +7574,134 @@
             <a:endParaRPr lang="en-US" dirty="0"/>
           </a:p>
           <a:p>
+            <a:r>
+              <a:rPr lang="en-US" dirty="0"/>
+              <a:t>Create and delete a directory using </a:t>
+            </a:r>
+            <a:r>
+              <a:rPr lang="en-US" b="1" dirty="0"/>
+              <a:t>file</a:t>
+            </a:r>
+            <a:r>
+              <a:rPr lang="en-US" dirty="0"/>
+              <a:t> module:</a:t>
+            </a:r>
+          </a:p>
+          <a:p>
+            <a:endParaRPr lang="en-US" dirty="0"/>
+          </a:p>
+          <a:p>
             <a:pPr marL="457200" lvl="1" indent="0">
               <a:buNone/>
             </a:pPr>
             <a:r>
-              <a:rPr lang="en-US" sz="2000" dirty="0"/>
+              <a:rPr lang="en-US" sz="1900" dirty="0"/>
               <a:t>$ </a:t>
             </a:r>
             <a:r>
-              <a:rPr lang="en-US" sz="2000" dirty="0" err="1"/>
+              <a:rPr lang="en-US" sz="1900" dirty="0" err="1"/>
               <a:t>ansible</a:t>
             </a:r>
             <a:r>
-              <a:rPr lang="en-US" sz="2000" dirty="0"/>
-              <a:t> &lt;host pattern&gt; -m &lt;</a:t>
-            </a:r>
-            <a:r>
-              <a:rPr lang="en-US" sz="2000" dirty="0" err="1"/>
-              <a:t>module_name</a:t>
-            </a:r>
-            <a:r>
-              <a:rPr lang="en-US" sz="2000" dirty="0"/>
-              <a:t>&gt; -a &lt;arguments&gt;</a:t>
+              <a:rPr lang="en-US" sz="1900" dirty="0"/>
+              <a:t> webservers -m file –a “</a:t>
+            </a:r>
+            <a:r>
+              <a:rPr lang="en-US" sz="1900" dirty="0" err="1"/>
+              <a:t>dest</a:t>
+            </a:r>
+            <a:r>
+              <a:rPr lang="en-US" sz="1900" dirty="0"/>
+              <a:t>=/path/to/files mode=755 state=directory”</a:t>
             </a:r>
           </a:p>
           <a:p>
             <a:pPr marL="457200" lvl="1" indent="0">
               <a:buNone/>
             </a:pPr>
-            <a:endParaRPr lang="en-US" sz="2000" dirty="0"/>
+            <a:r>
+              <a:rPr lang="en-US" sz="1900" dirty="0"/>
+              <a:t>$ </a:t>
+            </a:r>
+            <a:r>
+              <a:rPr lang="en-US" sz="1900" dirty="0" err="1"/>
+              <a:t>ansible</a:t>
+            </a:r>
+            <a:r>
+              <a:rPr lang="en-US" sz="1900" dirty="0"/>
+              <a:t> webservers –m file –a “</a:t>
+            </a:r>
+            <a:r>
+              <a:rPr lang="en-US" sz="1900" dirty="0" err="1"/>
+              <a:t>dest</a:t>
+            </a:r>
+            <a:r>
+              <a:rPr lang="en-US" sz="1900" dirty="0"/>
+              <a:t>=/path/to/files state=absent”</a:t>
+            </a:r>
+          </a:p>
+          <a:p>
+            <a:endParaRPr lang="en-US" dirty="0"/>
+          </a:p>
+          <a:p>
+            <a:r>
+              <a:rPr lang="en-US" dirty="0"/>
+              <a:t>Install a software package using </a:t>
+            </a:r>
+            <a:r>
+              <a:rPr lang="en-US" b="1" dirty="0"/>
+              <a:t>yum</a:t>
+            </a:r>
+            <a:r>
+              <a:rPr lang="en-US" dirty="0"/>
+              <a:t> module:</a:t>
+            </a:r>
+          </a:p>
+          <a:p>
+            <a:endParaRPr lang="en-US" dirty="0"/>
           </a:p>
           <a:p>
             <a:pPr marL="457200" lvl="1" indent="0">
               <a:buNone/>
             </a:pPr>
             <a:r>
-              <a:rPr lang="en-US" sz="2000" dirty="0"/>
+              <a:rPr lang="en-US" sz="1900" dirty="0"/>
               <a:t>$ </a:t>
             </a:r>
             <a:r>
-              <a:rPr lang="en-US" sz="2000" dirty="0" err="1"/>
+              <a:rPr lang="en-US" sz="1900" dirty="0" err="1"/>
               <a:t>ansible</a:t>
             </a:r>
             <a:r>
-              <a:rPr lang="en-US" sz="2000" dirty="0"/>
-              <a:t> web1 </a:t>
-            </a:r>
-            <a:r>
-              <a:rPr lang="en-US" sz="2000"/>
-              <a:t>-m command </a:t>
-            </a:r>
-            <a:r>
-              <a:rPr lang="en-US" sz="2000" dirty="0"/>
-              <a:t>–a “uptime”</a:t>
-            </a:r>
-          </a:p>
-          <a:p>
-            <a:endParaRPr lang="en-US" sz="2400" dirty="0"/>
-          </a:p>
-          <a:p>
-            <a:r>
-              <a:rPr lang="en-US" sz="2400" dirty="0"/>
-              <a:t>The </a:t>
-            </a:r>
-            <a:r>
-              <a:rPr lang="en-US" sz="2400" b="1" dirty="0"/>
-              <a:t>command</a:t>
-            </a:r>
-            <a:r>
-              <a:rPr lang="en-US" sz="2400" dirty="0"/>
-              <a:t> module is the default module, so we don’t have to specify it.</a:t>
-            </a:r>
-          </a:p>
-          <a:p>
-            <a:endParaRPr lang="en-US" sz="2400" dirty="0"/>
-          </a:p>
-          <a:p>
-            <a:pPr marL="457200" lvl="1" indent="0">
-              <a:buNone/>
-            </a:pPr>
-            <a:r>
-              <a:rPr lang="en-US" sz="2000" dirty="0"/>
-              <a:t>$ </a:t>
-            </a:r>
-            <a:r>
-              <a:rPr lang="en-US" sz="2000" dirty="0" err="1"/>
-              <a:t>ansible</a:t>
-            </a:r>
-            <a:r>
-              <a:rPr lang="en-US" sz="2000" dirty="0"/>
-              <a:t> all –a “tail /</a:t>
-            </a:r>
-            <a:r>
-              <a:rPr lang="en-US" sz="2000" dirty="0" err="1"/>
-              <a:t>var</a:t>
-            </a:r>
-            <a:r>
-              <a:rPr lang="en-US" sz="2000" dirty="0"/>
-              <a:t>/log/boot” –u </a:t>
-            </a:r>
-            <a:r>
-              <a:rPr lang="en-US" sz="2000" dirty="0" err="1"/>
-              <a:t>sudo</a:t>
-            </a:r>
-            <a:endParaRPr lang="en-US" sz="2000" dirty="0"/>
-          </a:p>
-          <a:p>
-            <a:pPr lvl="1"/>
-            <a:endParaRPr lang="en-US" sz="2000" dirty="0"/>
-          </a:p>
-          <a:p>
-            <a:r>
-              <a:rPr lang="en-US" sz="2400" dirty="0" err="1"/>
-              <a:t>Ansible</a:t>
-            </a:r>
-            <a:r>
-              <a:rPr lang="en-US" sz="2400" dirty="0"/>
-              <a:t> will execute the command as the user specified by the –u option.</a:t>
-            </a:r>
+              <a:rPr lang="en-US" sz="1900" dirty="0"/>
+              <a:t> </a:t>
+            </a:r>
+            <a:r>
+              <a:rPr lang="en-US" sz="1900" dirty="0" err="1"/>
+              <a:t>dbserver</a:t>
+            </a:r>
+            <a:r>
+              <a:rPr lang="en-US" sz="1900" dirty="0"/>
+              <a:t> –m yum –a “name=</a:t>
+            </a:r>
+            <a:r>
+              <a:rPr lang="en-US" sz="1900" dirty="0" err="1"/>
+              <a:t>mysql</a:t>
+            </a:r>
+            <a:r>
+              <a:rPr lang="en-US" sz="1900" dirty="0"/>
+              <a:t> state=present”</a:t>
+            </a:r>
+          </a:p>
+          <a:p>
+            <a:endParaRPr lang="en-US" dirty="0"/>
           </a:p>
         </p:txBody>
       </p:sp>
     </p:spTree>
     <p:extLst>
       <p:ext uri="{BB962C8B-B14F-4D97-AF65-F5344CB8AC3E}">
-        <p14:creationId xmlns:p14="http://schemas.microsoft.com/office/powerpoint/2010/main" val="1378567233"/>
+        <p14:creationId xmlns:p14="http://schemas.microsoft.com/office/powerpoint/2010/main" val="722358187"/>
       </p:ext>
     </p:extLst>
   </p:cSld>
@@ -7565,285 +7763,6 @@
         <p:spPr/>
         <p:txBody>
           <a:bodyPr>
-            <a:normAutofit fontScale="85000" lnSpcReduction="20000"/>
-          </a:bodyPr>
-          <a:lstStyle/>
-          <a:p>
-            <a:r>
-              <a:rPr lang="en-US" dirty="0"/>
-              <a:t>Copy files to a group of servers using </a:t>
-            </a:r>
-            <a:r>
-              <a:rPr lang="en-US" b="1" dirty="0"/>
-              <a:t>copy</a:t>
-            </a:r>
-            <a:r>
-              <a:rPr lang="en-US" dirty="0"/>
-              <a:t> module:</a:t>
-            </a:r>
-          </a:p>
-          <a:p>
-            <a:endParaRPr lang="en-US" dirty="0"/>
-          </a:p>
-          <a:p>
-            <a:pPr marL="457200" lvl="1" indent="0">
-              <a:buNone/>
-            </a:pPr>
-            <a:r>
-              <a:rPr lang="en-US" sz="1900" dirty="0"/>
-              <a:t>$ </a:t>
-            </a:r>
-            <a:r>
-              <a:rPr lang="en-US" sz="1900" dirty="0" err="1"/>
-              <a:t>ansible</a:t>
-            </a:r>
-            <a:r>
-              <a:rPr lang="en-US" sz="1900" dirty="0"/>
-              <a:t> </a:t>
-            </a:r>
-            <a:r>
-              <a:rPr lang="en-US" sz="1900" dirty="0" err="1"/>
-              <a:t>minneapolis</a:t>
-            </a:r>
-            <a:r>
-              <a:rPr lang="en-US" sz="1900" dirty="0"/>
-              <a:t> –m copy –a “</a:t>
-            </a:r>
-            <a:r>
-              <a:rPr lang="en-US" sz="1900" dirty="0" err="1"/>
-              <a:t>src</a:t>
-            </a:r>
-            <a:r>
-              <a:rPr lang="en-US" sz="1900" dirty="0"/>
-              <a:t>=~/</a:t>
-            </a:r>
-            <a:r>
-              <a:rPr lang="en-US" sz="1900" dirty="0" err="1"/>
-              <a:t>archive.zip</a:t>
-            </a:r>
-            <a:r>
-              <a:rPr lang="en-US" sz="1900" dirty="0"/>
-              <a:t> </a:t>
-            </a:r>
-            <a:r>
-              <a:rPr lang="en-US" sz="1900" dirty="0" err="1"/>
-              <a:t>dest</a:t>
-            </a:r>
-            <a:r>
-              <a:rPr lang="en-US" sz="1900" dirty="0"/>
-              <a:t>=/</a:t>
-            </a:r>
-            <a:r>
-              <a:rPr lang="en-US" sz="1900" dirty="0" err="1"/>
-              <a:t>var</a:t>
-            </a:r>
-            <a:r>
-              <a:rPr lang="en-US" sz="1900" dirty="0"/>
-              <a:t>/www/</a:t>
-            </a:r>
-            <a:r>
-              <a:rPr lang="en-US" sz="1900" dirty="0" err="1"/>
-              <a:t>archive.zip</a:t>
-            </a:r>
-            <a:r>
-              <a:rPr lang="en-US" sz="1900" dirty="0"/>
-              <a:t>”</a:t>
-            </a:r>
-          </a:p>
-          <a:p>
-            <a:pPr lvl="1"/>
-            <a:endParaRPr lang="en-US" dirty="0"/>
-          </a:p>
-          <a:p>
-            <a:r>
-              <a:rPr lang="en-US" dirty="0"/>
-              <a:t>Create and delete a directory using </a:t>
-            </a:r>
-            <a:r>
-              <a:rPr lang="en-US" b="1" dirty="0"/>
-              <a:t>file</a:t>
-            </a:r>
-            <a:r>
-              <a:rPr lang="en-US" dirty="0"/>
-              <a:t> module:</a:t>
-            </a:r>
-          </a:p>
-          <a:p>
-            <a:endParaRPr lang="en-US" dirty="0"/>
-          </a:p>
-          <a:p>
-            <a:pPr marL="457200" lvl="1" indent="0">
-              <a:buNone/>
-            </a:pPr>
-            <a:r>
-              <a:rPr lang="en-US" sz="1900" dirty="0"/>
-              <a:t>$ </a:t>
-            </a:r>
-            <a:r>
-              <a:rPr lang="en-US" sz="1900" dirty="0" err="1"/>
-              <a:t>ansible</a:t>
-            </a:r>
-            <a:r>
-              <a:rPr lang="en-US" sz="1900" dirty="0"/>
-              <a:t> webservers -m file –a “</a:t>
-            </a:r>
-            <a:r>
-              <a:rPr lang="en-US" sz="1900" dirty="0" err="1"/>
-              <a:t>dest</a:t>
-            </a:r>
-            <a:r>
-              <a:rPr lang="en-US" sz="1900" dirty="0"/>
-              <a:t>=/path/to/files mode=755 state=directory”</a:t>
-            </a:r>
-          </a:p>
-          <a:p>
-            <a:pPr marL="457200" lvl="1" indent="0">
-              <a:buNone/>
-            </a:pPr>
-            <a:r>
-              <a:rPr lang="en-US" sz="1900" dirty="0"/>
-              <a:t>$ </a:t>
-            </a:r>
-            <a:r>
-              <a:rPr lang="en-US" sz="1900" dirty="0" err="1"/>
-              <a:t>ansible</a:t>
-            </a:r>
-            <a:r>
-              <a:rPr lang="en-US" sz="1900" dirty="0"/>
-              <a:t> webservers –m file –a “</a:t>
-            </a:r>
-            <a:r>
-              <a:rPr lang="en-US" sz="1900" dirty="0" err="1"/>
-              <a:t>dest</a:t>
-            </a:r>
-            <a:r>
-              <a:rPr lang="en-US" sz="1900" dirty="0"/>
-              <a:t>=/path/to/files state=absent”</a:t>
-            </a:r>
-          </a:p>
-          <a:p>
-            <a:endParaRPr lang="en-US" dirty="0"/>
-          </a:p>
-          <a:p>
-            <a:r>
-              <a:rPr lang="en-US" dirty="0"/>
-              <a:t>Install a software package using </a:t>
-            </a:r>
-            <a:r>
-              <a:rPr lang="en-US" b="1" dirty="0"/>
-              <a:t>yum</a:t>
-            </a:r>
-            <a:r>
-              <a:rPr lang="en-US" dirty="0"/>
-              <a:t> module:</a:t>
-            </a:r>
-          </a:p>
-          <a:p>
-            <a:endParaRPr lang="en-US" dirty="0"/>
-          </a:p>
-          <a:p>
-            <a:pPr marL="457200" lvl="1" indent="0">
-              <a:buNone/>
-            </a:pPr>
-            <a:r>
-              <a:rPr lang="en-US" sz="1900" dirty="0"/>
-              <a:t>$ </a:t>
-            </a:r>
-            <a:r>
-              <a:rPr lang="en-US" sz="1900" dirty="0" err="1"/>
-              <a:t>ansible</a:t>
-            </a:r>
-            <a:r>
-              <a:rPr lang="en-US" sz="1900" dirty="0"/>
-              <a:t> </a:t>
-            </a:r>
-            <a:r>
-              <a:rPr lang="en-US" sz="1900" dirty="0" err="1"/>
-              <a:t>dbserver</a:t>
-            </a:r>
-            <a:r>
-              <a:rPr lang="en-US" sz="1900" dirty="0"/>
-              <a:t> –m yum –a “name=</a:t>
-            </a:r>
-            <a:r>
-              <a:rPr lang="en-US" sz="1900" dirty="0" err="1"/>
-              <a:t>mysql</a:t>
-            </a:r>
-            <a:r>
-              <a:rPr lang="en-US" sz="1900" dirty="0"/>
-              <a:t> state=present”</a:t>
-            </a:r>
-          </a:p>
-          <a:p>
-            <a:endParaRPr lang="en-US" dirty="0"/>
-          </a:p>
-        </p:txBody>
-      </p:sp>
-    </p:spTree>
-    <p:extLst>
-      <p:ext uri="{BB962C8B-B14F-4D97-AF65-F5344CB8AC3E}">
-        <p14:creationId xmlns:p14="http://schemas.microsoft.com/office/powerpoint/2010/main" val="722358187"/>
-      </p:ext>
-    </p:extLst>
-  </p:cSld>
-  <p:clrMapOvr>
-    <a:masterClrMapping/>
-  </p:clrMapOvr>
-</p:sld>
-</file>
-
-<file path=ppt/slides/slide33.xml><?xml version="1.0" encoding="utf-8"?>
-<p:sld xmlns:a="http://schemas.openxmlformats.org/drawingml/2006/main" xmlns:r="http://schemas.openxmlformats.org/officeDocument/2006/relationships" xmlns:p="http://schemas.openxmlformats.org/presentationml/2006/main">
-  <p:cSld>
-    <p:spTree>
-      <p:nvGrpSpPr>
-        <p:cNvPr id="1" name=""/>
-        <p:cNvGrpSpPr/>
-        <p:nvPr/>
-      </p:nvGrpSpPr>
-      <p:grpSpPr>
-        <a:xfrm>
-          <a:off x="0" y="0"/>
-          <a:ext cx="0" cy="0"/>
-          <a:chOff x="0" y="0"/>
-          <a:chExt cx="0" cy="0"/>
-        </a:xfrm>
-      </p:grpSpPr>
-      <p:sp>
-        <p:nvSpPr>
-          <p:cNvPr id="2" name="Title 1"/>
-          <p:cNvSpPr>
-            <a:spLocks noGrp="1"/>
-          </p:cNvSpPr>
-          <p:nvPr>
-            <p:ph type="title"/>
-          </p:nvPr>
-        </p:nvSpPr>
-        <p:spPr/>
-        <p:txBody>
-          <a:bodyPr/>
-          <a:lstStyle/>
-          <a:p>
-            <a:r>
-              <a:rPr lang="en-US" dirty="0"/>
-              <a:t>Ad hoc commands</a:t>
-            </a:r>
-          </a:p>
-        </p:txBody>
-      </p:sp>
-      <p:sp>
-        <p:nvSpPr>
-          <p:cNvPr id="3" name="Content Placeholder 2"/>
-          <p:cNvSpPr>
-            <a:spLocks noGrp="1"/>
-          </p:cNvSpPr>
-          <p:nvPr>
-            <p:ph idx="1"/>
-          </p:nvPr>
-        </p:nvSpPr>
-        <p:spPr/>
-        <p:txBody>
-          <a:bodyPr>
             <a:normAutofit fontScale="70000" lnSpcReduction="20000"/>
           </a:bodyPr>
           <a:lstStyle/>
@@ -8048,7 +7967,7 @@
 </p:sld>
 </file>
 
-<file path=ppt/slides/slide34.xml><?xml version="1.0" encoding="utf-8"?>
+<file path=ppt/slides/slide33.xml><?xml version="1.0" encoding="utf-8"?>
 <p:sld xmlns:a="http://schemas.openxmlformats.org/drawingml/2006/main" xmlns:r="http://schemas.openxmlformats.org/officeDocument/2006/relationships" xmlns:p="http://schemas.openxmlformats.org/presentationml/2006/main">
   <p:cSld>
     <p:spTree>
@@ -8470,7 +8389,7 @@
 </p:sld>
 </file>
 
-<file path=ppt/slides/slide35.xml><?xml version="1.0" encoding="utf-8"?>
+<file path=ppt/slides/slide34.xml><?xml version="1.0" encoding="utf-8"?>
 <p:sld xmlns:a="http://schemas.openxmlformats.org/drawingml/2006/main" xmlns:r="http://schemas.openxmlformats.org/officeDocument/2006/relationships" xmlns:p="http://schemas.openxmlformats.org/presentationml/2006/main">
   <p:cSld>
     <p:spTree>
@@ -8786,6 +8705,210 @@
 </p:sld>
 </file>
 
+<file path=ppt/slides/slide35.xml><?xml version="1.0" encoding="utf-8"?>
+<p:sld xmlns:a="http://schemas.openxmlformats.org/drawingml/2006/main" xmlns:r="http://schemas.openxmlformats.org/officeDocument/2006/relationships" xmlns:p="http://schemas.openxmlformats.org/presentationml/2006/main">
+  <p:cSld>
+    <p:spTree>
+      <p:nvGrpSpPr>
+        <p:cNvPr id="1" name=""/>
+        <p:cNvGrpSpPr/>
+        <p:nvPr/>
+      </p:nvGrpSpPr>
+      <p:grpSpPr>
+        <a:xfrm>
+          <a:off x="0" y="0"/>
+          <a:ext cx="0" cy="0"/>
+          <a:chOff x="0" y="0"/>
+          <a:chExt cx="0" cy="0"/>
+        </a:xfrm>
+      </p:grpSpPr>
+      <p:sp>
+        <p:nvSpPr>
+          <p:cNvPr id="2" name="Title 1"/>
+          <p:cNvSpPr>
+            <a:spLocks noGrp="1"/>
+          </p:cNvSpPr>
+          <p:nvPr>
+            <p:ph type="title"/>
+          </p:nvPr>
+        </p:nvSpPr>
+        <p:spPr/>
+        <p:txBody>
+          <a:bodyPr/>
+          <a:lstStyle/>
+          <a:p>
+            <a:r>
+              <a:rPr lang="en-US" dirty="0"/>
+              <a:t>Check Mode</a:t>
+            </a:r>
+          </a:p>
+        </p:txBody>
+      </p:sp>
+      <p:sp>
+        <p:nvSpPr>
+          <p:cNvPr id="3" name="Content Placeholder 2"/>
+          <p:cNvSpPr>
+            <a:spLocks noGrp="1"/>
+          </p:cNvSpPr>
+          <p:nvPr>
+            <p:ph idx="1"/>
+          </p:nvPr>
+        </p:nvSpPr>
+        <p:spPr/>
+        <p:txBody>
+          <a:bodyPr>
+            <a:normAutofit fontScale="92500" lnSpcReduction="10000"/>
+          </a:bodyPr>
+          <a:lstStyle/>
+          <a:p>
+            <a:r>
+              <a:rPr lang="en-US" dirty="0" err="1"/>
+              <a:t>Ansible</a:t>
+            </a:r>
+            <a:r>
+              <a:rPr lang="en-US" dirty="0"/>
+              <a:t> can perform a dry-run for ad-hoc commands and playbooks.</a:t>
+            </a:r>
+          </a:p>
+          <a:p>
+            <a:pPr lvl="1"/>
+            <a:r>
+              <a:rPr lang="en-US" dirty="0"/>
+              <a:t>Implemented with the –C flag on command line.</a:t>
+            </a:r>
+          </a:p>
+          <a:p>
+            <a:endParaRPr lang="en-US" dirty="0"/>
+          </a:p>
+          <a:p>
+            <a:r>
+              <a:rPr lang="en-US" dirty="0"/>
+              <a:t>Used to validate </a:t>
+            </a:r>
+            <a:r>
+              <a:rPr lang="en-US" dirty="0" err="1"/>
+              <a:t>Ansible</a:t>
+            </a:r>
+            <a:r>
+              <a:rPr lang="en-US" dirty="0"/>
+              <a:t> execution before making state changes on target systems.</a:t>
+            </a:r>
+          </a:p>
+          <a:p>
+            <a:pPr lvl="1"/>
+            <a:r>
+              <a:rPr lang="en-US" dirty="0"/>
+              <a:t>Note: Not all modules support check mode.</a:t>
+            </a:r>
+          </a:p>
+          <a:p>
+            <a:endParaRPr lang="en-US" dirty="0"/>
+          </a:p>
+          <a:p>
+            <a:pPr marL="0" indent="0">
+              <a:buNone/>
+            </a:pPr>
+            <a:r>
+              <a:rPr lang="en-US" sz="1700" dirty="0">
+                <a:latin typeface="Consolas" charset="0"/>
+                <a:ea typeface="Consolas" charset="0"/>
+                <a:cs typeface="Consolas" charset="0"/>
+              </a:rPr>
+              <a:t>$ </a:t>
+            </a:r>
+            <a:r>
+              <a:rPr lang="en-US" sz="1700" dirty="0" err="1">
+                <a:latin typeface="Consolas" charset="0"/>
+                <a:ea typeface="Consolas" charset="0"/>
+                <a:cs typeface="Consolas" charset="0"/>
+              </a:rPr>
+              <a:t>ansible</a:t>
+            </a:r>
+            <a:r>
+              <a:rPr lang="en-US" sz="1700" dirty="0">
+                <a:latin typeface="Consolas" charset="0"/>
+                <a:ea typeface="Consolas" charset="0"/>
+                <a:cs typeface="Consolas" charset="0"/>
+              </a:rPr>
+              <a:t> web1 –C –m –yum –a “name=</a:t>
+            </a:r>
+            <a:r>
+              <a:rPr lang="en-US" sz="1700" dirty="0" err="1">
+                <a:latin typeface="Consolas" charset="0"/>
+                <a:ea typeface="Consolas" charset="0"/>
+                <a:cs typeface="Consolas" charset="0"/>
+              </a:rPr>
+              <a:t>httpd</a:t>
+            </a:r>
+            <a:r>
+              <a:rPr lang="en-US" sz="1700" dirty="0">
+                <a:latin typeface="Consolas" charset="0"/>
+                <a:ea typeface="Consolas" charset="0"/>
+                <a:cs typeface="Consolas" charset="0"/>
+              </a:rPr>
+              <a:t> state=latest”</a:t>
+            </a:r>
+          </a:p>
+          <a:p>
+            <a:pPr marL="0" indent="0">
+              <a:buNone/>
+            </a:pPr>
+            <a:r>
+              <a:rPr lang="en-US" sz="1700" dirty="0">
+                <a:latin typeface="Consolas" charset="0"/>
+                <a:ea typeface="Consolas" charset="0"/>
+                <a:cs typeface="Consolas" charset="0"/>
+              </a:rPr>
+              <a:t>$ </a:t>
+            </a:r>
+            <a:r>
+              <a:rPr lang="en-US" sz="1700" dirty="0" err="1">
+                <a:latin typeface="Consolas" charset="0"/>
+                <a:ea typeface="Consolas" charset="0"/>
+                <a:cs typeface="Consolas" charset="0"/>
+              </a:rPr>
+              <a:t>ansible</a:t>
+            </a:r>
+            <a:r>
+              <a:rPr lang="en-US" sz="1700" dirty="0">
+                <a:latin typeface="Consolas" charset="0"/>
+                <a:ea typeface="Consolas" charset="0"/>
+                <a:cs typeface="Consolas" charset="0"/>
+              </a:rPr>
+              <a:t>-playbook –C my-</a:t>
+            </a:r>
+            <a:r>
+              <a:rPr lang="en-US" sz="1700" dirty="0" err="1">
+                <a:latin typeface="Consolas" charset="0"/>
+                <a:ea typeface="Consolas" charset="0"/>
+                <a:cs typeface="Consolas" charset="0"/>
+              </a:rPr>
+              <a:t>playbook.yml</a:t>
+            </a:r>
+            <a:endParaRPr lang="en-US" sz="1700" dirty="0">
+              <a:latin typeface="Consolas" charset="0"/>
+              <a:ea typeface="Consolas" charset="0"/>
+              <a:cs typeface="Consolas" charset="0"/>
+            </a:endParaRPr>
+          </a:p>
+          <a:p>
+            <a:endParaRPr lang="en-US" dirty="0"/>
+          </a:p>
+        </p:txBody>
+      </p:sp>
+    </p:spTree>
+    <p:extLst>
+      <p:ext uri="{BB962C8B-B14F-4D97-AF65-F5344CB8AC3E}">
+        <p14:creationId xmlns:p14="http://schemas.microsoft.com/office/powerpoint/2010/main" val="1641269976"/>
+      </p:ext>
+    </p:extLst>
+  </p:cSld>
+  <p:clrMapOvr>
+    <a:masterClrMapping/>
+  </p:clrMapOvr>
+</p:sld>
+</file>
+
 <file path=ppt/slides/slide36.xml><?xml version="1.0" encoding="utf-8"?>
 <p:sld xmlns:a="http://schemas.openxmlformats.org/drawingml/2006/main" xmlns:r="http://schemas.openxmlformats.org/officeDocument/2006/relationships" xmlns:p="http://schemas.openxmlformats.org/presentationml/2006/main">
   <p:cSld>
@@ -8820,7 +8943,7 @@
           <a:p>
             <a:r>
               <a:rPr lang="en-US" dirty="0"/>
-              <a:t>Check Mode</a:t>
+              <a:t>Playbooks</a:t>
             </a:r>
           </a:p>
         </p:txBody>
@@ -8835,51 +8958,71 @@
             <p:ph idx="1"/>
           </p:nvPr>
         </p:nvSpPr>
-        <p:spPr/>
+        <p:spPr>
+          <a:xfrm>
+            <a:off x="457200" y="1600200"/>
+            <a:ext cx="8229600" cy="5095568"/>
+          </a:xfrm>
+        </p:spPr>
         <p:txBody>
           <a:bodyPr>
-            <a:normAutofit fontScale="92500" lnSpcReduction="10000"/>
+            <a:normAutofit fontScale="40000" lnSpcReduction="20000"/>
           </a:bodyPr>
           <a:lstStyle/>
           <a:p>
             <a:r>
-              <a:rPr lang="en-US" dirty="0" err="1"/>
-              <a:t>Ansible</a:t>
-            </a:r>
-            <a:r>
-              <a:rPr lang="en-US" dirty="0"/>
-              <a:t> can perform a dry-run for ad-hoc commands and playbooks.</a:t>
+              <a:rPr lang="en-US" sz="4200" dirty="0"/>
+              <a:t>Let’s start with something easy:</a:t>
+            </a:r>
+          </a:p>
+          <a:p>
+            <a:endParaRPr lang="en-US" dirty="0"/>
+          </a:p>
+          <a:p>
+            <a:pPr marL="457200" lvl="1" indent="0">
+              <a:buNone/>
+            </a:pPr>
+            <a:r>
+              <a:rPr lang="en-US" sz="3400" dirty="0">
+                <a:latin typeface="Consolas" charset="0"/>
+                <a:ea typeface="Consolas" charset="0"/>
+                <a:cs typeface="Consolas" charset="0"/>
+              </a:rPr>
+              <a:t>$ </a:t>
+            </a:r>
+            <a:r>
+              <a:rPr lang="en-US" sz="3400" dirty="0" err="1">
+                <a:latin typeface="Consolas" charset="0"/>
+                <a:ea typeface="Consolas" charset="0"/>
+                <a:cs typeface="Consolas" charset="0"/>
+              </a:rPr>
+              <a:t>ansible</a:t>
+            </a:r>
+            <a:r>
+              <a:rPr lang="en-US" sz="3400" dirty="0">
+                <a:latin typeface="Consolas" charset="0"/>
+                <a:ea typeface="Consolas" charset="0"/>
+                <a:cs typeface="Consolas" charset="0"/>
+              </a:rPr>
+              <a:t> all –m shell –a ‘echo hello world’</a:t>
             </a:r>
           </a:p>
           <a:p>
             <a:pPr lvl="1"/>
-            <a:r>
-              <a:rPr lang="en-US" dirty="0"/>
-              <a:t>Implemented with the –C flag on command line.</a:t>
-            </a:r>
-          </a:p>
-          <a:p>
             <a:endParaRPr lang="en-US" dirty="0"/>
           </a:p>
           <a:p>
             <a:r>
-              <a:rPr lang="en-US" dirty="0"/>
-              <a:t>Used to validate </a:t>
-            </a:r>
-            <a:r>
-              <a:rPr lang="en-US" dirty="0" err="1"/>
-              <a:t>Ansible</a:t>
-            </a:r>
-            <a:r>
-              <a:rPr lang="en-US" dirty="0"/>
-              <a:t> execution before making state changes on target systems.</a:t>
-            </a:r>
-          </a:p>
-          <a:p>
-            <a:pPr lvl="1"/>
-            <a:r>
-              <a:rPr lang="en-US" dirty="0"/>
-              <a:t>Note: Not all modules support check mode.</a:t>
+              <a:rPr lang="en-US" sz="4200" dirty="0"/>
+              <a:t>We can turn this into a playbook called </a:t>
+            </a:r>
+            <a:r>
+              <a:rPr lang="en-US" sz="4200" dirty="0" err="1"/>
+              <a:t>helloworld.yml</a:t>
+            </a:r>
+            <a:r>
+              <a:rPr lang="en-US" sz="4200" dirty="0"/>
+              <a:t> containing a single play:</a:t>
             </a:r>
           </a:p>
           <a:p>
@@ -8890,44 +9033,26 @@
               <a:buNone/>
             </a:pPr>
             <a:r>
-              <a:rPr lang="en-US" sz="1700" dirty="0">
-                <a:latin typeface="Consolas" charset="0"/>
-                <a:ea typeface="Consolas" charset="0"/>
-                <a:cs typeface="Consolas" charset="0"/>
-              </a:rPr>
-              <a:t>$ </a:t>
-            </a:r>
-            <a:r>
-              <a:rPr lang="en-US" sz="1700" dirty="0" err="1">
-                <a:latin typeface="Consolas" charset="0"/>
-                <a:ea typeface="Consolas" charset="0"/>
-                <a:cs typeface="Consolas" charset="0"/>
-              </a:rPr>
-              <a:t>ansible</a:t>
-            </a:r>
-            <a:r>
-              <a:rPr lang="en-US" sz="1700" dirty="0">
-                <a:latin typeface="Consolas" charset="0"/>
-                <a:ea typeface="Consolas" charset="0"/>
-                <a:cs typeface="Consolas" charset="0"/>
-              </a:rPr>
-              <a:t> web1 –C –m –yum –a “name=</a:t>
-            </a:r>
-            <a:r>
-              <a:rPr lang="en-US" sz="1700" dirty="0" err="1">
-                <a:latin typeface="Consolas" charset="0"/>
-                <a:ea typeface="Consolas" charset="0"/>
-                <a:cs typeface="Consolas" charset="0"/>
-              </a:rPr>
-              <a:t>httpd</a:t>
-            </a:r>
-            <a:r>
-              <a:rPr lang="en-US" sz="1700" dirty="0">
-                <a:latin typeface="Consolas" charset="0"/>
-                <a:ea typeface="Consolas" charset="0"/>
-                <a:cs typeface="Consolas" charset="0"/>
-              </a:rPr>
-              <a:t> state=latest”</a:t>
+              <a:rPr lang="en-US" sz="3400" dirty="0">
+                <a:latin typeface="Consolas" charset="0"/>
+                <a:ea typeface="Consolas" charset="0"/>
+                <a:cs typeface="Consolas" charset="0"/>
+              </a:rPr>
+              <a:t>---</a:t>
+            </a:r>
+          </a:p>
+          <a:p>
+            <a:pPr>
+              <a:buFontTx/>
+              <a:buChar char="-"/>
+            </a:pPr>
+            <a:r>
+              <a:rPr lang="en-US" sz="3400" dirty="0">
+                <a:latin typeface="Consolas" charset="0"/>
+                <a:ea typeface="Consolas" charset="0"/>
+                <a:cs typeface="Consolas" charset="0"/>
+              </a:rPr>
+              <a:t>hosts: all</a:t>
             </a:r>
           </a:p>
           <a:p>
@@ -8935,52 +9060,220 @@
               <a:buNone/>
             </a:pPr>
             <a:r>
-              <a:rPr lang="en-US" sz="1700" dirty="0">
-                <a:latin typeface="Consolas" charset="0"/>
-                <a:ea typeface="Consolas" charset="0"/>
-                <a:cs typeface="Consolas" charset="0"/>
-              </a:rPr>
-              <a:t>$ </a:t>
-            </a:r>
-            <a:r>
-              <a:rPr lang="en-US" sz="1700" dirty="0" err="1">
-                <a:latin typeface="Consolas" charset="0"/>
-                <a:ea typeface="Consolas" charset="0"/>
-                <a:cs typeface="Consolas" charset="0"/>
-              </a:rPr>
-              <a:t>ansible</a:t>
-            </a:r>
-            <a:r>
-              <a:rPr lang="en-US" sz="1700" dirty="0">
-                <a:latin typeface="Consolas" charset="0"/>
-                <a:ea typeface="Consolas" charset="0"/>
-                <a:cs typeface="Consolas" charset="0"/>
-              </a:rPr>
-              <a:t>-playbook –C my-</a:t>
-            </a:r>
-            <a:r>
-              <a:rPr lang="en-US" sz="1700" dirty="0" err="1">
-                <a:latin typeface="Consolas" charset="0"/>
-                <a:ea typeface="Consolas" charset="0"/>
-                <a:cs typeface="Consolas" charset="0"/>
-              </a:rPr>
-              <a:t>playbook.yml</a:t>
-            </a:r>
-            <a:endParaRPr lang="en-US" sz="1700" dirty="0">
+              <a:rPr lang="en-US" sz="3400" dirty="0">
+                <a:latin typeface="Consolas" charset="0"/>
+                <a:ea typeface="Consolas" charset="0"/>
+                <a:cs typeface="Consolas" charset="0"/>
+              </a:rPr>
+              <a:t>	tasks:</a:t>
+            </a:r>
+          </a:p>
+          <a:p>
+            <a:pPr marL="0" indent="0">
+              <a:buNone/>
+            </a:pPr>
+            <a:r>
+              <a:rPr lang="en-US" sz="3400" dirty="0">
+                <a:latin typeface="Consolas" charset="0"/>
+                <a:ea typeface="Consolas" charset="0"/>
+                <a:cs typeface="Consolas" charset="0"/>
+              </a:rPr>
+              <a:t>		- shell: echo “hello world”</a:t>
+            </a:r>
+          </a:p>
+          <a:p>
+            <a:pPr marL="0" indent="0">
+              <a:buNone/>
+            </a:pPr>
+            <a:endParaRPr lang="en-US" sz="3400" dirty="0"/>
+          </a:p>
+          <a:p>
+            <a:pPr marL="0" indent="0">
+              <a:buNone/>
+            </a:pPr>
+            <a:endParaRPr lang="en-US" dirty="0">
               <a:latin typeface="Consolas" charset="0"/>
               <a:ea typeface="Consolas" charset="0"/>
               <a:cs typeface="Consolas" charset="0"/>
             </a:endParaRPr>
           </a:p>
           <a:p>
-            <a:endParaRPr lang="en-US" dirty="0"/>
+            <a:pPr marL="0" indent="0">
+              <a:buNone/>
+            </a:pPr>
+            <a:r>
+              <a:rPr lang="en-US" dirty="0">
+                <a:latin typeface="Consolas" charset="0"/>
+                <a:ea typeface="Consolas" charset="0"/>
+                <a:cs typeface="Consolas" charset="0"/>
+              </a:rPr>
+              <a:t>$ </a:t>
+            </a:r>
+            <a:r>
+              <a:rPr lang="en-US" dirty="0" err="1">
+                <a:latin typeface="Consolas" charset="0"/>
+                <a:ea typeface="Consolas" charset="0"/>
+                <a:cs typeface="Consolas" charset="0"/>
+              </a:rPr>
+              <a:t>ansible</a:t>
+            </a:r>
+            <a:r>
+              <a:rPr lang="en-US" dirty="0">
+                <a:latin typeface="Consolas" charset="0"/>
+                <a:ea typeface="Consolas" charset="0"/>
+                <a:cs typeface="Consolas" charset="0"/>
+              </a:rPr>
+              <a:t>-playbook -v </a:t>
+            </a:r>
+            <a:r>
+              <a:rPr lang="en-US" dirty="0" err="1">
+                <a:latin typeface="Consolas" charset="0"/>
+                <a:ea typeface="Consolas" charset="0"/>
+                <a:cs typeface="Consolas" charset="0"/>
+              </a:rPr>
+              <a:t>helloworld.yml</a:t>
+            </a:r>
+            <a:endParaRPr lang="en-US" dirty="0">
+              <a:latin typeface="Consolas" charset="0"/>
+              <a:ea typeface="Consolas" charset="0"/>
+              <a:cs typeface="Consolas" charset="0"/>
+            </a:endParaRPr>
+          </a:p>
+          <a:p>
+            <a:pPr marL="0" indent="0">
+              <a:buNone/>
+            </a:pPr>
+            <a:endParaRPr lang="en-US" dirty="0">
+              <a:latin typeface="Consolas" charset="0"/>
+              <a:ea typeface="Consolas" charset="0"/>
+              <a:cs typeface="Consolas" charset="0"/>
+            </a:endParaRPr>
+          </a:p>
+          <a:p>
+            <a:pPr marL="0" indent="0">
+              <a:buNone/>
+            </a:pPr>
+            <a:endParaRPr lang="en-US" dirty="0">
+              <a:latin typeface="Consolas" charset="0"/>
+              <a:ea typeface="Consolas" charset="0"/>
+              <a:cs typeface="Consolas" charset="0"/>
+            </a:endParaRPr>
+          </a:p>
+          <a:p>
+            <a:pPr marL="0" indent="0">
+              <a:buNone/>
+            </a:pPr>
+            <a:endParaRPr lang="en-US" dirty="0">
+              <a:latin typeface="Consolas" charset="0"/>
+              <a:ea typeface="Consolas" charset="0"/>
+              <a:cs typeface="Consolas" charset="0"/>
+            </a:endParaRPr>
+          </a:p>
+          <a:p>
+            <a:r>
+              <a:rPr lang="en-US" sz="4200" dirty="0">
+                <a:ea typeface="Consolas" charset="0"/>
+                <a:cs typeface="Consolas" charset="0"/>
+              </a:rPr>
+              <a:t>Execute a playbook against multiple systems:</a:t>
+            </a:r>
+          </a:p>
+          <a:p>
+            <a:endParaRPr lang="en-US" dirty="0">
+              <a:ea typeface="Consolas" charset="0"/>
+              <a:cs typeface="Consolas" charset="0"/>
+            </a:endParaRPr>
+          </a:p>
+          <a:p>
+            <a:pPr marL="0" indent="0">
+              <a:buNone/>
+            </a:pPr>
+            <a:r>
+              <a:rPr lang="en-US" sz="3400" dirty="0">
+                <a:latin typeface="Consolas" charset="0"/>
+                <a:ea typeface="Consolas" charset="0"/>
+                <a:cs typeface="Consolas" charset="0"/>
+              </a:rPr>
+              <a:t>$ </a:t>
+            </a:r>
+            <a:r>
+              <a:rPr lang="en-US" sz="3400" dirty="0" err="1">
+                <a:latin typeface="Consolas" charset="0"/>
+                <a:ea typeface="Consolas" charset="0"/>
+                <a:cs typeface="Consolas" charset="0"/>
+              </a:rPr>
+              <a:t>ansible</a:t>
+            </a:r>
+            <a:r>
+              <a:rPr lang="en-US" sz="3400" dirty="0">
+                <a:latin typeface="Consolas" charset="0"/>
+                <a:ea typeface="Consolas" charset="0"/>
+                <a:cs typeface="Consolas" charset="0"/>
+              </a:rPr>
+              <a:t>-playbook &lt;playbook&gt; -f &lt;parallelism level&gt;</a:t>
+            </a:r>
+          </a:p>
+          <a:p>
+            <a:pPr marL="0" indent="0">
+              <a:buNone/>
+            </a:pPr>
+            <a:endParaRPr lang="en-US" sz="3400" dirty="0">
+              <a:latin typeface="Consolas" charset="0"/>
+              <a:ea typeface="Consolas" charset="0"/>
+              <a:cs typeface="Consolas" charset="0"/>
+            </a:endParaRPr>
+          </a:p>
+          <a:p>
+            <a:pPr marL="0" indent="0">
+              <a:buNone/>
+            </a:pPr>
+            <a:r>
+              <a:rPr lang="en-US" sz="3400" dirty="0">
+                <a:latin typeface="Consolas" charset="0"/>
+                <a:ea typeface="Consolas" charset="0"/>
+                <a:cs typeface="Consolas" charset="0"/>
+              </a:rPr>
+              <a:t>$ </a:t>
+            </a:r>
+            <a:r>
+              <a:rPr lang="en-US" sz="3400" dirty="0" err="1">
+                <a:latin typeface="Consolas" charset="0"/>
+                <a:ea typeface="Consolas" charset="0"/>
+                <a:cs typeface="Consolas" charset="0"/>
+              </a:rPr>
+              <a:t>ansible</a:t>
+            </a:r>
+            <a:r>
+              <a:rPr lang="en-US" sz="3400" dirty="0">
+                <a:latin typeface="Consolas" charset="0"/>
+                <a:ea typeface="Consolas" charset="0"/>
+                <a:cs typeface="Consolas" charset="0"/>
+              </a:rPr>
+              <a:t>-playbook </a:t>
+            </a:r>
+            <a:r>
+              <a:rPr lang="en-US" sz="3400" dirty="0" err="1">
+                <a:latin typeface="Consolas" charset="0"/>
+                <a:ea typeface="Consolas" charset="0"/>
+                <a:cs typeface="Consolas" charset="0"/>
+              </a:rPr>
+              <a:t>playbook.yml</a:t>
+            </a:r>
+            <a:r>
+              <a:rPr lang="en-US" sz="3400" dirty="0">
+                <a:latin typeface="Consolas" charset="0"/>
+                <a:ea typeface="Consolas" charset="0"/>
+                <a:cs typeface="Consolas" charset="0"/>
+              </a:rPr>
+              <a:t> -f 10</a:t>
+            </a:r>
           </a:p>
         </p:txBody>
       </p:sp>
     </p:spTree>
     <p:extLst>
       <p:ext uri="{BB962C8B-B14F-4D97-AF65-F5344CB8AC3E}">
-        <p14:creationId xmlns:p14="http://schemas.microsoft.com/office/powerpoint/2010/main" val="1641269976"/>
+        <p14:creationId xmlns:p14="http://schemas.microsoft.com/office/powerpoint/2010/main" val="820056406"/>
       </p:ext>
     </p:extLst>
   </p:cSld>
@@ -9039,53 +9332,30 @@
             <p:ph idx="1"/>
           </p:nvPr>
         </p:nvSpPr>
-        <p:spPr>
-          <a:xfrm>
-            <a:off x="457200" y="1600200"/>
-            <a:ext cx="8229600" cy="5095568"/>
-          </a:xfrm>
-        </p:spPr>
+        <p:spPr/>
         <p:txBody>
           <a:bodyPr>
-            <a:normAutofit fontScale="40000" lnSpcReduction="20000"/>
+            <a:normAutofit lnSpcReduction="10000"/>
           </a:bodyPr>
           <a:lstStyle/>
           <a:p>
             <a:r>
-              <a:rPr lang="en-US" sz="4200" dirty="0"/>
-              <a:t>Let’s start with something easy:</a:t>
-            </a:r>
-          </a:p>
-          <a:p>
-            <a:endParaRPr lang="en-US" dirty="0"/>
-          </a:p>
-          <a:p>
-            <a:pPr marL="457200" lvl="1" indent="0">
-              <a:buNone/>
-            </a:pPr>
-            <a:r>
-              <a:rPr lang="en-US" sz="3400" dirty="0">
-                <a:latin typeface="Consolas" charset="0"/>
-                <a:ea typeface="Consolas" charset="0"/>
-                <a:cs typeface="Consolas" charset="0"/>
-              </a:rPr>
-              <a:t>$ </a:t>
-            </a:r>
-            <a:r>
-              <a:rPr lang="en-US" sz="3400" dirty="0" err="1">
-                <a:latin typeface="Consolas" charset="0"/>
-                <a:ea typeface="Consolas" charset="0"/>
-                <a:cs typeface="Consolas" charset="0"/>
-              </a:rPr>
-              <a:t>ansible</a:t>
-            </a:r>
-            <a:r>
-              <a:rPr lang="en-US" sz="3400" dirty="0">
-                <a:latin typeface="Consolas" charset="0"/>
-                <a:ea typeface="Consolas" charset="0"/>
-                <a:cs typeface="Consolas" charset="0"/>
-              </a:rPr>
-              <a:t> all –m shell –a ‘echo hello world’</a:t>
+              <a:rPr lang="en-US" dirty="0"/>
+              <a:t>Playbooks can declare configurations, but also orchestrate steps of complex ordered processes. </a:t>
+            </a:r>
+          </a:p>
+          <a:p>
+            <a:pPr lvl="1"/>
+            <a:r>
+              <a:rPr lang="en-US" dirty="0"/>
+              <a:t>Bounce back-and-forth between sets of machines.</a:t>
+            </a:r>
+          </a:p>
+          <a:p>
+            <a:pPr lvl="1"/>
+            <a:r>
+              <a:rPr lang="en-US" dirty="0"/>
+              <a:t>Launch tasks synchronously or asynchronously.</a:t>
             </a:r>
           </a:p>
           <a:p>
@@ -9094,259 +9364,15 @@
           </a:p>
           <a:p>
             <a:r>
-              <a:rPr lang="en-US" sz="4200" dirty="0"/>
-              <a:t>We can turn this into a playbook called </a:t>
-            </a:r>
-            <a:r>
-              <a:rPr lang="en-US" sz="4200" dirty="0" err="1"/>
-              <a:t>helloworld.yml</a:t>
-            </a:r>
-            <a:r>
-              <a:rPr lang="en-US" sz="4200" dirty="0"/>
-              <a:t> containing a single play:</a:t>
-            </a:r>
-          </a:p>
-          <a:p>
-            <a:endParaRPr lang="en-US" dirty="0"/>
-          </a:p>
-          <a:p>
-            <a:pPr marL="0" indent="0">
-              <a:buNone/>
-            </a:pPr>
-            <a:r>
-              <a:rPr lang="en-US" sz="3400" dirty="0">
-                <a:latin typeface="Consolas" charset="0"/>
-                <a:ea typeface="Consolas" charset="0"/>
-                <a:cs typeface="Consolas" charset="0"/>
-              </a:rPr>
-              <a:t>---</a:t>
-            </a:r>
-          </a:p>
-          <a:p>
-            <a:pPr>
-              <a:buFontTx/>
-              <a:buChar char="-"/>
-            </a:pPr>
-            <a:r>
-              <a:rPr lang="en-US" sz="3400" dirty="0">
-                <a:latin typeface="Consolas" charset="0"/>
-                <a:ea typeface="Consolas" charset="0"/>
-                <a:cs typeface="Consolas" charset="0"/>
-              </a:rPr>
-              <a:t>hosts: all</a:t>
-            </a:r>
-          </a:p>
-          <a:p>
-            <a:pPr marL="0" indent="0">
-              <a:buNone/>
-            </a:pPr>
-            <a:r>
-              <a:rPr lang="en-US" sz="3400" dirty="0">
-                <a:latin typeface="Consolas" charset="0"/>
-                <a:ea typeface="Consolas" charset="0"/>
-                <a:cs typeface="Consolas" charset="0"/>
-              </a:rPr>
-              <a:t>	tasks:</a:t>
-            </a:r>
-          </a:p>
-          <a:p>
-            <a:pPr marL="0" indent="0">
-              <a:buNone/>
-            </a:pPr>
-            <a:r>
-              <a:rPr lang="en-US" sz="3400" dirty="0">
-                <a:latin typeface="Consolas" charset="0"/>
-                <a:ea typeface="Consolas" charset="0"/>
-                <a:cs typeface="Consolas" charset="0"/>
-              </a:rPr>
-              <a:t>		- shell: echo “hello world”</a:t>
-            </a:r>
-          </a:p>
-          <a:p>
-            <a:pPr marL="0" indent="0">
-              <a:buNone/>
-            </a:pPr>
-            <a:endParaRPr lang="en-US" sz="3400" dirty="0"/>
-          </a:p>
-          <a:p>
-            <a:pPr marL="0" indent="0">
-              <a:buNone/>
-            </a:pPr>
-            <a:endParaRPr lang="en-US" dirty="0">
-              <a:latin typeface="Consolas" charset="0"/>
-              <a:ea typeface="Consolas" charset="0"/>
-              <a:cs typeface="Consolas" charset="0"/>
-            </a:endParaRPr>
-          </a:p>
-          <a:p>
-            <a:pPr marL="0" indent="0">
-              <a:buNone/>
-            </a:pPr>
-            <a:r>
-              <a:rPr lang="en-US" dirty="0">
-                <a:latin typeface="Consolas" charset="0"/>
-                <a:ea typeface="Consolas" charset="0"/>
-                <a:cs typeface="Consolas" charset="0"/>
-              </a:rPr>
-              <a:t>$ </a:t>
-            </a:r>
-            <a:r>
-              <a:rPr lang="en-US" dirty="0" err="1">
-                <a:latin typeface="Consolas" charset="0"/>
-                <a:ea typeface="Consolas" charset="0"/>
-                <a:cs typeface="Consolas" charset="0"/>
-              </a:rPr>
-              <a:t>ansible</a:t>
-            </a:r>
-            <a:r>
-              <a:rPr lang="en-US" dirty="0">
-                <a:latin typeface="Consolas" charset="0"/>
-                <a:ea typeface="Consolas" charset="0"/>
-                <a:cs typeface="Consolas" charset="0"/>
-              </a:rPr>
-              <a:t>-playbook -v </a:t>
-            </a:r>
-            <a:r>
-              <a:rPr lang="en-US" dirty="0" err="1">
-                <a:latin typeface="Consolas" charset="0"/>
-                <a:ea typeface="Consolas" charset="0"/>
-                <a:cs typeface="Consolas" charset="0"/>
-              </a:rPr>
-              <a:t>helloworld.yml</a:t>
-            </a:r>
-            <a:endParaRPr lang="en-US" dirty="0">
-              <a:latin typeface="Consolas" charset="0"/>
-              <a:ea typeface="Consolas" charset="0"/>
-              <a:cs typeface="Consolas" charset="0"/>
-            </a:endParaRPr>
-          </a:p>
-          <a:p>
-            <a:pPr marL="0" indent="0">
-              <a:buNone/>
-            </a:pPr>
-            <a:endParaRPr lang="en-US" dirty="0">
-              <a:latin typeface="Consolas" charset="0"/>
-              <a:ea typeface="Consolas" charset="0"/>
-              <a:cs typeface="Consolas" charset="0"/>
-            </a:endParaRPr>
-          </a:p>
-          <a:p>
-            <a:pPr marL="0" indent="0">
-              <a:buNone/>
-            </a:pPr>
-            <a:endParaRPr lang="en-US" dirty="0">
-              <a:latin typeface="Consolas" charset="0"/>
-              <a:ea typeface="Consolas" charset="0"/>
-              <a:cs typeface="Consolas" charset="0"/>
-            </a:endParaRPr>
-          </a:p>
-          <a:p>
-            <a:pPr marL="0" indent="0">
-              <a:buNone/>
-            </a:pPr>
-            <a:endParaRPr lang="en-US" dirty="0">
-              <a:latin typeface="Consolas" charset="0"/>
-              <a:ea typeface="Consolas" charset="0"/>
-              <a:cs typeface="Consolas" charset="0"/>
-            </a:endParaRPr>
-          </a:p>
-          <a:p>
-            <a:r>
-              <a:rPr lang="en-US" sz="4200" dirty="0">
-                <a:ea typeface="Consolas" charset="0"/>
-                <a:cs typeface="Consolas" charset="0"/>
-              </a:rPr>
-              <a:t>Execute a playbook against multiple systems:</a:t>
-            </a:r>
-          </a:p>
-          <a:p>
-            <a:endParaRPr lang="en-US" dirty="0">
-              <a:ea typeface="Consolas" charset="0"/>
-              <a:cs typeface="Consolas" charset="0"/>
-            </a:endParaRPr>
-          </a:p>
-          <a:p>
-            <a:pPr marL="0" indent="0">
-              <a:buNone/>
-            </a:pPr>
-            <a:r>
-              <a:rPr lang="en-US" sz="3400" dirty="0">
-                <a:latin typeface="Consolas" charset="0"/>
-                <a:ea typeface="Consolas" charset="0"/>
-                <a:cs typeface="Consolas" charset="0"/>
-              </a:rPr>
-              <a:t>$ </a:t>
-            </a:r>
-            <a:r>
-              <a:rPr lang="en-US" sz="3400" dirty="0" err="1">
-                <a:latin typeface="Consolas" charset="0"/>
-                <a:ea typeface="Consolas" charset="0"/>
-                <a:cs typeface="Consolas" charset="0"/>
-              </a:rPr>
-              <a:t>ansible</a:t>
-            </a:r>
-            <a:r>
-              <a:rPr lang="en-US" sz="3400" dirty="0">
-                <a:latin typeface="Consolas" charset="0"/>
-                <a:ea typeface="Consolas" charset="0"/>
-                <a:cs typeface="Consolas" charset="0"/>
-              </a:rPr>
-              <a:t>-playbook &lt;playbook&gt; -f &lt;parallelism level&gt;</a:t>
-            </a:r>
-          </a:p>
-          <a:p>
-            <a:pPr marL="0" indent="0">
-              <a:buNone/>
-            </a:pPr>
-            <a:endParaRPr lang="en-US" sz="3400" dirty="0">
-              <a:latin typeface="Consolas" charset="0"/>
-              <a:ea typeface="Consolas" charset="0"/>
-              <a:cs typeface="Consolas" charset="0"/>
-            </a:endParaRPr>
-          </a:p>
-          <a:p>
-            <a:pPr marL="0" indent="0">
-              <a:buNone/>
-            </a:pPr>
-            <a:r>
-              <a:rPr lang="en-US" sz="3400" dirty="0">
-                <a:latin typeface="Consolas" charset="0"/>
-                <a:ea typeface="Consolas" charset="0"/>
-                <a:cs typeface="Consolas" charset="0"/>
-              </a:rPr>
-              <a:t>$ </a:t>
-            </a:r>
-            <a:r>
-              <a:rPr lang="en-US" sz="3400" dirty="0" err="1">
-                <a:latin typeface="Consolas" charset="0"/>
-                <a:ea typeface="Consolas" charset="0"/>
-                <a:cs typeface="Consolas" charset="0"/>
-              </a:rPr>
-              <a:t>ansible</a:t>
-            </a:r>
-            <a:r>
-              <a:rPr lang="en-US" sz="3400" dirty="0">
-                <a:latin typeface="Consolas" charset="0"/>
-                <a:ea typeface="Consolas" charset="0"/>
-                <a:cs typeface="Consolas" charset="0"/>
-              </a:rPr>
-              <a:t>-playbook </a:t>
-            </a:r>
-            <a:r>
-              <a:rPr lang="en-US" sz="3400" dirty="0" err="1">
-                <a:latin typeface="Consolas" charset="0"/>
-                <a:ea typeface="Consolas" charset="0"/>
-                <a:cs typeface="Consolas" charset="0"/>
-              </a:rPr>
-              <a:t>playbook.yml</a:t>
-            </a:r>
-            <a:r>
-              <a:rPr lang="en-US" sz="3400" dirty="0">
-                <a:latin typeface="Consolas" charset="0"/>
-                <a:ea typeface="Consolas" charset="0"/>
-                <a:cs typeface="Consolas" charset="0"/>
-              </a:rPr>
-              <a:t> -f 10</a:t>
+              <a:rPr lang="en-US" dirty="0"/>
+              <a:t>Playbooks contain one or more plays in a list.</a:t>
+            </a:r>
+          </a:p>
+          <a:p>
+            <a:pPr lvl="1"/>
+            <a:r>
+              <a:rPr lang="en-US" dirty="0"/>
+              <a:t>A play maps a group of hosts to well defined roles, represented by tasks.</a:t>
             </a:r>
           </a:p>
         </p:txBody>
@@ -9354,7 +9380,7 @@
     </p:spTree>
     <p:extLst>
       <p:ext uri="{BB962C8B-B14F-4D97-AF65-F5344CB8AC3E}">
-        <p14:creationId xmlns:p14="http://schemas.microsoft.com/office/powerpoint/2010/main" val="820056406"/>
+        <p14:creationId xmlns:p14="http://schemas.microsoft.com/office/powerpoint/2010/main" val="947999136"/>
       </p:ext>
     </p:extLst>
   </p:cSld>
@@ -9398,7 +9424,7 @@
           <a:p>
             <a:r>
               <a:rPr lang="en-US" dirty="0"/>
-              <a:t>Playbooks</a:t>
+              <a:t>Plays</a:t>
             </a:r>
           </a:p>
         </p:txBody>
@@ -9413,55 +9439,352 @@
             <p:ph idx="1"/>
           </p:nvPr>
         </p:nvSpPr>
-        <p:spPr/>
+        <p:spPr>
+          <a:xfrm>
+            <a:off x="457200" y="1600200"/>
+            <a:ext cx="8229600" cy="5001016"/>
+          </a:xfrm>
+        </p:spPr>
         <p:txBody>
           <a:bodyPr>
-            <a:normAutofit lnSpcReduction="10000"/>
+            <a:normAutofit fontScale="32500" lnSpcReduction="20000"/>
           </a:bodyPr>
           <a:lstStyle/>
           <a:p>
             <a:r>
-              <a:rPr lang="en-US" dirty="0"/>
-              <a:t>Playbooks can declare configurations, but also orchestrate steps of complex ordered processes. </a:t>
-            </a:r>
-          </a:p>
-          <a:p>
-            <a:pPr lvl="1"/>
-            <a:r>
-              <a:rPr lang="en-US" dirty="0"/>
-              <a:t>Bounce back-and-forth between sets of machines.</a:t>
-            </a:r>
-          </a:p>
-          <a:p>
-            <a:pPr lvl="1"/>
-            <a:r>
-              <a:rPr lang="en-US" dirty="0"/>
-              <a:t>Launch tasks synchronously or asynchronously.</a:t>
-            </a:r>
-          </a:p>
-          <a:p>
-            <a:pPr lvl="1"/>
+              <a:rPr lang="en-US" sz="6000" dirty="0"/>
+              <a:t>We can define the hosts to target and remote user to perform tasks for each play:</a:t>
+            </a:r>
+          </a:p>
+          <a:p>
             <a:endParaRPr lang="en-US" dirty="0"/>
           </a:p>
           <a:p>
-            <a:r>
-              <a:rPr lang="en-US" dirty="0"/>
-              <a:t>Playbooks contain one or more plays in a list.</a:t>
-            </a:r>
-          </a:p>
-          <a:p>
-            <a:pPr lvl="1"/>
-            <a:r>
-              <a:rPr lang="en-US" dirty="0"/>
-              <a:t>A play maps a group of hosts to well defined roles, represented by tasks.</a:t>
-            </a:r>
+            <a:pPr marL="0" indent="0">
+              <a:buNone/>
+            </a:pPr>
+            <a:r>
+              <a:rPr lang="en-US" sz="3400" dirty="0">
+                <a:latin typeface="Consolas" charset="0"/>
+                <a:ea typeface="Consolas" charset="0"/>
+                <a:cs typeface="Consolas" charset="0"/>
+              </a:rPr>
+              <a:t>---</a:t>
+            </a:r>
+          </a:p>
+          <a:p>
+            <a:pPr marL="0" indent="0">
+              <a:buNone/>
+            </a:pPr>
+            <a:r>
+              <a:rPr lang="en-US" sz="3400" dirty="0">
+                <a:latin typeface="Consolas" charset="0"/>
+                <a:ea typeface="Consolas" charset="0"/>
+                <a:cs typeface="Consolas" charset="0"/>
+              </a:rPr>
+              <a:t>- hosts: webservers</a:t>
+            </a:r>
+          </a:p>
+          <a:p>
+            <a:pPr marL="0" indent="0">
+              <a:buNone/>
+            </a:pPr>
+            <a:r>
+              <a:rPr lang="en-US" sz="3400" dirty="0">
+                <a:latin typeface="Consolas" charset="0"/>
+                <a:ea typeface="Consolas" charset="0"/>
+                <a:cs typeface="Consolas" charset="0"/>
+              </a:rPr>
+              <a:t>  </a:t>
+            </a:r>
+            <a:r>
+              <a:rPr lang="en-US" sz="3400" dirty="0" err="1">
+                <a:latin typeface="Consolas" charset="0"/>
+                <a:ea typeface="Consolas" charset="0"/>
+                <a:cs typeface="Consolas" charset="0"/>
+              </a:rPr>
+              <a:t>remote_user</a:t>
+            </a:r>
+            <a:r>
+              <a:rPr lang="en-US" sz="3400" dirty="0">
+                <a:latin typeface="Consolas" charset="0"/>
+                <a:ea typeface="Consolas" charset="0"/>
+                <a:cs typeface="Consolas" charset="0"/>
+              </a:rPr>
+              <a:t>: ec2-user</a:t>
+            </a:r>
+          </a:p>
+          <a:p>
+            <a:pPr marL="0" indent="0">
+              <a:buNone/>
+            </a:pPr>
+            <a:r>
+              <a:rPr lang="en-US" sz="3400" dirty="0">
+                <a:latin typeface="Consolas" charset="0"/>
+                <a:ea typeface="Consolas" charset="0"/>
+                <a:cs typeface="Consolas" charset="0"/>
+              </a:rPr>
+              <a:t>  tasks:</a:t>
+            </a:r>
+          </a:p>
+          <a:p>
+            <a:pPr marL="0" indent="0">
+              <a:buNone/>
+            </a:pPr>
+            <a:r>
+              <a:rPr lang="en-US" sz="3400" dirty="0">
+                <a:latin typeface="Consolas" charset="0"/>
+                <a:ea typeface="Consolas" charset="0"/>
+                <a:cs typeface="Consolas" charset="0"/>
+              </a:rPr>
+              <a:t>	- name: test connection</a:t>
+            </a:r>
+          </a:p>
+          <a:p>
+            <a:pPr marL="0" indent="0">
+              <a:buNone/>
+            </a:pPr>
+            <a:r>
+              <a:rPr lang="en-US" sz="3400" dirty="0">
+                <a:latin typeface="Consolas" charset="0"/>
+                <a:ea typeface="Consolas" charset="0"/>
+                <a:cs typeface="Consolas" charset="0"/>
+              </a:rPr>
+              <a:t>	  ping</a:t>
+            </a:r>
+          </a:p>
+          <a:p>
+            <a:pPr marL="0" indent="0">
+              <a:buNone/>
+            </a:pPr>
+            <a:endParaRPr lang="en-US" dirty="0"/>
+          </a:p>
+          <a:p>
+            <a:pPr marL="0" indent="0">
+              <a:buNone/>
+            </a:pPr>
+            <a:endParaRPr lang="en-US" dirty="0"/>
+          </a:p>
+          <a:p>
+            <a:r>
+              <a:rPr lang="en-US" sz="6000" dirty="0"/>
+              <a:t>Some tasks require root access to execute properly and we can </a:t>
+            </a:r>
+            <a:r>
+              <a:rPr lang="en-US" sz="6000" b="1" dirty="0"/>
+              <a:t>become</a:t>
+            </a:r>
+            <a:r>
+              <a:rPr lang="en-US" sz="6000" dirty="0"/>
+              <a:t> a super-user:</a:t>
+            </a:r>
+          </a:p>
+          <a:p>
+            <a:endParaRPr lang="en-US" dirty="0"/>
+          </a:p>
+          <a:p>
+            <a:pPr marL="0" indent="0">
+              <a:buNone/>
+            </a:pPr>
+            <a:r>
+              <a:rPr lang="en-US" sz="3400" dirty="0">
+                <a:latin typeface="Consolas" charset="0"/>
+                <a:ea typeface="Consolas" charset="0"/>
+                <a:cs typeface="Consolas" charset="0"/>
+              </a:rPr>
+              <a:t>--- </a:t>
+            </a:r>
+          </a:p>
+          <a:p>
+            <a:pPr marL="0" indent="0">
+              <a:buNone/>
+            </a:pPr>
+            <a:r>
+              <a:rPr lang="en-US" sz="3400" dirty="0">
+                <a:latin typeface="Consolas" charset="0"/>
+                <a:ea typeface="Consolas" charset="0"/>
+                <a:cs typeface="Consolas" charset="0"/>
+              </a:rPr>
+              <a:t>- hosts: webservers </a:t>
+            </a:r>
+          </a:p>
+          <a:p>
+            <a:pPr marL="0" indent="0">
+              <a:buNone/>
+            </a:pPr>
+            <a:r>
+              <a:rPr lang="en-US" sz="3400" dirty="0">
+                <a:latin typeface="Consolas" charset="0"/>
+                <a:ea typeface="Consolas" charset="0"/>
+                <a:cs typeface="Consolas" charset="0"/>
+              </a:rPr>
+              <a:t>  </a:t>
+            </a:r>
+            <a:r>
+              <a:rPr lang="en-US" sz="3400" dirty="0" err="1">
+                <a:latin typeface="Consolas" charset="0"/>
+                <a:ea typeface="Consolas" charset="0"/>
+                <a:cs typeface="Consolas" charset="0"/>
+              </a:rPr>
+              <a:t>remote_user</a:t>
+            </a:r>
+            <a:r>
+              <a:rPr lang="en-US" sz="3400" dirty="0">
+                <a:latin typeface="Consolas" charset="0"/>
+                <a:ea typeface="Consolas" charset="0"/>
+                <a:cs typeface="Consolas" charset="0"/>
+              </a:rPr>
+              <a:t>: ec2-user</a:t>
+            </a:r>
+          </a:p>
+          <a:p>
+            <a:pPr marL="0" indent="0">
+              <a:buNone/>
+            </a:pPr>
+            <a:r>
+              <a:rPr lang="en-US" sz="3400" dirty="0">
+                <a:latin typeface="Consolas" charset="0"/>
+                <a:ea typeface="Consolas" charset="0"/>
+                <a:cs typeface="Consolas" charset="0"/>
+              </a:rPr>
+              <a:t>  become: yes</a:t>
+            </a:r>
+          </a:p>
+          <a:p>
+            <a:pPr marL="0" indent="0">
+              <a:buNone/>
+            </a:pPr>
+            <a:r>
+              <a:rPr lang="en-US" sz="3400" dirty="0">
+                <a:latin typeface="Consolas" charset="0"/>
+                <a:ea typeface="Consolas" charset="0"/>
+                <a:cs typeface="Consolas" charset="0"/>
+              </a:rPr>
+              <a:t>  </a:t>
+            </a:r>
+            <a:r>
+              <a:rPr lang="en-US" sz="3400" dirty="0" err="1">
+                <a:latin typeface="Consolas" charset="0"/>
+                <a:ea typeface="Consolas" charset="0"/>
+                <a:cs typeface="Consolas" charset="0"/>
+              </a:rPr>
+              <a:t>become_method</a:t>
+            </a:r>
+            <a:r>
+              <a:rPr lang="en-US" sz="3400" dirty="0">
+                <a:latin typeface="Consolas" charset="0"/>
+                <a:ea typeface="Consolas" charset="0"/>
+                <a:cs typeface="Consolas" charset="0"/>
+              </a:rPr>
+              <a:t>: </a:t>
+            </a:r>
+            <a:r>
+              <a:rPr lang="en-US" sz="3400" dirty="0" err="1">
+                <a:latin typeface="Consolas" charset="0"/>
+                <a:ea typeface="Consolas" charset="0"/>
+                <a:cs typeface="Consolas" charset="0"/>
+              </a:rPr>
+              <a:t>sudo</a:t>
+            </a:r>
+            <a:r>
+              <a:rPr lang="en-US" sz="3400" dirty="0">
+                <a:latin typeface="Consolas" charset="0"/>
+                <a:ea typeface="Consolas" charset="0"/>
+                <a:cs typeface="Consolas" charset="0"/>
+              </a:rPr>
+              <a:t> </a:t>
+            </a:r>
+          </a:p>
+          <a:p>
+            <a:pPr marL="0" indent="0">
+              <a:buNone/>
+            </a:pPr>
+            <a:r>
+              <a:rPr lang="en-US" sz="3400" dirty="0">
+                <a:latin typeface="Consolas" charset="0"/>
+                <a:ea typeface="Consolas" charset="0"/>
+                <a:cs typeface="Consolas" charset="0"/>
+              </a:rPr>
+              <a:t>  tasks: </a:t>
+            </a:r>
+          </a:p>
+          <a:p>
+            <a:pPr marL="0" indent="0">
+              <a:buNone/>
+            </a:pPr>
+            <a:r>
+              <a:rPr lang="en-US" sz="3400" dirty="0">
+                <a:latin typeface="Consolas" charset="0"/>
+                <a:ea typeface="Consolas" charset="0"/>
+                <a:cs typeface="Consolas" charset="0"/>
+              </a:rPr>
+              <a:t>	- yum: name=</a:t>
+            </a:r>
+            <a:r>
+              <a:rPr lang="en-US" sz="3400" dirty="0" err="1">
+                <a:latin typeface="Consolas" charset="0"/>
+                <a:ea typeface="Consolas" charset="0"/>
+                <a:cs typeface="Consolas" charset="0"/>
+              </a:rPr>
+              <a:t>nginx</a:t>
+            </a:r>
+            <a:r>
+              <a:rPr lang="en-US" sz="3400" dirty="0">
+                <a:latin typeface="Consolas" charset="0"/>
+                <a:ea typeface="Consolas" charset="0"/>
+                <a:cs typeface="Consolas" charset="0"/>
+              </a:rPr>
+              <a:t> state=present</a:t>
+            </a:r>
+          </a:p>
+          <a:p>
+            <a:pPr marL="0" indent="0">
+              <a:buNone/>
+            </a:pPr>
+            <a:r>
+              <a:rPr lang="en-US" sz="3400" dirty="0">
+                <a:latin typeface="Consolas" charset="0"/>
+                <a:ea typeface="Consolas" charset="0"/>
+                <a:cs typeface="Consolas" charset="0"/>
+              </a:rPr>
+              <a:t>	- service: name=</a:t>
+            </a:r>
+            <a:r>
+              <a:rPr lang="en-US" sz="3400" dirty="0" err="1">
+                <a:latin typeface="Consolas" charset="0"/>
+                <a:ea typeface="Consolas" charset="0"/>
+                <a:cs typeface="Consolas" charset="0"/>
+              </a:rPr>
+              <a:t>nginx</a:t>
+            </a:r>
+            <a:r>
+              <a:rPr lang="en-US" sz="3400" dirty="0">
+                <a:latin typeface="Consolas" charset="0"/>
+                <a:ea typeface="Consolas" charset="0"/>
+                <a:cs typeface="Consolas" charset="0"/>
+              </a:rPr>
+              <a:t> enabled</a:t>
+            </a:r>
+            <a:r>
+              <a:rPr lang="en-US" sz="3400">
+                <a:latin typeface="Consolas" charset="0"/>
+                <a:ea typeface="Consolas" charset="0"/>
+                <a:cs typeface="Consolas" charset="0"/>
+              </a:rPr>
+              <a:t>=yes</a:t>
+            </a:r>
+            <a:endParaRPr lang="en-US" sz="3400" dirty="0">
+              <a:latin typeface="Consolas" charset="0"/>
+              <a:ea typeface="Consolas" charset="0"/>
+              <a:cs typeface="Consolas" charset="0"/>
+            </a:endParaRPr>
           </a:p>
         </p:txBody>
       </p:sp>
     </p:spTree>
     <p:extLst>
       <p:ext uri="{BB962C8B-B14F-4D97-AF65-F5344CB8AC3E}">
-        <p14:creationId xmlns:p14="http://schemas.microsoft.com/office/powerpoint/2010/main" val="947999136"/>
+        <p14:creationId xmlns:p14="http://schemas.microsoft.com/office/powerpoint/2010/main" val="1513573741"/>
       </p:ext>
     </p:extLst>
   </p:cSld>
@@ -9505,7 +9828,7 @@
           <a:p>
             <a:r>
               <a:rPr lang="en-US" dirty="0"/>
-              <a:t>Plays</a:t>
+              <a:t>Tasks</a:t>
             </a:r>
           </a:p>
         </p:txBody>
@@ -9520,352 +9843,88 @@
             <p:ph idx="1"/>
           </p:nvPr>
         </p:nvSpPr>
-        <p:spPr>
-          <a:xfrm>
-            <a:off x="457200" y="1600200"/>
-            <a:ext cx="8229600" cy="5001016"/>
-          </a:xfrm>
-        </p:spPr>
+        <p:spPr/>
         <p:txBody>
           <a:bodyPr>
-            <a:normAutofit fontScale="32500" lnSpcReduction="20000"/>
+            <a:normAutofit fontScale="70000" lnSpcReduction="20000"/>
           </a:bodyPr>
           <a:lstStyle/>
           <a:p>
             <a:r>
-              <a:rPr lang="en-US" sz="6000" dirty="0"/>
-              <a:t>We can define the hosts to target and remote user to perform tasks for each play:</a:t>
-            </a:r>
-          </a:p>
-          <a:p>
+              <a:rPr lang="en-US" dirty="0"/>
+              <a:t>Each play contains a list of tasks which are executed in order, one at a time.</a:t>
+            </a:r>
+          </a:p>
+          <a:p>
+            <a:pPr lvl="1"/>
+            <a:r>
+              <a:rPr lang="en-US" dirty="0"/>
+              <a:t>Tasks are executed against matched host pattern.</a:t>
+            </a:r>
+          </a:p>
+          <a:p>
+            <a:pPr lvl="1"/>
+            <a:r>
+              <a:rPr lang="en-US" dirty="0"/>
+              <a:t>All hosts receive the same task directives.</a:t>
+            </a:r>
+          </a:p>
+          <a:p>
+            <a:pPr lvl="1"/>
+            <a:r>
+              <a:rPr lang="en-US" dirty="0"/>
+              <a:t>Hosts with failed tasks are removed from the entire playbook.</a:t>
+            </a:r>
+          </a:p>
+          <a:p>
+            <a:pPr lvl="1"/>
             <a:endParaRPr lang="en-US" dirty="0"/>
           </a:p>
           <a:p>
-            <a:pPr marL="0" indent="0">
-              <a:buNone/>
-            </a:pPr>
-            <a:r>
-              <a:rPr lang="en-US" sz="3400" dirty="0">
-                <a:latin typeface="Consolas" charset="0"/>
-                <a:ea typeface="Consolas" charset="0"/>
-                <a:cs typeface="Consolas" charset="0"/>
-              </a:rPr>
-              <a:t>---</a:t>
-            </a:r>
-          </a:p>
-          <a:p>
-            <a:pPr marL="0" indent="0">
-              <a:buNone/>
-            </a:pPr>
-            <a:r>
-              <a:rPr lang="en-US" sz="3400" dirty="0">
-                <a:latin typeface="Consolas" charset="0"/>
-                <a:ea typeface="Consolas" charset="0"/>
-                <a:cs typeface="Consolas" charset="0"/>
-              </a:rPr>
-              <a:t>- hosts: webservers</a:t>
-            </a:r>
-          </a:p>
-          <a:p>
-            <a:pPr marL="0" indent="0">
-              <a:buNone/>
-            </a:pPr>
-            <a:r>
-              <a:rPr lang="en-US" sz="3400" dirty="0">
-                <a:latin typeface="Consolas" charset="0"/>
-                <a:ea typeface="Consolas" charset="0"/>
-                <a:cs typeface="Consolas" charset="0"/>
-              </a:rPr>
-              <a:t>  </a:t>
-            </a:r>
-            <a:r>
-              <a:rPr lang="en-US" sz="3400" dirty="0" err="1">
-                <a:latin typeface="Consolas" charset="0"/>
-                <a:ea typeface="Consolas" charset="0"/>
-                <a:cs typeface="Consolas" charset="0"/>
-              </a:rPr>
-              <a:t>remote_user</a:t>
-            </a:r>
-            <a:r>
-              <a:rPr lang="en-US" sz="3400" dirty="0">
-                <a:latin typeface="Consolas" charset="0"/>
-                <a:ea typeface="Consolas" charset="0"/>
-                <a:cs typeface="Consolas" charset="0"/>
-              </a:rPr>
-              <a:t>: ec2-user</a:t>
-            </a:r>
-          </a:p>
-          <a:p>
-            <a:pPr marL="0" indent="0">
-              <a:buNone/>
-            </a:pPr>
-            <a:r>
-              <a:rPr lang="en-US" sz="3400" dirty="0">
-                <a:latin typeface="Consolas" charset="0"/>
-                <a:ea typeface="Consolas" charset="0"/>
-                <a:cs typeface="Consolas" charset="0"/>
-              </a:rPr>
-              <a:t>  tasks:</a:t>
-            </a:r>
-          </a:p>
-          <a:p>
-            <a:pPr marL="0" indent="0">
-              <a:buNone/>
-            </a:pPr>
-            <a:r>
-              <a:rPr lang="en-US" sz="3400" dirty="0">
-                <a:latin typeface="Consolas" charset="0"/>
-                <a:ea typeface="Consolas" charset="0"/>
-                <a:cs typeface="Consolas" charset="0"/>
-              </a:rPr>
-              <a:t>	- name: test connection</a:t>
-            </a:r>
-          </a:p>
-          <a:p>
-            <a:pPr marL="0" indent="0">
-              <a:buNone/>
-            </a:pPr>
-            <a:r>
-              <a:rPr lang="en-US" sz="3400" dirty="0">
-                <a:latin typeface="Consolas" charset="0"/>
-                <a:ea typeface="Consolas" charset="0"/>
-                <a:cs typeface="Consolas" charset="0"/>
-              </a:rPr>
-              <a:t>	  ping</a:t>
-            </a:r>
-          </a:p>
-          <a:p>
-            <a:pPr marL="0" indent="0">
-              <a:buNone/>
-            </a:pPr>
+            <a:r>
+              <a:rPr lang="en-US" dirty="0"/>
+              <a:t>Each tasks executes a module with specified arguments.</a:t>
+            </a:r>
+          </a:p>
+          <a:p>
+            <a:pPr lvl="1"/>
+            <a:r>
+              <a:rPr lang="en-US" dirty="0"/>
+              <a:t>Variables may be used as arguments for modules.</a:t>
+            </a:r>
+          </a:p>
+          <a:p>
             <a:endParaRPr lang="en-US" dirty="0"/>
           </a:p>
           <a:p>
-            <a:pPr marL="0" indent="0">
-              <a:buNone/>
-            </a:pPr>
+            <a:r>
+              <a:rPr lang="en-US" dirty="0"/>
+              <a:t>Modules are idempotent and will only make the changes necessary to bring the system to the desired state.</a:t>
+            </a:r>
+          </a:p>
+          <a:p>
             <a:endParaRPr lang="en-US" dirty="0"/>
           </a:p>
           <a:p>
             <a:r>
-              <a:rPr lang="en-US" sz="6000" dirty="0"/>
-              <a:t>Some tasks require root access to execute properly and we can </a:t>
-            </a:r>
-            <a:r>
-              <a:rPr lang="en-US" sz="6000" b="1" dirty="0"/>
-              <a:t>become</a:t>
-            </a:r>
-            <a:r>
-              <a:rPr lang="en-US" sz="6000" dirty="0"/>
-              <a:t> a super-user:</a:t>
-            </a:r>
-          </a:p>
-          <a:p>
-            <a:endParaRPr lang="en-US" dirty="0"/>
-          </a:p>
-          <a:p>
-            <a:pPr marL="0" indent="0">
-              <a:buNone/>
-            </a:pPr>
-            <a:r>
-              <a:rPr lang="en-US" sz="3400" dirty="0">
-                <a:latin typeface="Consolas" charset="0"/>
-                <a:ea typeface="Consolas" charset="0"/>
-                <a:cs typeface="Consolas" charset="0"/>
-              </a:rPr>
-              <a:t>--- </a:t>
-            </a:r>
-          </a:p>
-          <a:p>
-            <a:pPr marL="0" indent="0">
-              <a:buNone/>
-            </a:pPr>
-            <a:r>
-              <a:rPr lang="en-US" sz="3400" dirty="0">
-                <a:latin typeface="Consolas" charset="0"/>
-                <a:ea typeface="Consolas" charset="0"/>
-                <a:cs typeface="Consolas" charset="0"/>
-              </a:rPr>
-              <a:t>- hosts: webservers </a:t>
-            </a:r>
-          </a:p>
-          <a:p>
-            <a:pPr marL="0" indent="0">
-              <a:buNone/>
-            </a:pPr>
-            <a:r>
-              <a:rPr lang="en-US" sz="3400" dirty="0">
-                <a:latin typeface="Consolas" charset="0"/>
-                <a:ea typeface="Consolas" charset="0"/>
-                <a:cs typeface="Consolas" charset="0"/>
-              </a:rPr>
-              <a:t>  </a:t>
-            </a:r>
-            <a:r>
-              <a:rPr lang="en-US" sz="3400" dirty="0" err="1">
-                <a:latin typeface="Consolas" charset="0"/>
-                <a:ea typeface="Consolas" charset="0"/>
-                <a:cs typeface="Consolas" charset="0"/>
-              </a:rPr>
-              <a:t>remote_user</a:t>
-            </a:r>
-            <a:r>
-              <a:rPr lang="en-US" sz="3400" dirty="0">
-                <a:latin typeface="Consolas" charset="0"/>
-                <a:ea typeface="Consolas" charset="0"/>
-                <a:cs typeface="Consolas" charset="0"/>
-              </a:rPr>
-              <a:t>: ec2-user</a:t>
-            </a:r>
-          </a:p>
-          <a:p>
-            <a:pPr marL="0" indent="0">
-              <a:buNone/>
-            </a:pPr>
-            <a:r>
-              <a:rPr lang="en-US" sz="3400" dirty="0">
-                <a:latin typeface="Consolas" charset="0"/>
-                <a:ea typeface="Consolas" charset="0"/>
-                <a:cs typeface="Consolas" charset="0"/>
-              </a:rPr>
-              <a:t>  become: yes</a:t>
-            </a:r>
-          </a:p>
-          <a:p>
-            <a:pPr marL="0" indent="0">
-              <a:buNone/>
-            </a:pPr>
-            <a:r>
-              <a:rPr lang="en-US" sz="3400" dirty="0">
-                <a:latin typeface="Consolas" charset="0"/>
-                <a:ea typeface="Consolas" charset="0"/>
-                <a:cs typeface="Consolas" charset="0"/>
-              </a:rPr>
-              <a:t>  </a:t>
-            </a:r>
-            <a:r>
-              <a:rPr lang="en-US" sz="3400" dirty="0" err="1">
-                <a:latin typeface="Consolas" charset="0"/>
-                <a:ea typeface="Consolas" charset="0"/>
-                <a:cs typeface="Consolas" charset="0"/>
-              </a:rPr>
-              <a:t>become_method</a:t>
-            </a:r>
-            <a:r>
-              <a:rPr lang="en-US" sz="3400" dirty="0">
-                <a:latin typeface="Consolas" charset="0"/>
-                <a:ea typeface="Consolas" charset="0"/>
-                <a:cs typeface="Consolas" charset="0"/>
-              </a:rPr>
-              <a:t>: </a:t>
-            </a:r>
-            <a:r>
-              <a:rPr lang="en-US" sz="3400" dirty="0" err="1">
-                <a:latin typeface="Consolas" charset="0"/>
-                <a:ea typeface="Consolas" charset="0"/>
-                <a:cs typeface="Consolas" charset="0"/>
-              </a:rPr>
-              <a:t>sudo</a:t>
-            </a:r>
-            <a:r>
-              <a:rPr lang="en-US" sz="3400" dirty="0">
-                <a:latin typeface="Consolas" charset="0"/>
-                <a:ea typeface="Consolas" charset="0"/>
-                <a:cs typeface="Consolas" charset="0"/>
-              </a:rPr>
-              <a:t> </a:t>
-            </a:r>
-          </a:p>
-          <a:p>
-            <a:pPr marL="0" indent="0">
-              <a:buNone/>
-            </a:pPr>
-            <a:r>
-              <a:rPr lang="en-US" sz="3400" dirty="0">
-                <a:latin typeface="Consolas" charset="0"/>
-                <a:ea typeface="Consolas" charset="0"/>
-                <a:cs typeface="Consolas" charset="0"/>
-              </a:rPr>
-              <a:t>  tasks: </a:t>
-            </a:r>
-          </a:p>
-          <a:p>
-            <a:pPr marL="0" indent="0">
-              <a:buNone/>
-            </a:pPr>
-            <a:r>
-              <a:rPr lang="en-US" sz="3400" dirty="0">
-                <a:latin typeface="Consolas" charset="0"/>
-                <a:ea typeface="Consolas" charset="0"/>
-                <a:cs typeface="Consolas" charset="0"/>
-              </a:rPr>
-              <a:t>	- yum: name=</a:t>
-            </a:r>
-            <a:r>
-              <a:rPr lang="en-US" sz="3400" dirty="0" err="1">
-                <a:latin typeface="Consolas" charset="0"/>
-                <a:ea typeface="Consolas" charset="0"/>
-                <a:cs typeface="Consolas" charset="0"/>
-              </a:rPr>
-              <a:t>nginx</a:t>
-            </a:r>
-            <a:r>
-              <a:rPr lang="en-US" sz="3400" dirty="0">
-                <a:latin typeface="Consolas" charset="0"/>
-                <a:ea typeface="Consolas" charset="0"/>
-                <a:cs typeface="Consolas" charset="0"/>
-              </a:rPr>
-              <a:t> state=present</a:t>
-            </a:r>
-          </a:p>
-          <a:p>
-            <a:pPr marL="0" indent="0">
-              <a:buNone/>
-            </a:pPr>
-            <a:r>
-              <a:rPr lang="en-US" sz="3400" dirty="0">
-                <a:latin typeface="Consolas" charset="0"/>
-                <a:ea typeface="Consolas" charset="0"/>
-                <a:cs typeface="Consolas" charset="0"/>
-              </a:rPr>
-              <a:t>	- service: name=</a:t>
-            </a:r>
-            <a:r>
-              <a:rPr lang="en-US" sz="3400" dirty="0" err="1">
-                <a:latin typeface="Consolas" charset="0"/>
-                <a:ea typeface="Consolas" charset="0"/>
-                <a:cs typeface="Consolas" charset="0"/>
-              </a:rPr>
-              <a:t>nginx</a:t>
-            </a:r>
-            <a:r>
-              <a:rPr lang="en-US" sz="3400" dirty="0">
-                <a:latin typeface="Consolas" charset="0"/>
-                <a:ea typeface="Consolas" charset="0"/>
-                <a:cs typeface="Consolas" charset="0"/>
-              </a:rPr>
-              <a:t> enabled</a:t>
-            </a:r>
-            <a:r>
-              <a:rPr lang="en-US" sz="3400">
-                <a:latin typeface="Consolas" charset="0"/>
-                <a:ea typeface="Consolas" charset="0"/>
-                <a:cs typeface="Consolas" charset="0"/>
-              </a:rPr>
-              <a:t>=yes</a:t>
-            </a:r>
-            <a:endParaRPr lang="en-US" sz="3400" dirty="0">
-              <a:latin typeface="Consolas" charset="0"/>
-              <a:ea typeface="Consolas" charset="0"/>
-              <a:cs typeface="Consolas" charset="0"/>
-            </a:endParaRPr>
+              <a:rPr lang="en-US" dirty="0"/>
+              <a:t>Every task should have a </a:t>
+            </a:r>
+            <a:r>
+              <a:rPr lang="en-US" b="1" dirty="0"/>
+              <a:t>name</a:t>
+            </a:r>
+            <a:r>
+              <a:rPr lang="en-US" dirty="0"/>
+              <a:t> which is included in the output from running the playbook.</a:t>
+            </a:r>
           </a:p>
         </p:txBody>
       </p:sp>
     </p:spTree>
     <p:extLst>
       <p:ext uri="{BB962C8B-B14F-4D97-AF65-F5344CB8AC3E}">
-        <p14:creationId xmlns:p14="http://schemas.microsoft.com/office/powerpoint/2010/main" val="1513573741"/>
+        <p14:creationId xmlns:p14="http://schemas.microsoft.com/office/powerpoint/2010/main" val="1155449874"/>
       </p:ext>
     </p:extLst>
   </p:cSld>
@@ -10191,80 +10250,367 @@
             <p:ph idx="1"/>
           </p:nvPr>
         </p:nvSpPr>
-        <p:spPr/>
+        <p:spPr>
+          <a:xfrm>
+            <a:off x="457200" y="1600200"/>
+            <a:ext cx="8229600" cy="5113751"/>
+          </a:xfrm>
+        </p:spPr>
         <p:txBody>
           <a:bodyPr>
-            <a:normAutofit fontScale="70000" lnSpcReduction="20000"/>
+            <a:normAutofit fontScale="92500" lnSpcReduction="20000"/>
           </a:bodyPr>
           <a:lstStyle/>
           <a:p>
             <a:r>
-              <a:rPr lang="en-US" dirty="0"/>
-              <a:t>Each play contains a list of tasks which are executed in order, one at a time.</a:t>
-            </a:r>
-          </a:p>
-          <a:p>
-            <a:pPr lvl="1"/>
-            <a:r>
-              <a:rPr lang="en-US" dirty="0"/>
-              <a:t>Tasks are executed against matched host pattern.</a:t>
-            </a:r>
-          </a:p>
-          <a:p>
-            <a:pPr lvl="1"/>
-            <a:r>
-              <a:rPr lang="en-US" dirty="0"/>
-              <a:t>All hosts receive the same task directives.</a:t>
-            </a:r>
-          </a:p>
-          <a:p>
-            <a:pPr lvl="1"/>
-            <a:r>
-              <a:rPr lang="en-US" dirty="0"/>
-              <a:t>Hosts with failed tasks are removed from the entire playbook.</a:t>
-            </a:r>
-          </a:p>
-          <a:p>
-            <a:pPr lvl="1"/>
+              <a:rPr lang="en-US" sz="2600" dirty="0"/>
+              <a:t>A task specifies a module and a set of key/value arguments:</a:t>
+            </a:r>
+          </a:p>
+          <a:p>
             <a:endParaRPr lang="en-US" dirty="0"/>
           </a:p>
           <a:p>
-            <a:r>
-              <a:rPr lang="en-US" dirty="0"/>
-              <a:t>Each tasks executes a module with specified arguments.</a:t>
-            </a:r>
-          </a:p>
-          <a:p>
-            <a:pPr lvl="1"/>
-            <a:r>
-              <a:rPr lang="en-US" dirty="0"/>
-              <a:t>Variables may be used as arguments for modules.</a:t>
-            </a:r>
-          </a:p>
-          <a:p>
-            <a:endParaRPr lang="en-US" dirty="0"/>
-          </a:p>
-          <a:p>
-            <a:r>
-              <a:rPr lang="en-US" dirty="0"/>
-              <a:t>Modules are idempotent and will only make the changes necessary to bring the system to the desired state.</a:t>
-            </a:r>
-          </a:p>
-          <a:p>
-            <a:endParaRPr lang="en-US" dirty="0"/>
-          </a:p>
-          <a:p>
-            <a:r>
-              <a:rPr lang="en-US" dirty="0"/>
-              <a:t>Every task should have a </a:t>
-            </a:r>
-            <a:r>
-              <a:rPr lang="en-US" b="1" dirty="0"/>
-              <a:t>name</a:t>
-            </a:r>
-            <a:r>
-              <a:rPr lang="en-US" dirty="0"/>
-              <a:t> which is included in the output from running the playbook.</a:t>
+            <a:pPr marL="0" indent="0">
+              <a:buNone/>
+            </a:pPr>
+            <a:r>
+              <a:rPr lang="en-US" sz="1700" dirty="0">
+                <a:latin typeface="Consolas" charset="0"/>
+                <a:ea typeface="Consolas" charset="0"/>
+                <a:cs typeface="Consolas" charset="0"/>
+              </a:rPr>
+              <a:t>tasks: </a:t>
+            </a:r>
+          </a:p>
+          <a:p>
+            <a:pPr marL="0" indent="0">
+              <a:buNone/>
+            </a:pPr>
+            <a:r>
+              <a:rPr lang="en-US" sz="1700" dirty="0">
+                <a:latin typeface="Consolas" charset="0"/>
+                <a:ea typeface="Consolas" charset="0"/>
+                <a:cs typeface="Consolas" charset="0"/>
+              </a:rPr>
+              <a:t>  - name: make sure apache is running </a:t>
+            </a:r>
+          </a:p>
+          <a:p>
+            <a:pPr marL="0" indent="0">
+              <a:buNone/>
+            </a:pPr>
+            <a:r>
+              <a:rPr lang="en-US" sz="1700" dirty="0">
+                <a:latin typeface="Consolas" charset="0"/>
+                <a:ea typeface="Consolas" charset="0"/>
+                <a:cs typeface="Consolas" charset="0"/>
+              </a:rPr>
+              <a:t>    service: name=</a:t>
+            </a:r>
+            <a:r>
+              <a:rPr lang="en-US" sz="1700" dirty="0" err="1">
+                <a:latin typeface="Consolas" charset="0"/>
+                <a:ea typeface="Consolas" charset="0"/>
+                <a:cs typeface="Consolas" charset="0"/>
+              </a:rPr>
+              <a:t>httpd</a:t>
+            </a:r>
+            <a:r>
+              <a:rPr lang="en-US" sz="1700" dirty="0">
+                <a:latin typeface="Consolas" charset="0"/>
+                <a:ea typeface="Consolas" charset="0"/>
+                <a:cs typeface="Consolas" charset="0"/>
+              </a:rPr>
+              <a:t> state=started</a:t>
+            </a:r>
+          </a:p>
+          <a:p>
+            <a:pPr marL="0" indent="0">
+              <a:buNone/>
+            </a:pPr>
+            <a:endParaRPr lang="en-US" sz="2400" dirty="0">
+              <a:latin typeface="Consolas" charset="0"/>
+              <a:ea typeface="Consolas" charset="0"/>
+              <a:cs typeface="Consolas" charset="0"/>
+            </a:endParaRPr>
+          </a:p>
+          <a:p>
+            <a:r>
+              <a:rPr lang="en-US" sz="2400" dirty="0">
+                <a:ea typeface="Consolas" charset="0"/>
+                <a:cs typeface="Consolas" charset="0"/>
+              </a:rPr>
+              <a:t>The command and shell modules just take a list of arguments vs. key/value:</a:t>
+            </a:r>
+          </a:p>
+          <a:p>
+            <a:endParaRPr lang="en-US" sz="1600" dirty="0">
+              <a:ea typeface="Consolas" charset="0"/>
+              <a:cs typeface="Consolas" charset="0"/>
+            </a:endParaRPr>
+          </a:p>
+          <a:p>
+            <a:pPr marL="0" indent="0">
+              <a:buNone/>
+            </a:pPr>
+            <a:r>
+              <a:rPr lang="en-US" sz="1700" dirty="0">
+                <a:latin typeface="Consolas" charset="0"/>
+                <a:ea typeface="Consolas" charset="0"/>
+                <a:cs typeface="Consolas" charset="0"/>
+              </a:rPr>
+              <a:t>tasks: </a:t>
+            </a:r>
+          </a:p>
+          <a:p>
+            <a:pPr marL="0" indent="0">
+              <a:buNone/>
+            </a:pPr>
+            <a:r>
+              <a:rPr lang="en-US" sz="1700" dirty="0">
+                <a:latin typeface="Consolas" charset="0"/>
+                <a:ea typeface="Consolas" charset="0"/>
+                <a:cs typeface="Consolas" charset="0"/>
+              </a:rPr>
+              <a:t>  - name: disable </a:t>
+            </a:r>
+            <a:r>
+              <a:rPr lang="en-US" sz="1700" dirty="0" err="1">
+                <a:latin typeface="Consolas" charset="0"/>
+                <a:ea typeface="Consolas" charset="0"/>
+                <a:cs typeface="Consolas" charset="0"/>
+              </a:rPr>
+              <a:t>selinux</a:t>
+            </a:r>
+            <a:r>
+              <a:rPr lang="en-US" sz="1700" dirty="0">
+                <a:latin typeface="Consolas" charset="0"/>
+                <a:ea typeface="Consolas" charset="0"/>
+                <a:cs typeface="Consolas" charset="0"/>
+              </a:rPr>
+              <a:t> </a:t>
+            </a:r>
+          </a:p>
+          <a:p>
+            <a:pPr marL="0" indent="0">
+              <a:buNone/>
+            </a:pPr>
+            <a:r>
+              <a:rPr lang="en-US" sz="1700" dirty="0">
+                <a:latin typeface="Consolas" charset="0"/>
+                <a:ea typeface="Consolas" charset="0"/>
+                <a:cs typeface="Consolas" charset="0"/>
+              </a:rPr>
+              <a:t>    command: /</a:t>
+            </a:r>
+            <a:r>
+              <a:rPr lang="en-US" sz="1700" dirty="0" err="1">
+                <a:latin typeface="Consolas" charset="0"/>
+                <a:ea typeface="Consolas" charset="0"/>
+                <a:cs typeface="Consolas" charset="0"/>
+              </a:rPr>
+              <a:t>sbin</a:t>
+            </a:r>
+            <a:r>
+              <a:rPr lang="en-US" sz="1700" dirty="0">
+                <a:latin typeface="Consolas" charset="0"/>
+                <a:ea typeface="Consolas" charset="0"/>
+                <a:cs typeface="Consolas" charset="0"/>
+              </a:rPr>
+              <a:t>/</a:t>
+            </a:r>
+            <a:r>
+              <a:rPr lang="en-US" sz="1700" dirty="0" err="1">
+                <a:latin typeface="Consolas" charset="0"/>
+                <a:ea typeface="Consolas" charset="0"/>
+                <a:cs typeface="Consolas" charset="0"/>
+              </a:rPr>
+              <a:t>setenforce</a:t>
+            </a:r>
+            <a:r>
+              <a:rPr lang="en-US" sz="1700" dirty="0">
+                <a:latin typeface="Consolas" charset="0"/>
+                <a:ea typeface="Consolas" charset="0"/>
+                <a:cs typeface="Consolas" charset="0"/>
+              </a:rPr>
+              <a:t> 0</a:t>
+            </a:r>
+          </a:p>
+          <a:p>
+            <a:pPr marL="0" indent="0">
+              <a:buNone/>
+            </a:pPr>
+            <a:endParaRPr lang="en-US" sz="1600" dirty="0">
+              <a:latin typeface="Consolas" charset="0"/>
+              <a:ea typeface="Consolas" charset="0"/>
+              <a:cs typeface="Consolas" charset="0"/>
+            </a:endParaRPr>
+          </a:p>
+          <a:p>
+            <a:r>
+              <a:rPr lang="en-US" sz="2400" dirty="0">
+                <a:ea typeface="Consolas" charset="0"/>
+                <a:cs typeface="Consolas" charset="0"/>
+              </a:rPr>
+              <a:t>Tasks can also use variables as arguments:</a:t>
+            </a:r>
+          </a:p>
+          <a:p>
+            <a:endParaRPr lang="en-US" sz="1600" dirty="0">
+              <a:ea typeface="Consolas" charset="0"/>
+              <a:cs typeface="Consolas" charset="0"/>
+            </a:endParaRPr>
+          </a:p>
+          <a:p>
+            <a:pPr marL="0" indent="0">
+              <a:buNone/>
+            </a:pPr>
+            <a:r>
+              <a:rPr lang="en-US" sz="1700" dirty="0">
+                <a:latin typeface="Consolas" charset="0"/>
+                <a:ea typeface="Consolas" charset="0"/>
+                <a:cs typeface="Consolas" charset="0"/>
+              </a:rPr>
+              <a:t>tasks: </a:t>
+            </a:r>
+          </a:p>
+          <a:p>
+            <a:pPr marL="0" indent="0">
+              <a:buNone/>
+            </a:pPr>
+            <a:r>
+              <a:rPr lang="en-US" sz="1700" dirty="0">
+                <a:latin typeface="Consolas" charset="0"/>
+                <a:ea typeface="Consolas" charset="0"/>
+                <a:cs typeface="Consolas" charset="0"/>
+              </a:rPr>
+              <a:t>  - name: create a virtual host file for {{ </a:t>
+            </a:r>
+            <a:r>
+              <a:rPr lang="en-US" sz="1700" dirty="0" err="1">
+                <a:latin typeface="Consolas" charset="0"/>
+                <a:ea typeface="Consolas" charset="0"/>
+                <a:cs typeface="Consolas" charset="0"/>
+              </a:rPr>
+              <a:t>vhost</a:t>
+            </a:r>
+            <a:r>
+              <a:rPr lang="en-US" sz="1700" dirty="0">
+                <a:latin typeface="Consolas" charset="0"/>
+                <a:ea typeface="Consolas" charset="0"/>
+                <a:cs typeface="Consolas" charset="0"/>
+              </a:rPr>
+              <a:t> }} </a:t>
+            </a:r>
+          </a:p>
+          <a:p>
+            <a:pPr marL="0" indent="0">
+              <a:buNone/>
+            </a:pPr>
+            <a:r>
+              <a:rPr lang="en-US" sz="1700" dirty="0">
+                <a:latin typeface="Consolas" charset="0"/>
+                <a:ea typeface="Consolas" charset="0"/>
+                <a:cs typeface="Consolas" charset="0"/>
+              </a:rPr>
+              <a:t>    template: </a:t>
+            </a:r>
+            <a:r>
+              <a:rPr lang="en-US" sz="1700" dirty="0" err="1">
+                <a:latin typeface="Consolas" charset="0"/>
+                <a:ea typeface="Consolas" charset="0"/>
+                <a:cs typeface="Consolas" charset="0"/>
+              </a:rPr>
+              <a:t>src</a:t>
+            </a:r>
+            <a:r>
+              <a:rPr lang="en-US" sz="1700" dirty="0">
+                <a:latin typeface="Consolas" charset="0"/>
+                <a:ea typeface="Consolas" charset="0"/>
+                <a:cs typeface="Consolas" charset="0"/>
+              </a:rPr>
+              <a:t>=somefile.j2 </a:t>
+            </a:r>
+            <a:r>
+              <a:rPr lang="en-US" sz="1700" dirty="0" err="1">
+                <a:latin typeface="Consolas" charset="0"/>
+                <a:ea typeface="Consolas" charset="0"/>
+                <a:cs typeface="Consolas" charset="0"/>
+              </a:rPr>
+              <a:t>dest</a:t>
+            </a:r>
+            <a:r>
+              <a:rPr lang="en-US" sz="1700" dirty="0">
+                <a:latin typeface="Consolas" charset="0"/>
+                <a:ea typeface="Consolas" charset="0"/>
+                <a:cs typeface="Consolas" charset="0"/>
+              </a:rPr>
+              <a:t>=/</a:t>
+            </a:r>
+            <a:r>
+              <a:rPr lang="en-US" sz="1700" dirty="0" err="1">
+                <a:latin typeface="Consolas" charset="0"/>
+                <a:ea typeface="Consolas" charset="0"/>
+                <a:cs typeface="Consolas" charset="0"/>
+              </a:rPr>
+              <a:t>etc</a:t>
+            </a:r>
+            <a:r>
+              <a:rPr lang="en-US" sz="1700" dirty="0">
+                <a:latin typeface="Consolas" charset="0"/>
+                <a:ea typeface="Consolas" charset="0"/>
+                <a:cs typeface="Consolas" charset="0"/>
+              </a:rPr>
+              <a:t>/</a:t>
+            </a:r>
+            <a:r>
+              <a:rPr lang="en-US" sz="1700" dirty="0" err="1">
+                <a:latin typeface="Consolas" charset="0"/>
+                <a:ea typeface="Consolas" charset="0"/>
+                <a:cs typeface="Consolas" charset="0"/>
+              </a:rPr>
+              <a:t>httpd</a:t>
+            </a:r>
+            <a:r>
+              <a:rPr lang="en-US" sz="1700" dirty="0">
+                <a:latin typeface="Consolas" charset="0"/>
+                <a:ea typeface="Consolas" charset="0"/>
+                <a:cs typeface="Consolas" charset="0"/>
+              </a:rPr>
+              <a:t>/</a:t>
+            </a:r>
+            <a:r>
+              <a:rPr lang="en-US" sz="1700" dirty="0" err="1">
+                <a:latin typeface="Consolas" charset="0"/>
+                <a:ea typeface="Consolas" charset="0"/>
+                <a:cs typeface="Consolas" charset="0"/>
+              </a:rPr>
+              <a:t>conf.d</a:t>
+            </a:r>
+            <a:r>
+              <a:rPr lang="en-US" sz="1700" dirty="0">
+                <a:latin typeface="Consolas" charset="0"/>
+                <a:ea typeface="Consolas" charset="0"/>
+                <a:cs typeface="Consolas" charset="0"/>
+              </a:rPr>
+              <a:t>/{{ </a:t>
+            </a:r>
+            <a:r>
+              <a:rPr lang="en-US" sz="1700" dirty="0" err="1">
+                <a:latin typeface="Consolas" charset="0"/>
+                <a:ea typeface="Consolas" charset="0"/>
+                <a:cs typeface="Consolas" charset="0"/>
+              </a:rPr>
+              <a:t>vhost</a:t>
+            </a:r>
+            <a:r>
+              <a:rPr lang="en-US" sz="1700" dirty="0">
+                <a:latin typeface="Consolas" charset="0"/>
+                <a:ea typeface="Consolas" charset="0"/>
+                <a:cs typeface="Consolas" charset="0"/>
+              </a:rPr>
+              <a:t> }}</a:t>
             </a:r>
           </a:p>
         </p:txBody>
@@ -10272,7 +10618,7 @@
     </p:spTree>
     <p:extLst>
       <p:ext uri="{BB962C8B-B14F-4D97-AF65-F5344CB8AC3E}">
-        <p14:creationId xmlns:p14="http://schemas.microsoft.com/office/powerpoint/2010/main" val="1155449874"/>
+        <p14:creationId xmlns:p14="http://schemas.microsoft.com/office/powerpoint/2010/main" val="1188822281"/>
       </p:ext>
     </p:extLst>
   </p:cSld>
@@ -10316,7 +10662,7 @@
           <a:p>
             <a:r>
               <a:rPr lang="en-US" dirty="0"/>
-              <a:t>Tasks</a:t>
+              <a:t>Includes</a:t>
             </a:r>
           </a:p>
         </p:txBody>
@@ -10334,18 +10680,18 @@
         <p:spPr>
           <a:xfrm>
             <a:off x="457200" y="1600200"/>
-            <a:ext cx="8229600" cy="5113751"/>
+            <a:ext cx="8229600" cy="5257800"/>
           </a:xfrm>
         </p:spPr>
         <p:txBody>
           <a:bodyPr>
-            <a:normAutofit fontScale="92500" lnSpcReduction="20000"/>
+            <a:normAutofit fontScale="55000" lnSpcReduction="20000"/>
           </a:bodyPr>
           <a:lstStyle/>
           <a:p>
             <a:r>
-              <a:rPr lang="en-US" sz="2600" dirty="0"/>
-              <a:t>A task specifies a module and a set of key/value arguments:</a:t>
+              <a:rPr lang="en-US" sz="3600" dirty="0"/>
+              <a:t>We can use include files to reuse tasks between plays or playbooks.</a:t>
             </a:r>
           </a:p>
           <a:p>
@@ -10356,7 +10702,7 @@
               <a:buNone/>
             </a:pPr>
             <a:r>
-              <a:rPr lang="en-US" sz="1700" dirty="0">
+              <a:rPr lang="en-US" sz="2600" dirty="0">
                 <a:latin typeface="Consolas" charset="0"/>
                 <a:ea typeface="Consolas" charset="0"/>
                 <a:cs typeface="Consolas" charset="0"/>
@@ -10369,74 +10715,48 @@
               <a:buNone/>
             </a:pPr>
             <a:r>
-              <a:rPr lang="en-US" sz="1700" dirty="0">
-                <a:latin typeface="Consolas" charset="0"/>
-                <a:ea typeface="Consolas" charset="0"/>
-                <a:cs typeface="Consolas" charset="0"/>
-              </a:rPr>
-              <a:t>  - name: make sure apache is running </a:t>
-            </a:r>
-          </a:p>
-          <a:p>
-            <a:pPr marL="0" indent="0">
-              <a:buNone/>
-            </a:pPr>
-            <a:r>
-              <a:rPr lang="en-US" sz="1700" dirty="0">
-                <a:latin typeface="Consolas" charset="0"/>
-                <a:ea typeface="Consolas" charset="0"/>
-                <a:cs typeface="Consolas" charset="0"/>
-              </a:rPr>
-              <a:t>    service: name=</a:t>
-            </a:r>
-            <a:r>
-              <a:rPr lang="en-US" sz="1700" dirty="0" err="1">
-                <a:latin typeface="Consolas" charset="0"/>
-                <a:ea typeface="Consolas" charset="0"/>
-                <a:cs typeface="Consolas" charset="0"/>
-              </a:rPr>
-              <a:t>httpd</a:t>
-            </a:r>
-            <a:r>
-              <a:rPr lang="en-US" sz="1700" dirty="0">
-                <a:latin typeface="Consolas" charset="0"/>
-                <a:ea typeface="Consolas" charset="0"/>
-                <a:cs typeface="Consolas" charset="0"/>
-              </a:rPr>
-              <a:t> state=started</a:t>
-            </a:r>
-          </a:p>
-          <a:p>
-            <a:pPr marL="0" indent="0">
-              <a:buNone/>
-            </a:pPr>
-            <a:endParaRPr lang="en-US" sz="2400" dirty="0">
+              <a:rPr lang="en-US" sz="2600" dirty="0">
+                <a:latin typeface="Consolas" charset="0"/>
+                <a:ea typeface="Consolas" charset="0"/>
+                <a:cs typeface="Consolas" charset="0"/>
+              </a:rPr>
+              <a:t>  - include: tasks/</a:t>
+            </a:r>
+            <a:r>
+              <a:rPr lang="en-US" sz="2600" dirty="0" err="1">
+                <a:latin typeface="Consolas" charset="0"/>
+                <a:ea typeface="Consolas" charset="0"/>
+                <a:cs typeface="Consolas" charset="0"/>
+              </a:rPr>
+              <a:t>foo.yml</a:t>
+            </a:r>
+            <a:endParaRPr lang="en-US" sz="2600" dirty="0">
               <a:latin typeface="Consolas" charset="0"/>
               <a:ea typeface="Consolas" charset="0"/>
               <a:cs typeface="Consolas" charset="0"/>
             </a:endParaRPr>
           </a:p>
           <a:p>
-            <a:r>
-              <a:rPr lang="en-US" sz="2400" dirty="0">
-                <a:ea typeface="Consolas" charset="0"/>
-                <a:cs typeface="Consolas" charset="0"/>
-              </a:rPr>
-              <a:t>The command and shell modules just take a list of arguments vs. key/value:</a:t>
-            </a:r>
-          </a:p>
-          <a:p>
-            <a:endParaRPr lang="en-US" sz="1600" dirty="0">
-              <a:ea typeface="Consolas" charset="0"/>
-              <a:cs typeface="Consolas" charset="0"/>
-            </a:endParaRPr>
+            <a:endParaRPr lang="en-US" dirty="0"/>
+          </a:p>
+          <a:p>
+            <a:r>
+              <a:rPr lang="en-US" sz="3600" dirty="0"/>
+              <a:t>We can also pass variables into includes:</a:t>
+            </a:r>
           </a:p>
           <a:p>
             <a:pPr marL="0" indent="0">
               <a:buNone/>
             </a:pPr>
-            <a:r>
-              <a:rPr lang="en-US" sz="1700" dirty="0">
+            <a:endParaRPr lang="en-US" dirty="0"/>
+          </a:p>
+          <a:p>
+            <a:pPr marL="0" indent="0">
+              <a:buNone/>
+            </a:pPr>
+            <a:r>
+              <a:rPr lang="en-US" sz="2600" dirty="0">
                 <a:latin typeface="Consolas" charset="0"/>
                 <a:ea typeface="Consolas" charset="0"/>
                 <a:cs typeface="Consolas" charset="0"/>
@@ -10449,80 +10769,173 @@
               <a:buNone/>
             </a:pPr>
             <a:r>
-              <a:rPr lang="en-US" sz="1700" dirty="0">
-                <a:latin typeface="Consolas" charset="0"/>
-                <a:ea typeface="Consolas" charset="0"/>
-                <a:cs typeface="Consolas" charset="0"/>
-              </a:rPr>
-              <a:t>  - name: disable </a:t>
-            </a:r>
-            <a:r>
-              <a:rPr lang="en-US" sz="1700" dirty="0" err="1">
-                <a:latin typeface="Consolas" charset="0"/>
-                <a:ea typeface="Consolas" charset="0"/>
-                <a:cs typeface="Consolas" charset="0"/>
-              </a:rPr>
-              <a:t>selinux</a:t>
-            </a:r>
-            <a:r>
-              <a:rPr lang="en-US" sz="1700" dirty="0">
+              <a:rPr lang="en-US" sz="2600" dirty="0">
+                <a:latin typeface="Consolas" charset="0"/>
+                <a:ea typeface="Consolas" charset="0"/>
+                <a:cs typeface="Consolas" charset="0"/>
+              </a:rPr>
+              <a:t>  - include: </a:t>
+            </a:r>
+            <a:r>
+              <a:rPr lang="en-US" sz="2600" dirty="0" err="1">
+                <a:latin typeface="Consolas" charset="0"/>
+                <a:ea typeface="Consolas" charset="0"/>
+                <a:cs typeface="Consolas" charset="0"/>
+              </a:rPr>
+              <a:t>wordpress.yml</a:t>
+            </a:r>
+            <a:r>
+              <a:rPr lang="en-US" sz="2600" dirty="0">
                 <a:latin typeface="Consolas" charset="0"/>
                 <a:ea typeface="Consolas" charset="0"/>
                 <a:cs typeface="Consolas" charset="0"/>
               </a:rPr>
               <a:t> </a:t>
             </a:r>
+            <a:r>
+              <a:rPr lang="en-US" sz="2600" dirty="0" err="1">
+                <a:latin typeface="Consolas" charset="0"/>
+                <a:ea typeface="Consolas" charset="0"/>
+                <a:cs typeface="Consolas" charset="0"/>
+              </a:rPr>
+              <a:t>wp_user</a:t>
+            </a:r>
+            <a:r>
+              <a:rPr lang="en-US" sz="2600" dirty="0">
+                <a:latin typeface="Consolas" charset="0"/>
+                <a:ea typeface="Consolas" charset="0"/>
+                <a:cs typeface="Consolas" charset="0"/>
+              </a:rPr>
+              <a:t>=</a:t>
+            </a:r>
+            <a:r>
+              <a:rPr lang="en-US" sz="2600" dirty="0" err="1">
+                <a:latin typeface="Consolas" charset="0"/>
+                <a:ea typeface="Consolas" charset="0"/>
+                <a:cs typeface="Consolas" charset="0"/>
+              </a:rPr>
+              <a:t>timmy</a:t>
+            </a:r>
+            <a:r>
+              <a:rPr lang="en-US" sz="2600" dirty="0">
+                <a:latin typeface="Consolas" charset="0"/>
+                <a:ea typeface="Consolas" charset="0"/>
+                <a:cs typeface="Consolas" charset="0"/>
+              </a:rPr>
+              <a:t> </a:t>
+            </a:r>
           </a:p>
           <a:p>
             <a:pPr marL="0" indent="0">
               <a:buNone/>
             </a:pPr>
             <a:r>
-              <a:rPr lang="en-US" sz="1700" dirty="0">
-                <a:latin typeface="Consolas" charset="0"/>
-                <a:ea typeface="Consolas" charset="0"/>
-                <a:cs typeface="Consolas" charset="0"/>
-              </a:rPr>
-              <a:t>    command: /</a:t>
-            </a:r>
-            <a:r>
-              <a:rPr lang="en-US" sz="1700" dirty="0" err="1">
-                <a:latin typeface="Consolas" charset="0"/>
-                <a:ea typeface="Consolas" charset="0"/>
-                <a:cs typeface="Consolas" charset="0"/>
-              </a:rPr>
-              <a:t>sbin</a:t>
-            </a:r>
-            <a:r>
-              <a:rPr lang="en-US" sz="1700" dirty="0">
-                <a:latin typeface="Consolas" charset="0"/>
-                <a:ea typeface="Consolas" charset="0"/>
-                <a:cs typeface="Consolas" charset="0"/>
-              </a:rPr>
-              <a:t>/</a:t>
-            </a:r>
-            <a:r>
-              <a:rPr lang="en-US" sz="1700" dirty="0" err="1">
-                <a:latin typeface="Consolas" charset="0"/>
-                <a:ea typeface="Consolas" charset="0"/>
-                <a:cs typeface="Consolas" charset="0"/>
-              </a:rPr>
-              <a:t>setenforce</a:t>
-            </a:r>
-            <a:r>
-              <a:rPr lang="en-US" sz="1700" dirty="0">
-                <a:latin typeface="Consolas" charset="0"/>
-                <a:ea typeface="Consolas" charset="0"/>
-                <a:cs typeface="Consolas" charset="0"/>
-              </a:rPr>
-              <a:t> 0</a:t>
+              <a:rPr lang="en-US" sz="2600" dirty="0">
+                <a:latin typeface="Consolas" charset="0"/>
+                <a:ea typeface="Consolas" charset="0"/>
+                <a:cs typeface="Consolas" charset="0"/>
+              </a:rPr>
+              <a:t>  - include: </a:t>
+            </a:r>
+            <a:r>
+              <a:rPr lang="en-US" sz="2600" dirty="0" err="1">
+                <a:latin typeface="Consolas" charset="0"/>
+                <a:ea typeface="Consolas" charset="0"/>
+                <a:cs typeface="Consolas" charset="0"/>
+              </a:rPr>
+              <a:t>wordpress.yml</a:t>
+            </a:r>
+            <a:r>
+              <a:rPr lang="en-US" sz="2600" dirty="0">
+                <a:latin typeface="Consolas" charset="0"/>
+                <a:ea typeface="Consolas" charset="0"/>
+                <a:cs typeface="Consolas" charset="0"/>
+              </a:rPr>
+              <a:t> </a:t>
+            </a:r>
+            <a:r>
+              <a:rPr lang="en-US" sz="2600" dirty="0" err="1">
+                <a:latin typeface="Consolas" charset="0"/>
+                <a:ea typeface="Consolas" charset="0"/>
+                <a:cs typeface="Consolas" charset="0"/>
+              </a:rPr>
+              <a:t>wp_user</a:t>
+            </a:r>
+            <a:r>
+              <a:rPr lang="en-US" sz="2600" dirty="0">
+                <a:latin typeface="Consolas" charset="0"/>
+                <a:ea typeface="Consolas" charset="0"/>
+                <a:cs typeface="Consolas" charset="0"/>
+              </a:rPr>
+              <a:t>=</a:t>
+            </a:r>
+            <a:r>
+              <a:rPr lang="en-US" sz="2600" dirty="0" err="1">
+                <a:latin typeface="Consolas" charset="0"/>
+                <a:ea typeface="Consolas" charset="0"/>
+                <a:cs typeface="Consolas" charset="0"/>
+              </a:rPr>
+              <a:t>alice</a:t>
+            </a:r>
+            <a:r>
+              <a:rPr lang="en-US" sz="2600" dirty="0">
+                <a:latin typeface="Consolas" charset="0"/>
+                <a:ea typeface="Consolas" charset="0"/>
+                <a:cs typeface="Consolas" charset="0"/>
+              </a:rPr>
+              <a:t> </a:t>
             </a:r>
           </a:p>
           <a:p>
             <a:pPr marL="0" indent="0">
               <a:buNone/>
             </a:pPr>
-            <a:endParaRPr lang="en-US" sz="1600" dirty="0">
+            <a:r>
+              <a:rPr lang="en-US" sz="2600" dirty="0">
+                <a:latin typeface="Consolas" charset="0"/>
+                <a:ea typeface="Consolas" charset="0"/>
+                <a:cs typeface="Consolas" charset="0"/>
+              </a:rPr>
+              <a:t>  - include: </a:t>
+            </a:r>
+            <a:r>
+              <a:rPr lang="en-US" sz="2600" dirty="0" err="1">
+                <a:latin typeface="Consolas" charset="0"/>
+                <a:ea typeface="Consolas" charset="0"/>
+                <a:cs typeface="Consolas" charset="0"/>
+              </a:rPr>
+              <a:t>wordpress.yml</a:t>
+            </a:r>
+            <a:r>
+              <a:rPr lang="en-US" sz="2600" dirty="0">
+                <a:latin typeface="Consolas" charset="0"/>
+                <a:ea typeface="Consolas" charset="0"/>
+                <a:cs typeface="Consolas" charset="0"/>
+              </a:rPr>
+              <a:t> </a:t>
+            </a:r>
+            <a:r>
+              <a:rPr lang="en-US" sz="2600" dirty="0" err="1">
+                <a:latin typeface="Consolas" charset="0"/>
+                <a:ea typeface="Consolas" charset="0"/>
+                <a:cs typeface="Consolas" charset="0"/>
+              </a:rPr>
+              <a:t>wp_user</a:t>
+            </a:r>
+            <a:r>
+              <a:rPr lang="en-US" sz="2600" dirty="0">
+                <a:latin typeface="Consolas" charset="0"/>
+                <a:ea typeface="Consolas" charset="0"/>
+                <a:cs typeface="Consolas" charset="0"/>
+              </a:rPr>
+              <a:t>=bob</a:t>
+            </a:r>
+          </a:p>
+          <a:p>
+            <a:pPr marL="0" indent="0">
+              <a:buNone/>
+            </a:pPr>
+            <a:endParaRPr lang="en-US" sz="1700" dirty="0">
               <a:latin typeface="Consolas" charset="0"/>
               <a:ea typeface="Consolas" charset="0"/>
               <a:cs typeface="Consolas" charset="0"/>
@@ -10530,15 +10943,15 @@
           </a:p>
           <a:p>
             <a:r>
-              <a:rPr lang="en-US" sz="2400" dirty="0">
-                <a:ea typeface="Consolas" charset="0"/>
-                <a:cs typeface="Consolas" charset="0"/>
-              </a:rPr>
-              <a:t>Tasks can also use variables as arguments:</a:t>
-            </a:r>
-          </a:p>
-          <a:p>
-            <a:endParaRPr lang="en-US" sz="1600" dirty="0">
+              <a:rPr lang="en-US" sz="3600" dirty="0">
+                <a:ea typeface="Consolas" charset="0"/>
+                <a:cs typeface="Consolas" charset="0"/>
+              </a:rPr>
+              <a:t>It’s also possible to include one playbook file into another:</a:t>
+            </a:r>
+          </a:p>
+          <a:p>
+            <a:endParaRPr lang="en-US" sz="2000" dirty="0">
               <a:ea typeface="Consolas" charset="0"/>
               <a:cs typeface="Consolas" charset="0"/>
             </a:endParaRPr>
@@ -10548,12 +10961,12 @@
               <a:buNone/>
             </a:pPr>
             <a:r>
-              <a:rPr lang="en-US" sz="1700" dirty="0">
-                <a:latin typeface="Consolas" charset="0"/>
-                <a:ea typeface="Consolas" charset="0"/>
-                <a:cs typeface="Consolas" charset="0"/>
-              </a:rPr>
-              <a:t>tasks: </a:t>
+              <a:rPr lang="en-US" sz="2500" dirty="0">
+                <a:latin typeface="Consolas" charset="0"/>
+                <a:ea typeface="Consolas" charset="0"/>
+                <a:cs typeface="Consolas" charset="0"/>
+              </a:rPr>
+              <a:t>- name: this is a play at the top level of a file </a:t>
             </a:r>
           </a:p>
           <a:p>
@@ -10561,28 +10974,12 @@
               <a:buNone/>
             </a:pPr>
             <a:r>
-              <a:rPr lang="en-US" sz="1700" dirty="0">
-                <a:latin typeface="Consolas" charset="0"/>
-                <a:ea typeface="Consolas" charset="0"/>
-                <a:cs typeface="Consolas" charset="0"/>
-              </a:rPr>
-              <a:t>  - name: create a virtual host file for {{ </a:t>
-            </a:r>
-            <a:r>
-              <a:rPr lang="en-US" sz="1700" dirty="0" err="1">
-                <a:latin typeface="Consolas" charset="0"/>
-                <a:ea typeface="Consolas" charset="0"/>
-                <a:cs typeface="Consolas" charset="0"/>
-              </a:rPr>
-              <a:t>vhost</a:t>
-            </a:r>
-            <a:r>
-              <a:rPr lang="en-US" sz="1700" dirty="0">
-                <a:latin typeface="Consolas" charset="0"/>
-                <a:ea typeface="Consolas" charset="0"/>
-                <a:cs typeface="Consolas" charset="0"/>
-              </a:rPr>
-              <a:t> }} </a:t>
+              <a:rPr lang="en-US" sz="2500" dirty="0">
+                <a:latin typeface="Consolas" charset="0"/>
+                <a:ea typeface="Consolas" charset="0"/>
+                <a:cs typeface="Consolas" charset="0"/>
+              </a:rPr>
+              <a:t>  hosts: all </a:t>
             </a:r>
           </a:p>
           <a:p>
@@ -10590,108 +10987,103 @@
               <a:buNone/>
             </a:pPr>
             <a:r>
-              <a:rPr lang="en-US" sz="1700" dirty="0">
-                <a:latin typeface="Consolas" charset="0"/>
-                <a:ea typeface="Consolas" charset="0"/>
-                <a:cs typeface="Consolas" charset="0"/>
-              </a:rPr>
-              <a:t>    template: </a:t>
-            </a:r>
-            <a:r>
-              <a:rPr lang="en-US" sz="1700" dirty="0" err="1">
-                <a:latin typeface="Consolas" charset="0"/>
-                <a:ea typeface="Consolas" charset="0"/>
-                <a:cs typeface="Consolas" charset="0"/>
-              </a:rPr>
-              <a:t>src</a:t>
-            </a:r>
-            <a:r>
-              <a:rPr lang="en-US" sz="1700" dirty="0">
-                <a:latin typeface="Consolas" charset="0"/>
-                <a:ea typeface="Consolas" charset="0"/>
-                <a:cs typeface="Consolas" charset="0"/>
-              </a:rPr>
-              <a:t>=somefile.j2 </a:t>
-            </a:r>
-            <a:r>
-              <a:rPr lang="en-US" sz="1700" dirty="0" err="1">
-                <a:latin typeface="Consolas" charset="0"/>
-                <a:ea typeface="Consolas" charset="0"/>
-                <a:cs typeface="Consolas" charset="0"/>
-              </a:rPr>
-              <a:t>dest</a:t>
-            </a:r>
-            <a:r>
-              <a:rPr lang="en-US" sz="1700" dirty="0">
-                <a:latin typeface="Consolas" charset="0"/>
-                <a:ea typeface="Consolas" charset="0"/>
-                <a:cs typeface="Consolas" charset="0"/>
-              </a:rPr>
-              <a:t>=/</a:t>
-            </a:r>
-            <a:r>
-              <a:rPr lang="en-US" sz="1700" dirty="0" err="1">
-                <a:latin typeface="Consolas" charset="0"/>
-                <a:ea typeface="Consolas" charset="0"/>
-                <a:cs typeface="Consolas" charset="0"/>
-              </a:rPr>
-              <a:t>etc</a:t>
-            </a:r>
-            <a:r>
-              <a:rPr lang="en-US" sz="1700" dirty="0">
-                <a:latin typeface="Consolas" charset="0"/>
-                <a:ea typeface="Consolas" charset="0"/>
-                <a:cs typeface="Consolas" charset="0"/>
-              </a:rPr>
-              <a:t>/</a:t>
-            </a:r>
-            <a:r>
-              <a:rPr lang="en-US" sz="1700" dirty="0" err="1">
-                <a:latin typeface="Consolas" charset="0"/>
-                <a:ea typeface="Consolas" charset="0"/>
-                <a:cs typeface="Consolas" charset="0"/>
-              </a:rPr>
-              <a:t>httpd</a:t>
-            </a:r>
-            <a:r>
-              <a:rPr lang="en-US" sz="1700" dirty="0">
-                <a:latin typeface="Consolas" charset="0"/>
-                <a:ea typeface="Consolas" charset="0"/>
-                <a:cs typeface="Consolas" charset="0"/>
-              </a:rPr>
-              <a:t>/</a:t>
-            </a:r>
-            <a:r>
-              <a:rPr lang="en-US" sz="1700" dirty="0" err="1">
-                <a:latin typeface="Consolas" charset="0"/>
-                <a:ea typeface="Consolas" charset="0"/>
-                <a:cs typeface="Consolas" charset="0"/>
-              </a:rPr>
-              <a:t>conf.d</a:t>
-            </a:r>
-            <a:r>
-              <a:rPr lang="en-US" sz="1700" dirty="0">
-                <a:latin typeface="Consolas" charset="0"/>
-                <a:ea typeface="Consolas" charset="0"/>
-                <a:cs typeface="Consolas" charset="0"/>
-              </a:rPr>
-              <a:t>/{{ </a:t>
-            </a:r>
-            <a:r>
-              <a:rPr lang="en-US" sz="1700" dirty="0" err="1">
-                <a:latin typeface="Consolas" charset="0"/>
-                <a:ea typeface="Consolas" charset="0"/>
-                <a:cs typeface="Consolas" charset="0"/>
-              </a:rPr>
-              <a:t>vhost</a:t>
-            </a:r>
-            <a:r>
-              <a:rPr lang="en-US" sz="1700" dirty="0">
-                <a:latin typeface="Consolas" charset="0"/>
-                <a:ea typeface="Consolas" charset="0"/>
-                <a:cs typeface="Consolas" charset="0"/>
-              </a:rPr>
-              <a:t> }}</a:t>
+              <a:rPr lang="en-US" sz="2500" dirty="0">
+                <a:latin typeface="Consolas" charset="0"/>
+                <a:ea typeface="Consolas" charset="0"/>
+                <a:cs typeface="Consolas" charset="0"/>
+              </a:rPr>
+              <a:t>  tasks: </a:t>
+            </a:r>
+          </a:p>
+          <a:p>
+            <a:pPr marL="0" indent="0">
+              <a:buNone/>
+            </a:pPr>
+            <a:r>
+              <a:rPr lang="en-US" sz="2500" dirty="0">
+                <a:latin typeface="Consolas" charset="0"/>
+                <a:ea typeface="Consolas" charset="0"/>
+                <a:cs typeface="Consolas" charset="0"/>
+              </a:rPr>
+              <a:t>    - name: say hi </a:t>
+            </a:r>
+          </a:p>
+          <a:p>
+            <a:pPr marL="0" indent="0">
+              <a:buNone/>
+            </a:pPr>
+            <a:r>
+              <a:rPr lang="en-US" sz="2500" dirty="0">
+                <a:latin typeface="Consolas" charset="0"/>
+                <a:ea typeface="Consolas" charset="0"/>
+                <a:cs typeface="Consolas" charset="0"/>
+              </a:rPr>
+              <a:t>      shell: echo "hi..." </a:t>
+            </a:r>
+          </a:p>
+          <a:p>
+            <a:pPr marL="0" indent="0">
+              <a:buNone/>
+            </a:pPr>
+            <a:endParaRPr lang="en-US" sz="2500" dirty="0">
+              <a:latin typeface="Consolas" charset="0"/>
+              <a:ea typeface="Consolas" charset="0"/>
+              <a:cs typeface="Consolas" charset="0"/>
+            </a:endParaRPr>
+          </a:p>
+          <a:p>
+            <a:pPr marL="0" indent="0">
+              <a:buNone/>
+            </a:pPr>
+            <a:r>
+              <a:rPr lang="en-US" sz="2500" dirty="0">
+                <a:latin typeface="Consolas" charset="0"/>
+                <a:ea typeface="Consolas" charset="0"/>
+                <a:cs typeface="Consolas" charset="0"/>
+              </a:rPr>
+              <a:t>- include: </a:t>
+            </a:r>
+            <a:r>
+              <a:rPr lang="en-US" sz="2500" dirty="0" err="1">
+                <a:latin typeface="Consolas" charset="0"/>
+                <a:ea typeface="Consolas" charset="0"/>
+                <a:cs typeface="Consolas" charset="0"/>
+              </a:rPr>
+              <a:t>load_balancers.yml</a:t>
+            </a:r>
+            <a:endParaRPr lang="en-US" sz="2500" dirty="0">
+              <a:latin typeface="Consolas" charset="0"/>
+              <a:ea typeface="Consolas" charset="0"/>
+              <a:cs typeface="Consolas" charset="0"/>
+            </a:endParaRPr>
+          </a:p>
+          <a:p>
+            <a:pPr marL="0" indent="0">
+              <a:buNone/>
+            </a:pPr>
+            <a:r>
+              <a:rPr lang="en-US" sz="2500" dirty="0">
+                <a:latin typeface="Consolas" charset="0"/>
+                <a:ea typeface="Consolas" charset="0"/>
+                <a:cs typeface="Consolas" charset="0"/>
+              </a:rPr>
+              <a:t>- include: </a:t>
+            </a:r>
+            <a:r>
+              <a:rPr lang="en-US" sz="2500" dirty="0" err="1">
+                <a:latin typeface="Consolas" charset="0"/>
+                <a:ea typeface="Consolas" charset="0"/>
+                <a:cs typeface="Consolas" charset="0"/>
+              </a:rPr>
+              <a:t>webservers.yml</a:t>
+            </a:r>
+            <a:r>
+              <a:rPr lang="en-US" sz="2500" dirty="0">
+                <a:latin typeface="Consolas" charset="0"/>
+                <a:ea typeface="Consolas" charset="0"/>
+                <a:cs typeface="Consolas" charset="0"/>
+              </a:rPr>
+              <a:t> </a:t>
             </a:r>
           </a:p>
         </p:txBody>
@@ -10699,7 +11091,7 @@
     </p:spTree>
     <p:extLst>
       <p:ext uri="{BB962C8B-B14F-4D97-AF65-F5344CB8AC3E}">
-        <p14:creationId xmlns:p14="http://schemas.microsoft.com/office/powerpoint/2010/main" val="1188822281"/>
+        <p14:creationId xmlns:p14="http://schemas.microsoft.com/office/powerpoint/2010/main" val="1396539662"/>
       </p:ext>
     </p:extLst>
   </p:cSld>
@@ -10743,7 +11135,7 @@
           <a:p>
             <a:r>
               <a:rPr lang="en-US" dirty="0"/>
-              <a:t>Includes</a:t>
+              <a:t>Variables</a:t>
             </a:r>
           </a:p>
         </p:txBody>
@@ -10761,18 +11153,44 @@
         <p:spPr>
           <a:xfrm>
             <a:off x="457200" y="1600200"/>
-            <a:ext cx="8229600" cy="5257800"/>
+            <a:ext cx="8229600" cy="5151329"/>
           </a:xfrm>
         </p:spPr>
         <p:txBody>
           <a:bodyPr>
-            <a:normAutofit fontScale="55000" lnSpcReduction="20000"/>
+            <a:normAutofit fontScale="32500" lnSpcReduction="20000"/>
           </a:bodyPr>
           <a:lstStyle/>
           <a:p>
             <a:r>
-              <a:rPr lang="en-US" sz="3600" dirty="0"/>
-              <a:t>We can use include files to reuse tasks between plays or playbooks.</a:t>
+              <a:rPr lang="en-US" sz="5500" dirty="0"/>
+              <a:t>Variables allow us to deal with small configuration differences between systems.</a:t>
+            </a:r>
+          </a:p>
+          <a:p>
+            <a:endParaRPr lang="en-US" sz="5500" dirty="0"/>
+          </a:p>
+          <a:p>
+            <a:r>
+              <a:rPr lang="en-US" sz="5500" dirty="0"/>
+              <a:t>Variable names should be letters, numbers, and underscores.</a:t>
+            </a:r>
+          </a:p>
+          <a:p>
+            <a:pPr lvl="1"/>
+            <a:r>
+              <a:rPr lang="en-US" sz="5500" dirty="0"/>
+              <a:t>Should always start with a letter.</a:t>
+            </a:r>
+          </a:p>
+          <a:p>
+            <a:pPr lvl="1"/>
+            <a:endParaRPr lang="en-US" sz="5500" dirty="0"/>
+          </a:p>
+          <a:p>
+            <a:r>
+              <a:rPr lang="en-US" sz="5500" dirty="0"/>
+              <a:t>YAML can map keys to values:</a:t>
             </a:r>
           </a:p>
           <a:p>
@@ -10783,12 +11201,12 @@
               <a:buNone/>
             </a:pPr>
             <a:r>
-              <a:rPr lang="en-US" sz="2600" dirty="0">
-                <a:latin typeface="Consolas" charset="0"/>
-                <a:ea typeface="Consolas" charset="0"/>
-                <a:cs typeface="Consolas" charset="0"/>
-              </a:rPr>
-              <a:t>tasks: </a:t>
+              <a:rPr lang="en-US" sz="4300" dirty="0">
+                <a:latin typeface="Consolas" charset="0"/>
+                <a:ea typeface="Consolas" charset="0"/>
+                <a:cs typeface="Consolas" charset="0"/>
+              </a:rPr>
+              <a:t>foo:</a:t>
             </a:r>
           </a:p>
           <a:p>
@@ -10796,114 +11214,105 @@
               <a:buNone/>
             </a:pPr>
             <a:r>
-              <a:rPr lang="en-US" sz="2600" dirty="0">
-                <a:latin typeface="Consolas" charset="0"/>
-                <a:ea typeface="Consolas" charset="0"/>
-                <a:cs typeface="Consolas" charset="0"/>
-              </a:rPr>
-              <a:t>  - include: tasks/</a:t>
-            </a:r>
-            <a:r>
-              <a:rPr lang="en-US" sz="2600" dirty="0" err="1">
-                <a:latin typeface="Consolas" charset="0"/>
-                <a:ea typeface="Consolas" charset="0"/>
-                <a:cs typeface="Consolas" charset="0"/>
-              </a:rPr>
-              <a:t>foo.yml</a:t>
-            </a:r>
-            <a:endParaRPr lang="en-US" sz="2600" dirty="0">
-              <a:latin typeface="Consolas" charset="0"/>
-              <a:ea typeface="Consolas" charset="0"/>
-              <a:cs typeface="Consolas" charset="0"/>
-            </a:endParaRPr>
-          </a:p>
-          <a:p>
+              <a:rPr lang="en-US" sz="4300" dirty="0">
+                <a:latin typeface="Consolas" charset="0"/>
+                <a:ea typeface="Consolas" charset="0"/>
+                <a:cs typeface="Consolas" charset="0"/>
+              </a:rPr>
+              <a:t>  field1: one</a:t>
+            </a:r>
+          </a:p>
+          <a:p>
+            <a:pPr marL="0" indent="0">
+              <a:buNone/>
+            </a:pPr>
+            <a:r>
+              <a:rPr lang="en-US" sz="4300" dirty="0">
+                <a:latin typeface="Consolas" charset="0"/>
+                <a:ea typeface="Consolas" charset="0"/>
+                <a:cs typeface="Consolas" charset="0"/>
+              </a:rPr>
+              <a:t>  field2: two</a:t>
+            </a:r>
+          </a:p>
+          <a:p>
+            <a:pPr marL="0" indent="0">
+              <a:buNone/>
+            </a:pPr>
             <a:endParaRPr lang="en-US" dirty="0"/>
           </a:p>
           <a:p>
             <a:r>
-              <a:rPr lang="en-US" sz="3600" dirty="0"/>
-              <a:t>We can also pass variables into includes:</a:t>
-            </a:r>
+              <a:rPr lang="en-US" sz="5500" dirty="0"/>
+              <a:t>Multiple ways to reference a specific field in a dictionary value:</a:t>
+            </a:r>
+          </a:p>
+          <a:p>
+            <a:endParaRPr lang="en-US" dirty="0"/>
           </a:p>
           <a:p>
             <a:pPr marL="0" indent="0">
               <a:buNone/>
             </a:pPr>
+            <a:r>
+              <a:rPr lang="en-US" sz="4300" dirty="0">
+                <a:latin typeface="Consolas" charset="0"/>
+                <a:ea typeface="Consolas" charset="0"/>
+                <a:cs typeface="Consolas" charset="0"/>
+              </a:rPr>
+              <a:t>foo[‘field1’]</a:t>
+            </a:r>
+          </a:p>
+          <a:p>
+            <a:pPr marL="0" indent="0">
+              <a:buNone/>
+            </a:pPr>
+            <a:r>
+              <a:rPr lang="en-US" sz="4300" dirty="0">
+                <a:latin typeface="Consolas" charset="0"/>
+                <a:ea typeface="Consolas" charset="0"/>
+                <a:cs typeface="Consolas" charset="0"/>
+              </a:rPr>
+              <a:t>foo.field1</a:t>
+            </a:r>
+          </a:p>
+          <a:p>
+            <a:pPr marL="0" indent="0">
+              <a:buNone/>
+            </a:pPr>
             <a:endParaRPr lang="en-US" dirty="0"/>
           </a:p>
           <a:p>
+            <a:r>
+              <a:rPr lang="en-US" sz="5500" dirty="0"/>
+              <a:t>Define variables directly in a playbook using </a:t>
+            </a:r>
+            <a:r>
+              <a:rPr lang="en-US" sz="5500" b="1" dirty="0" err="1"/>
+              <a:t>vars</a:t>
+            </a:r>
+            <a:r>
+              <a:rPr lang="en-US" sz="5500" dirty="0"/>
+              <a:t> section:</a:t>
+            </a:r>
+          </a:p>
+          <a:p>
             <a:pPr marL="0" indent="0">
               <a:buNone/>
             </a:pPr>
-            <a:r>
-              <a:rPr lang="en-US" sz="2600" dirty="0">
-                <a:latin typeface="Consolas" charset="0"/>
-                <a:ea typeface="Consolas" charset="0"/>
-                <a:cs typeface="Consolas" charset="0"/>
-              </a:rPr>
-              <a:t>tasks: </a:t>
-            </a:r>
+            <a:endParaRPr lang="en-US" dirty="0"/>
           </a:p>
           <a:p>
             <a:pPr marL="0" indent="0">
               <a:buNone/>
             </a:pPr>
             <a:r>
-              <a:rPr lang="en-US" sz="2600" dirty="0">
-                <a:latin typeface="Consolas" charset="0"/>
-                <a:ea typeface="Consolas" charset="0"/>
-                <a:cs typeface="Consolas" charset="0"/>
-              </a:rPr>
-              <a:t>  - include: </a:t>
-            </a:r>
-            <a:r>
-              <a:rPr lang="en-US" sz="2600" dirty="0" err="1">
-                <a:latin typeface="Consolas" charset="0"/>
-                <a:ea typeface="Consolas" charset="0"/>
-                <a:cs typeface="Consolas" charset="0"/>
-              </a:rPr>
-              <a:t>wordpress.yml</a:t>
-            </a:r>
-            <a:r>
-              <a:rPr lang="en-US" sz="2600" dirty="0">
-                <a:latin typeface="Consolas" charset="0"/>
-                <a:ea typeface="Consolas" charset="0"/>
-                <a:cs typeface="Consolas" charset="0"/>
-              </a:rPr>
-              <a:t> </a:t>
-            </a:r>
-            <a:r>
-              <a:rPr lang="en-US" sz="2600" dirty="0" err="1">
-                <a:latin typeface="Consolas" charset="0"/>
-                <a:ea typeface="Consolas" charset="0"/>
-                <a:cs typeface="Consolas" charset="0"/>
-              </a:rPr>
-              <a:t>wp_user</a:t>
-            </a:r>
-            <a:r>
-              <a:rPr lang="en-US" sz="2600" dirty="0">
-                <a:latin typeface="Consolas" charset="0"/>
-                <a:ea typeface="Consolas" charset="0"/>
-                <a:cs typeface="Consolas" charset="0"/>
-              </a:rPr>
-              <a:t>=</a:t>
-            </a:r>
-            <a:r>
-              <a:rPr lang="en-US" sz="2600" dirty="0" err="1">
-                <a:latin typeface="Consolas" charset="0"/>
-                <a:ea typeface="Consolas" charset="0"/>
-                <a:cs typeface="Consolas" charset="0"/>
-              </a:rPr>
-              <a:t>timmy</a:t>
-            </a:r>
-            <a:r>
-              <a:rPr lang="en-US" sz="2600" dirty="0">
-                <a:latin typeface="Consolas" charset="0"/>
-                <a:ea typeface="Consolas" charset="0"/>
-                <a:cs typeface="Consolas" charset="0"/>
-              </a:rPr>
-              <a:t> </a:t>
+              <a:rPr lang="en-US" sz="4300" dirty="0">
+                <a:latin typeface="Consolas" charset="0"/>
+                <a:ea typeface="Consolas" charset="0"/>
+                <a:cs typeface="Consolas" charset="0"/>
+              </a:rPr>
+              <a:t>- hosts: webservers</a:t>
             </a:r>
           </a:p>
           <a:p>
@@ -10911,60 +11320,28 @@
               <a:buNone/>
             </a:pPr>
             <a:r>
-              <a:rPr lang="en-US" sz="2600" dirty="0">
-                <a:latin typeface="Consolas" charset="0"/>
-                <a:ea typeface="Consolas" charset="0"/>
-                <a:cs typeface="Consolas" charset="0"/>
-              </a:rPr>
-              <a:t>  - include: </a:t>
-            </a:r>
-            <a:r>
-              <a:rPr lang="en-US" sz="2600" dirty="0" err="1">
-                <a:latin typeface="Consolas" charset="0"/>
-                <a:ea typeface="Consolas" charset="0"/>
-                <a:cs typeface="Consolas" charset="0"/>
-              </a:rPr>
-              <a:t>wordpress.yml</a:t>
-            </a:r>
-            <a:r>
-              <a:rPr lang="en-US" sz="2600" dirty="0">
-                <a:latin typeface="Consolas" charset="0"/>
-                <a:ea typeface="Consolas" charset="0"/>
-                <a:cs typeface="Consolas" charset="0"/>
-              </a:rPr>
-              <a:t> </a:t>
-            </a:r>
-            <a:r>
-              <a:rPr lang="en-US" sz="2600" dirty="0" err="1">
-                <a:latin typeface="Consolas" charset="0"/>
-                <a:ea typeface="Consolas" charset="0"/>
-                <a:cs typeface="Consolas" charset="0"/>
-              </a:rPr>
-              <a:t>wp_user</a:t>
-            </a:r>
-            <a:r>
-              <a:rPr lang="en-US" sz="2600" dirty="0">
-                <a:latin typeface="Consolas" charset="0"/>
-                <a:ea typeface="Consolas" charset="0"/>
-                <a:cs typeface="Consolas" charset="0"/>
-              </a:rPr>
-              <a:t>=</a:t>
-            </a:r>
-            <a:r>
-              <a:rPr lang="en-US" sz="2600" dirty="0" err="1">
-                <a:latin typeface="Consolas" charset="0"/>
-                <a:ea typeface="Consolas" charset="0"/>
-                <a:cs typeface="Consolas" charset="0"/>
-              </a:rPr>
-              <a:t>alice</a:t>
-            </a:r>
-            <a:r>
-              <a:rPr lang="en-US" sz="2600" dirty="0">
-                <a:latin typeface="Consolas" charset="0"/>
-                <a:ea typeface="Consolas" charset="0"/>
-                <a:cs typeface="Consolas" charset="0"/>
-              </a:rPr>
-              <a:t> </a:t>
+              <a:rPr lang="en-US" sz="4300" dirty="0">
+                <a:latin typeface="Consolas" charset="0"/>
+                <a:ea typeface="Consolas" charset="0"/>
+                <a:cs typeface="Consolas" charset="0"/>
+              </a:rPr>
+              <a:t>  </a:t>
+            </a:r>
+            <a:r>
+              <a:rPr lang="en-US" sz="4300" dirty="0" err="1">
+                <a:latin typeface="Consolas" charset="0"/>
+                <a:ea typeface="Consolas" charset="0"/>
+                <a:cs typeface="Consolas" charset="0"/>
+              </a:rPr>
+              <a:t>vars</a:t>
+            </a:r>
+            <a:r>
+              <a:rPr lang="en-US" sz="4300" dirty="0">
+                <a:latin typeface="Consolas" charset="0"/>
+                <a:ea typeface="Consolas" charset="0"/>
+                <a:cs typeface="Consolas" charset="0"/>
+              </a:rPr>
+              <a:t>:</a:t>
             </a:r>
           </a:p>
           <a:p>
@@ -10972,207 +11349,48 @@
               <a:buNone/>
             </a:pPr>
             <a:r>
-              <a:rPr lang="en-US" sz="2600" dirty="0">
-                <a:latin typeface="Consolas" charset="0"/>
-                <a:ea typeface="Consolas" charset="0"/>
-                <a:cs typeface="Consolas" charset="0"/>
-              </a:rPr>
-              <a:t>  - include: </a:t>
-            </a:r>
-            <a:r>
-              <a:rPr lang="en-US" sz="2600" dirty="0" err="1">
-                <a:latin typeface="Consolas" charset="0"/>
-                <a:ea typeface="Consolas" charset="0"/>
-                <a:cs typeface="Consolas" charset="0"/>
-              </a:rPr>
-              <a:t>wordpress.yml</a:t>
-            </a:r>
-            <a:r>
-              <a:rPr lang="en-US" sz="2600" dirty="0">
-                <a:latin typeface="Consolas" charset="0"/>
-                <a:ea typeface="Consolas" charset="0"/>
-                <a:cs typeface="Consolas" charset="0"/>
-              </a:rPr>
-              <a:t> </a:t>
-            </a:r>
-            <a:r>
-              <a:rPr lang="en-US" sz="2600" dirty="0" err="1">
-                <a:latin typeface="Consolas" charset="0"/>
-                <a:ea typeface="Consolas" charset="0"/>
-                <a:cs typeface="Consolas" charset="0"/>
-              </a:rPr>
-              <a:t>wp_user</a:t>
-            </a:r>
-            <a:r>
-              <a:rPr lang="en-US" sz="2600" dirty="0">
-                <a:latin typeface="Consolas" charset="0"/>
-                <a:ea typeface="Consolas" charset="0"/>
-                <a:cs typeface="Consolas" charset="0"/>
-              </a:rPr>
-              <a:t>=bob</a:t>
+              <a:rPr lang="en-US" sz="4300" dirty="0">
+                <a:latin typeface="Consolas" charset="0"/>
+                <a:ea typeface="Consolas" charset="0"/>
+                <a:cs typeface="Consolas" charset="0"/>
+              </a:rPr>
+              <a:t>    </a:t>
+            </a:r>
+            <a:r>
+              <a:rPr lang="en-US" sz="4300" dirty="0" err="1">
+                <a:latin typeface="Consolas" charset="0"/>
+                <a:ea typeface="Consolas" charset="0"/>
+                <a:cs typeface="Consolas" charset="0"/>
+              </a:rPr>
+              <a:t>http_port</a:t>
+            </a:r>
+            <a:r>
+              <a:rPr lang="en-US" sz="4300" dirty="0">
+                <a:latin typeface="Consolas" charset="0"/>
+                <a:ea typeface="Consolas" charset="0"/>
+                <a:cs typeface="Consolas" charset="0"/>
+              </a:rPr>
+              <a:t>: 800</a:t>
             </a:r>
           </a:p>
           <a:p>
             <a:pPr marL="0" indent="0">
               <a:buNone/>
             </a:pPr>
-            <a:endParaRPr lang="en-US" sz="1700" dirty="0">
-              <a:latin typeface="Consolas" charset="0"/>
-              <a:ea typeface="Consolas" charset="0"/>
-              <a:cs typeface="Consolas" charset="0"/>
-            </a:endParaRPr>
-          </a:p>
-          <a:p>
-            <a:r>
-              <a:rPr lang="en-US" sz="3600" dirty="0">
-                <a:ea typeface="Consolas" charset="0"/>
-                <a:cs typeface="Consolas" charset="0"/>
-              </a:rPr>
-              <a:t>It’s also possible to include one playbook file into another:</a:t>
-            </a:r>
-          </a:p>
-          <a:p>
-            <a:endParaRPr lang="en-US" sz="2000" dirty="0">
-              <a:ea typeface="Consolas" charset="0"/>
-              <a:cs typeface="Consolas" charset="0"/>
-            </a:endParaRPr>
+            <a:endParaRPr lang="en-US" dirty="0"/>
           </a:p>
           <a:p>
             <a:pPr marL="0" indent="0">
               <a:buNone/>
             </a:pPr>
-            <a:r>
-              <a:rPr lang="en-US" sz="2500" dirty="0">
-                <a:latin typeface="Consolas" charset="0"/>
-                <a:ea typeface="Consolas" charset="0"/>
-                <a:cs typeface="Consolas" charset="0"/>
-              </a:rPr>
-              <a:t>- name: this is a play at the top level of a file </a:t>
-            </a:r>
-          </a:p>
-          <a:p>
-            <a:pPr marL="0" indent="0">
-              <a:buNone/>
-            </a:pPr>
-            <a:r>
-              <a:rPr lang="en-US" sz="2500" dirty="0">
-                <a:latin typeface="Consolas" charset="0"/>
-                <a:ea typeface="Consolas" charset="0"/>
-                <a:cs typeface="Consolas" charset="0"/>
-              </a:rPr>
-              <a:t>  hosts: all </a:t>
-            </a:r>
-          </a:p>
-          <a:p>
-            <a:pPr marL="0" indent="0">
-              <a:buNone/>
-            </a:pPr>
-            <a:r>
-              <a:rPr lang="en-US" sz="2500" dirty="0">
-                <a:latin typeface="Consolas" charset="0"/>
-                <a:ea typeface="Consolas" charset="0"/>
-                <a:cs typeface="Consolas" charset="0"/>
-              </a:rPr>
-              <a:t>  tasks: </a:t>
-            </a:r>
-          </a:p>
-          <a:p>
-            <a:pPr marL="0" indent="0">
-              <a:buNone/>
-            </a:pPr>
-            <a:r>
-              <a:rPr lang="en-US" sz="2500" dirty="0">
-                <a:latin typeface="Consolas" charset="0"/>
-                <a:ea typeface="Consolas" charset="0"/>
-                <a:cs typeface="Consolas" charset="0"/>
-              </a:rPr>
-              <a:t>    - name: say hi </a:t>
-            </a:r>
-          </a:p>
-          <a:p>
-            <a:pPr marL="0" indent="0">
-              <a:buNone/>
-            </a:pPr>
-            <a:r>
-              <a:rPr lang="en-US" sz="2500" dirty="0">
-                <a:latin typeface="Consolas" charset="0"/>
-                <a:ea typeface="Consolas" charset="0"/>
-                <a:cs typeface="Consolas" charset="0"/>
-              </a:rPr>
-              <a:t>      shell: echo "hi..." </a:t>
-            </a:r>
-          </a:p>
-          <a:p>
-            <a:pPr marL="0" indent="0">
-              <a:buNone/>
-            </a:pPr>
-            <a:endParaRPr lang="en-US" sz="2500" dirty="0">
-              <a:latin typeface="Consolas" charset="0"/>
-              <a:ea typeface="Consolas" charset="0"/>
-              <a:cs typeface="Consolas" charset="0"/>
-            </a:endParaRPr>
-          </a:p>
-          <a:p>
-            <a:pPr marL="0" indent="0">
-              <a:buNone/>
-            </a:pPr>
-            <a:r>
-              <a:rPr lang="en-US" sz="2500" dirty="0">
-                <a:latin typeface="Consolas" charset="0"/>
-                <a:ea typeface="Consolas" charset="0"/>
-                <a:cs typeface="Consolas" charset="0"/>
-              </a:rPr>
-              <a:t>- include: </a:t>
-            </a:r>
-            <a:r>
-              <a:rPr lang="en-US" sz="2500" dirty="0" err="1">
-                <a:latin typeface="Consolas" charset="0"/>
-                <a:ea typeface="Consolas" charset="0"/>
-                <a:cs typeface="Consolas" charset="0"/>
-              </a:rPr>
-              <a:t>load_balancers.yml</a:t>
-            </a:r>
-            <a:endParaRPr lang="en-US" sz="2500" dirty="0">
-              <a:latin typeface="Consolas" charset="0"/>
-              <a:ea typeface="Consolas" charset="0"/>
-              <a:cs typeface="Consolas" charset="0"/>
-            </a:endParaRPr>
-          </a:p>
-          <a:p>
-            <a:pPr marL="0" indent="0">
-              <a:buNone/>
-            </a:pPr>
-            <a:r>
-              <a:rPr lang="en-US" sz="2500" dirty="0">
-                <a:latin typeface="Consolas" charset="0"/>
-                <a:ea typeface="Consolas" charset="0"/>
-                <a:cs typeface="Consolas" charset="0"/>
-              </a:rPr>
-              <a:t>- include: </a:t>
-            </a:r>
-            <a:r>
-              <a:rPr lang="en-US" sz="2500" dirty="0" err="1">
-                <a:latin typeface="Consolas" charset="0"/>
-                <a:ea typeface="Consolas" charset="0"/>
-                <a:cs typeface="Consolas" charset="0"/>
-              </a:rPr>
-              <a:t>webservers.yml</a:t>
-            </a:r>
-            <a:r>
-              <a:rPr lang="en-US" sz="2500" dirty="0">
-                <a:latin typeface="Consolas" charset="0"/>
-                <a:ea typeface="Consolas" charset="0"/>
-                <a:cs typeface="Consolas" charset="0"/>
-              </a:rPr>
-              <a:t> </a:t>
-            </a:r>
+            <a:endParaRPr lang="en-US" dirty="0"/>
           </a:p>
         </p:txBody>
       </p:sp>
     </p:spTree>
     <p:extLst>
       <p:ext uri="{BB962C8B-B14F-4D97-AF65-F5344CB8AC3E}">
-        <p14:creationId xmlns:p14="http://schemas.microsoft.com/office/powerpoint/2010/main" val="1396539662"/>
+        <p14:creationId xmlns:p14="http://schemas.microsoft.com/office/powerpoint/2010/main" val="1678542988"/>
       </p:ext>
     </p:extLst>
   </p:cSld>
@@ -11216,7 +11434,7 @@
           <a:p>
             <a:r>
               <a:rPr lang="en-US" dirty="0"/>
-              <a:t>Variables</a:t>
+              <a:t>Facts</a:t>
             </a:r>
           </a:p>
         </p:txBody>
@@ -11234,47 +11452,49 @@
         <p:spPr>
           <a:xfrm>
             <a:off x="457200" y="1600200"/>
-            <a:ext cx="8229600" cy="5151329"/>
+            <a:ext cx="8229600" cy="5063647"/>
           </a:xfrm>
         </p:spPr>
         <p:txBody>
           <a:bodyPr>
-            <a:normAutofit fontScale="32500" lnSpcReduction="20000"/>
+            <a:normAutofit fontScale="70000" lnSpcReduction="20000"/>
           </a:bodyPr>
           <a:lstStyle/>
           <a:p>
             <a:r>
-              <a:rPr lang="en-US" sz="5500" dirty="0"/>
-              <a:t>Variables allow us to deal with small configuration differences between systems.</a:t>
-            </a:r>
-          </a:p>
-          <a:p>
-            <a:endParaRPr lang="en-US" sz="5500" dirty="0"/>
-          </a:p>
-          <a:p>
-            <a:r>
-              <a:rPr lang="en-US" sz="5500" dirty="0"/>
-              <a:t>Variable names should be letters, numbers, and underscores.</a:t>
+              <a:rPr lang="en-US" dirty="0"/>
+              <a:t>Facts are a type of variable that contain information about remote systems.</a:t>
             </a:r>
           </a:p>
           <a:p>
             <a:pPr lvl="1"/>
             <a:r>
-              <a:rPr lang="en-US" sz="5500" dirty="0"/>
-              <a:t>Should always start with a letter.</a:t>
-            </a:r>
+              <a:rPr lang="en-US" dirty="0"/>
+              <a:t>System name, IP address, OS version, </a:t>
+            </a:r>
+            <a:r>
+              <a:rPr lang="en-US" dirty="0" err="1"/>
+              <a:t>etc</a:t>
+            </a:r>
+            <a:endParaRPr lang="en-US" dirty="0"/>
           </a:p>
           <a:p>
             <a:pPr lvl="1"/>
-            <a:endParaRPr lang="en-US" sz="5500" dirty="0"/>
-          </a:p>
-          <a:p>
-            <a:r>
-              <a:rPr lang="en-US" sz="5500" dirty="0"/>
-              <a:t>YAML can map keys to values:</a:t>
-            </a:r>
-          </a:p>
-          <a:p>
+            <a:r>
+              <a:rPr lang="en-US" dirty="0"/>
+              <a:t>Facts are discovered automatically by the </a:t>
+            </a:r>
+            <a:r>
+              <a:rPr lang="en-US" b="1" dirty="0"/>
+              <a:t>setup</a:t>
+            </a:r>
+            <a:r>
+              <a:rPr lang="en-US" dirty="0"/>
+              <a:t> module and stored in a JSON structure.</a:t>
+            </a:r>
+          </a:p>
+          <a:p>
+            <a:pPr lvl="1"/>
             <a:endParaRPr lang="en-US" dirty="0"/>
           </a:p>
           <a:p>
@@ -11282,12 +11502,28 @@
               <a:buNone/>
             </a:pPr>
             <a:r>
-              <a:rPr lang="en-US" sz="4300" dirty="0">
-                <a:latin typeface="Consolas" charset="0"/>
-                <a:ea typeface="Consolas" charset="0"/>
-                <a:cs typeface="Consolas" charset="0"/>
-              </a:rPr>
-              <a:t>foo:</a:t>
+              <a:rPr lang="en-US" sz="1900" dirty="0">
+                <a:latin typeface="Consolas" charset="0"/>
+                <a:ea typeface="Consolas" charset="0"/>
+                <a:cs typeface="Consolas" charset="0"/>
+              </a:rPr>
+              <a:t>"</a:t>
+            </a:r>
+            <a:r>
+              <a:rPr lang="en-US" sz="1900" dirty="0" err="1">
+                <a:latin typeface="Consolas" charset="0"/>
+                <a:ea typeface="Consolas" charset="0"/>
+                <a:cs typeface="Consolas" charset="0"/>
+              </a:rPr>
+              <a:t>ansible_architecture</a:t>
+            </a:r>
+            <a:r>
+              <a:rPr lang="en-US" sz="1900" dirty="0">
+                <a:latin typeface="Consolas" charset="0"/>
+                <a:ea typeface="Consolas" charset="0"/>
+                <a:cs typeface="Consolas" charset="0"/>
+              </a:rPr>
+              <a:t>": "x86_64", </a:t>
             </a:r>
           </a:p>
           <a:p>
@@ -11295,12 +11531,44 @@
               <a:buNone/>
             </a:pPr>
             <a:r>
-              <a:rPr lang="en-US" sz="4300" dirty="0">
-                <a:latin typeface="Consolas" charset="0"/>
-                <a:ea typeface="Consolas" charset="0"/>
-                <a:cs typeface="Consolas" charset="0"/>
-              </a:rPr>
-              <a:t>  field1: one</a:t>
+              <a:rPr lang="en-US" sz="1900" dirty="0">
+                <a:latin typeface="Consolas" charset="0"/>
+                <a:ea typeface="Consolas" charset="0"/>
+                <a:cs typeface="Consolas" charset="0"/>
+              </a:rPr>
+              <a:t>"</a:t>
+            </a:r>
+            <a:r>
+              <a:rPr lang="en-US" sz="1900" dirty="0" err="1">
+                <a:latin typeface="Consolas" charset="0"/>
+                <a:ea typeface="Consolas" charset="0"/>
+                <a:cs typeface="Consolas" charset="0"/>
+              </a:rPr>
+              <a:t>ansible_bios_date</a:t>
+            </a:r>
+            <a:r>
+              <a:rPr lang="en-US" sz="1900" dirty="0">
+                <a:latin typeface="Consolas" charset="0"/>
+                <a:ea typeface="Consolas" charset="0"/>
+                <a:cs typeface="Consolas" charset="0"/>
+              </a:rPr>
+              <a:t>": "09/20/2012", "</a:t>
+            </a:r>
+            <a:r>
+              <a:rPr lang="en-US" sz="1900" dirty="0" err="1">
+                <a:latin typeface="Consolas" charset="0"/>
+                <a:ea typeface="Consolas" charset="0"/>
+                <a:cs typeface="Consolas" charset="0"/>
+              </a:rPr>
+              <a:t>ansible_bios_version</a:t>
+            </a:r>
+            <a:r>
+              <a:rPr lang="en-US" sz="1900" dirty="0">
+                <a:latin typeface="Consolas" charset="0"/>
+                <a:ea typeface="Consolas" charset="0"/>
+                <a:cs typeface="Consolas" charset="0"/>
+              </a:rPr>
+              <a:t>": "6.00",</a:t>
             </a:r>
           </a:p>
           <a:p>
@@ -11308,40 +11576,86 @@
               <a:buNone/>
             </a:pPr>
             <a:r>
-              <a:rPr lang="en-US" sz="4300" dirty="0">
-                <a:latin typeface="Consolas" charset="0"/>
-                <a:ea typeface="Consolas" charset="0"/>
-                <a:cs typeface="Consolas" charset="0"/>
-              </a:rPr>
-              <a:t>  field2: two</a:t>
+              <a:rPr lang="en-US" sz="1900" dirty="0">
+                <a:latin typeface="Consolas" charset="0"/>
+                <a:ea typeface="Consolas" charset="0"/>
+                <a:cs typeface="Consolas" charset="0"/>
+              </a:rPr>
+              <a:t>"</a:t>
+            </a:r>
+            <a:r>
+              <a:rPr lang="en-US" sz="1900" dirty="0" err="1">
+                <a:latin typeface="Consolas" charset="0"/>
+                <a:ea typeface="Consolas" charset="0"/>
+                <a:cs typeface="Consolas" charset="0"/>
+              </a:rPr>
+              <a:t>ansible_swapfree_mb</a:t>
+            </a:r>
+            <a:r>
+              <a:rPr lang="en-US" sz="1900" dirty="0">
+                <a:latin typeface="Consolas" charset="0"/>
+                <a:ea typeface="Consolas" charset="0"/>
+                <a:cs typeface="Consolas" charset="0"/>
+              </a:rPr>
+              <a:t>": 665, </a:t>
             </a:r>
           </a:p>
           <a:p>
             <a:pPr marL="0" indent="0">
               <a:buNone/>
             </a:pPr>
-            <a:endParaRPr lang="en-US" dirty="0"/>
-          </a:p>
-          <a:p>
-            <a:r>
-              <a:rPr lang="en-US" sz="5500" dirty="0"/>
-              <a:t>Multiple ways to reference a specific field in a dictionary value:</a:t>
-            </a:r>
-          </a:p>
-          <a:p>
-            <a:endParaRPr lang="en-US" dirty="0"/>
+            <a:r>
+              <a:rPr lang="en-US" sz="1900" dirty="0">
+                <a:latin typeface="Consolas" charset="0"/>
+                <a:ea typeface="Consolas" charset="0"/>
+                <a:cs typeface="Consolas" charset="0"/>
+              </a:rPr>
+              <a:t>"</a:t>
+            </a:r>
+            <a:r>
+              <a:rPr lang="en-US" sz="1900" dirty="0" err="1">
+                <a:latin typeface="Consolas" charset="0"/>
+                <a:ea typeface="Consolas" charset="0"/>
+                <a:cs typeface="Consolas" charset="0"/>
+              </a:rPr>
+              <a:t>ansible_swaptotal_mb</a:t>
+            </a:r>
+            <a:r>
+              <a:rPr lang="en-US" sz="1900" dirty="0">
+                <a:latin typeface="Consolas" charset="0"/>
+                <a:ea typeface="Consolas" charset="0"/>
+                <a:cs typeface="Consolas" charset="0"/>
+              </a:rPr>
+              <a:t>": 1021, </a:t>
+            </a:r>
           </a:p>
           <a:p>
             <a:pPr marL="0" indent="0">
               <a:buNone/>
             </a:pPr>
             <a:r>
-              <a:rPr lang="en-US" sz="4300" dirty="0">
-                <a:latin typeface="Consolas" charset="0"/>
-                <a:ea typeface="Consolas" charset="0"/>
-                <a:cs typeface="Consolas" charset="0"/>
-              </a:rPr>
-              <a:t>foo[‘field1’]</a:t>
+              <a:rPr lang="en-US" sz="1900" dirty="0">
+                <a:latin typeface="Consolas" charset="0"/>
+                <a:ea typeface="Consolas" charset="0"/>
+                <a:cs typeface="Consolas" charset="0"/>
+              </a:rPr>
+              <a:t>"</a:t>
+            </a:r>
+            <a:r>
+              <a:rPr lang="en-US" sz="1900" dirty="0" err="1">
+                <a:latin typeface="Consolas" charset="0"/>
+                <a:ea typeface="Consolas" charset="0"/>
+                <a:cs typeface="Consolas" charset="0"/>
+              </a:rPr>
+              <a:t>ansible_system</a:t>
+            </a:r>
+            <a:r>
+              <a:rPr lang="en-US" sz="1900" dirty="0">
+                <a:latin typeface="Consolas" charset="0"/>
+                <a:ea typeface="Consolas" charset="0"/>
+                <a:cs typeface="Consolas" charset="0"/>
+              </a:rPr>
+              <a:t>": "Linux", </a:t>
             </a:r>
           </a:p>
           <a:p>
@@ -11349,129 +11663,145 @@
               <a:buNone/>
             </a:pPr>
             <a:r>
-              <a:rPr lang="en-US" sz="4300" dirty="0">
-                <a:latin typeface="Consolas" charset="0"/>
-                <a:ea typeface="Consolas" charset="0"/>
-                <a:cs typeface="Consolas" charset="0"/>
-              </a:rPr>
-              <a:t>foo.field1</a:t>
+              <a:rPr lang="en-US" sz="1900" dirty="0">
+                <a:latin typeface="Consolas" charset="0"/>
+                <a:ea typeface="Consolas" charset="0"/>
+                <a:cs typeface="Consolas" charset="0"/>
+              </a:rPr>
+              <a:t>"</a:t>
+            </a:r>
+            <a:r>
+              <a:rPr lang="en-US" sz="1900" dirty="0" err="1">
+                <a:latin typeface="Consolas" charset="0"/>
+                <a:ea typeface="Consolas" charset="0"/>
+                <a:cs typeface="Consolas" charset="0"/>
+              </a:rPr>
+              <a:t>ansible_system_vendor</a:t>
+            </a:r>
+            <a:r>
+              <a:rPr lang="en-US" sz="1900" dirty="0">
+                <a:latin typeface="Consolas" charset="0"/>
+                <a:ea typeface="Consolas" charset="0"/>
+                <a:cs typeface="Consolas" charset="0"/>
+              </a:rPr>
+              <a:t>": "VMware, Inc.", </a:t>
             </a:r>
           </a:p>
           <a:p>
             <a:pPr marL="0" indent="0">
               <a:buNone/>
             </a:pPr>
-            <a:endParaRPr lang="en-US" dirty="0"/>
-          </a:p>
-          <a:p>
-            <a:r>
-              <a:rPr lang="en-US" sz="5500" dirty="0"/>
-              <a:t>Define variables directly in a playbook using </a:t>
-            </a:r>
-            <a:r>
-              <a:rPr lang="en-US" sz="5500" b="1" dirty="0" err="1"/>
-              <a:t>vars</a:t>
-            </a:r>
-            <a:r>
-              <a:rPr lang="en-US" sz="5500" dirty="0"/>
-              <a:t> section:</a:t>
+            <a:r>
+              <a:rPr lang="en-US" sz="1900" dirty="0">
+                <a:latin typeface="Consolas" charset="0"/>
+                <a:ea typeface="Consolas" charset="0"/>
+                <a:cs typeface="Consolas" charset="0"/>
+              </a:rPr>
+              <a:t>"</a:t>
+            </a:r>
+            <a:r>
+              <a:rPr lang="en-US" sz="1900" dirty="0" err="1">
+                <a:latin typeface="Consolas" charset="0"/>
+                <a:ea typeface="Consolas" charset="0"/>
+                <a:cs typeface="Consolas" charset="0"/>
+              </a:rPr>
+              <a:t>ansible_user_id</a:t>
+            </a:r>
+            <a:r>
+              <a:rPr lang="en-US" sz="1900" dirty="0">
+                <a:latin typeface="Consolas" charset="0"/>
+                <a:ea typeface="Consolas" charset="0"/>
+                <a:cs typeface="Consolas" charset="0"/>
+              </a:rPr>
+              <a:t>": "root”</a:t>
             </a:r>
           </a:p>
           <a:p>
             <a:pPr marL="0" indent="0">
               <a:buNone/>
             </a:pPr>
-            <a:endParaRPr lang="en-US" dirty="0"/>
+            <a:r>
+              <a:rPr lang="is-IS" sz="1900" dirty="0">
+                <a:latin typeface="Consolas" charset="0"/>
+                <a:ea typeface="Consolas" charset="0"/>
+                <a:cs typeface="Consolas" charset="0"/>
+              </a:rPr>
+              <a:t>…</a:t>
+            </a:r>
           </a:p>
           <a:p>
             <a:pPr marL="0" indent="0">
               <a:buNone/>
             </a:pPr>
-            <a:r>
-              <a:rPr lang="en-US" sz="4300" dirty="0">
-                <a:latin typeface="Consolas" charset="0"/>
-                <a:ea typeface="Consolas" charset="0"/>
-                <a:cs typeface="Consolas" charset="0"/>
-              </a:rPr>
-              <a:t>- hosts: webservers</a:t>
-            </a:r>
+            <a:endParaRPr lang="is-IS" sz="1900" dirty="0">
+              <a:latin typeface="Consolas" charset="0"/>
+              <a:ea typeface="Consolas" charset="0"/>
+              <a:cs typeface="Consolas" charset="0"/>
+            </a:endParaRPr>
+          </a:p>
+          <a:p>
+            <a:r>
+              <a:rPr lang="is-IS" sz="2400" dirty="0">
+                <a:ea typeface="Consolas" charset="0"/>
+                <a:cs typeface="Consolas" charset="0"/>
+              </a:rPr>
+              <a:t>We can refer to a fact in a play like any other variable: </a:t>
+            </a:r>
+          </a:p>
+          <a:p>
+            <a:pPr marL="457200" lvl="1" indent="0">
+              <a:buNone/>
+            </a:pPr>
+            <a:r>
+              <a:rPr lang="is-IS" sz="2000" dirty="0">
+                <a:ea typeface="Consolas" charset="0"/>
+                <a:cs typeface="Consolas" charset="0"/>
+              </a:rPr>
+              <a:t>{{ ansible_architecture }}</a:t>
+            </a:r>
+          </a:p>
+          <a:p>
+            <a:endParaRPr lang="is-IS" sz="2400" dirty="0">
+              <a:ea typeface="Consolas" charset="0"/>
+              <a:cs typeface="Consolas" charset="0"/>
+            </a:endParaRPr>
           </a:p>
           <a:p>
             <a:pPr marL="0" indent="0">
               <a:buNone/>
             </a:pPr>
             <a:r>
-              <a:rPr lang="en-US" sz="4300" dirty="0">
-                <a:latin typeface="Consolas" charset="0"/>
-                <a:ea typeface="Consolas" charset="0"/>
-                <a:cs typeface="Consolas" charset="0"/>
-              </a:rPr>
-              <a:t>  </a:t>
-            </a:r>
-            <a:r>
-              <a:rPr lang="en-US" sz="4300" dirty="0" err="1">
-                <a:latin typeface="Consolas" charset="0"/>
-                <a:ea typeface="Consolas" charset="0"/>
-                <a:cs typeface="Consolas" charset="0"/>
-              </a:rPr>
-              <a:t>vars</a:t>
-            </a:r>
-            <a:r>
-              <a:rPr lang="en-US" sz="4300" dirty="0">
-                <a:latin typeface="Consolas" charset="0"/>
-                <a:ea typeface="Consolas" charset="0"/>
-                <a:cs typeface="Consolas" charset="0"/>
-              </a:rPr>
-              <a:t>:</a:t>
-            </a:r>
-          </a:p>
-          <a:p>
-            <a:pPr marL="0" indent="0">
-              <a:buNone/>
-            </a:pPr>
-            <a:r>
-              <a:rPr lang="en-US" sz="4300" dirty="0">
-                <a:latin typeface="Consolas" charset="0"/>
-                <a:ea typeface="Consolas" charset="0"/>
-                <a:cs typeface="Consolas" charset="0"/>
-              </a:rPr>
-              <a:t>    </a:t>
-            </a:r>
-            <a:r>
-              <a:rPr lang="en-US" sz="4300" dirty="0" err="1">
-                <a:latin typeface="Consolas" charset="0"/>
-                <a:ea typeface="Consolas" charset="0"/>
-                <a:cs typeface="Consolas" charset="0"/>
-              </a:rPr>
-              <a:t>http_port</a:t>
-            </a:r>
-            <a:r>
-              <a:rPr lang="en-US" sz="4300" dirty="0">
-                <a:latin typeface="Consolas" charset="0"/>
-                <a:ea typeface="Consolas" charset="0"/>
-                <a:cs typeface="Consolas" charset="0"/>
-              </a:rPr>
-              <a:t>: 800</a:t>
-            </a:r>
-          </a:p>
-          <a:p>
-            <a:pPr marL="0" indent="0">
-              <a:buNone/>
-            </a:pPr>
-            <a:endParaRPr lang="en-US" dirty="0"/>
-          </a:p>
-          <a:p>
-            <a:pPr marL="0" indent="0">
-              <a:buNone/>
-            </a:pPr>
-            <a:endParaRPr lang="en-US" dirty="0"/>
+              <a:rPr lang="is-IS" sz="2400" dirty="0">
+                <a:ea typeface="Consolas" charset="0"/>
+                <a:cs typeface="Consolas" charset="0"/>
+              </a:rPr>
+              <a:t>$ ansible all -m setup</a:t>
+            </a:r>
+          </a:p>
+          <a:p>
+            <a:pPr marL="457200" lvl="1" indent="0">
+              <a:buNone/>
+            </a:pPr>
+            <a:endParaRPr lang="is-IS" sz="2000" dirty="0">
+              <a:ea typeface="Consolas" charset="0"/>
+              <a:cs typeface="Consolas" charset="0"/>
+            </a:endParaRPr>
+          </a:p>
+          <a:p>
+            <a:pPr marL="457200" lvl="1" indent="0">
+              <a:buNone/>
+            </a:pPr>
+            <a:endParaRPr lang="en-US" sz="2000" dirty="0">
+              <a:ea typeface="Consolas" charset="0"/>
+              <a:cs typeface="Consolas" charset="0"/>
+            </a:endParaRPr>
           </a:p>
         </p:txBody>
       </p:sp>
     </p:spTree>
     <p:extLst>
       <p:ext uri="{BB962C8B-B14F-4D97-AF65-F5344CB8AC3E}">
-        <p14:creationId xmlns:p14="http://schemas.microsoft.com/office/powerpoint/2010/main" val="1678542988"/>
+        <p14:creationId xmlns:p14="http://schemas.microsoft.com/office/powerpoint/2010/main" val="1999747405"/>
       </p:ext>
     </p:extLst>
   </p:cSld>
@@ -11515,7 +11845,7 @@
           <a:p>
             <a:r>
               <a:rPr lang="en-US" dirty="0"/>
-              <a:t>Facts</a:t>
+              <a:t>Registered Variables</a:t>
             </a:r>
           </a:p>
         </p:txBody>
@@ -11533,316 +11863,55 @@
         <p:spPr>
           <a:xfrm>
             <a:off x="457200" y="1600200"/>
-            <a:ext cx="8229600" cy="5063647"/>
+            <a:ext cx="8229600" cy="4825652"/>
           </a:xfrm>
         </p:spPr>
         <p:txBody>
           <a:bodyPr>
-            <a:normAutofit fontScale="70000" lnSpcReduction="20000"/>
+            <a:normAutofit lnSpcReduction="10000"/>
           </a:bodyPr>
           <a:lstStyle/>
           <a:p>
             <a:r>
               <a:rPr lang="en-US" dirty="0"/>
-              <a:t>Facts are a type of variable that contain information about remote systems.</a:t>
-            </a:r>
-          </a:p>
-          <a:p>
-            <a:pPr lvl="1"/>
-            <a:r>
-              <a:rPr lang="en-US" dirty="0"/>
-              <a:t>System name, IP address, OS version, </a:t>
-            </a:r>
-            <a:r>
-              <a:rPr lang="en-US" dirty="0" err="1"/>
-              <a:t>etc</a:t>
-            </a:r>
+              <a:t>Registered variables contain the output returned by executing a command.</a:t>
+            </a:r>
+          </a:p>
+          <a:p>
             <a:endParaRPr lang="en-US" dirty="0"/>
           </a:p>
           <a:p>
-            <a:pPr lvl="1"/>
-            <a:r>
-              <a:rPr lang="en-US" dirty="0"/>
-              <a:t>Facts are discovered automatically by the </a:t>
-            </a:r>
-            <a:r>
-              <a:rPr lang="en-US" b="1" dirty="0"/>
-              <a:t>setup</a:t>
-            </a:r>
-            <a:r>
-              <a:rPr lang="en-US" dirty="0"/>
-              <a:t> module and stored in a JSON structure.</a:t>
-            </a:r>
-          </a:p>
-          <a:p>
-            <a:pPr lvl="1"/>
-            <a:endParaRPr lang="en-US" dirty="0"/>
-          </a:p>
-          <a:p>
             <a:pPr marL="0" indent="0">
               <a:buNone/>
             </a:pPr>
             <a:r>
-              <a:rPr lang="en-US" sz="1900" dirty="0">
-                <a:latin typeface="Consolas" charset="0"/>
-                <a:ea typeface="Consolas" charset="0"/>
-                <a:cs typeface="Consolas" charset="0"/>
-              </a:rPr>
-              <a:t>"</a:t>
-            </a:r>
-            <a:r>
-              <a:rPr lang="en-US" sz="1900" dirty="0" err="1">
-                <a:latin typeface="Consolas" charset="0"/>
-                <a:ea typeface="Consolas" charset="0"/>
-                <a:cs typeface="Consolas" charset="0"/>
-              </a:rPr>
-              <a:t>ansible_architecture</a:t>
-            </a:r>
-            <a:r>
-              <a:rPr lang="en-US" sz="1900" dirty="0">
-                <a:latin typeface="Consolas" charset="0"/>
-                <a:ea typeface="Consolas" charset="0"/>
-                <a:cs typeface="Consolas" charset="0"/>
-              </a:rPr>
-              <a:t>": "x86_64", </a:t>
-            </a:r>
-          </a:p>
-          <a:p>
-            <a:pPr marL="0" indent="0">
-              <a:buNone/>
-            </a:pPr>
-            <a:r>
-              <a:rPr lang="en-US" sz="1900" dirty="0">
-                <a:latin typeface="Consolas" charset="0"/>
-                <a:ea typeface="Consolas" charset="0"/>
-                <a:cs typeface="Consolas" charset="0"/>
-              </a:rPr>
-              <a:t>"</a:t>
-            </a:r>
-            <a:r>
-              <a:rPr lang="en-US" sz="1900" dirty="0" err="1">
-                <a:latin typeface="Consolas" charset="0"/>
-                <a:ea typeface="Consolas" charset="0"/>
-                <a:cs typeface="Consolas" charset="0"/>
-              </a:rPr>
-              <a:t>ansible_bios_date</a:t>
-            </a:r>
-            <a:r>
-              <a:rPr lang="en-US" sz="1900" dirty="0">
-                <a:latin typeface="Consolas" charset="0"/>
-                <a:ea typeface="Consolas" charset="0"/>
-                <a:cs typeface="Consolas" charset="0"/>
-              </a:rPr>
-              <a:t>": "09/20/2012", "</a:t>
-            </a:r>
-            <a:r>
-              <a:rPr lang="en-US" sz="1900" dirty="0" err="1">
-                <a:latin typeface="Consolas" charset="0"/>
-                <a:ea typeface="Consolas" charset="0"/>
-                <a:cs typeface="Consolas" charset="0"/>
-              </a:rPr>
-              <a:t>ansible_bios_version</a:t>
-            </a:r>
-            <a:r>
-              <a:rPr lang="en-US" sz="1900" dirty="0">
-                <a:latin typeface="Consolas" charset="0"/>
-                <a:ea typeface="Consolas" charset="0"/>
-                <a:cs typeface="Consolas" charset="0"/>
-              </a:rPr>
-              <a:t>": "6.00",</a:t>
-            </a:r>
-          </a:p>
-          <a:p>
-            <a:pPr marL="0" indent="0">
-              <a:buNone/>
-            </a:pPr>
-            <a:r>
-              <a:rPr lang="en-US" sz="1900" dirty="0">
-                <a:latin typeface="Consolas" charset="0"/>
-                <a:ea typeface="Consolas" charset="0"/>
-                <a:cs typeface="Consolas" charset="0"/>
-              </a:rPr>
-              <a:t>"</a:t>
-            </a:r>
-            <a:r>
-              <a:rPr lang="en-US" sz="1900" dirty="0" err="1">
-                <a:latin typeface="Consolas" charset="0"/>
-                <a:ea typeface="Consolas" charset="0"/>
-                <a:cs typeface="Consolas" charset="0"/>
-              </a:rPr>
-              <a:t>ansible_swapfree_mb</a:t>
-            </a:r>
-            <a:r>
-              <a:rPr lang="en-US" sz="1900" dirty="0">
-                <a:latin typeface="Consolas" charset="0"/>
-                <a:ea typeface="Consolas" charset="0"/>
-                <a:cs typeface="Consolas" charset="0"/>
-              </a:rPr>
-              <a:t>": 665, </a:t>
-            </a:r>
-          </a:p>
-          <a:p>
-            <a:pPr marL="0" indent="0">
-              <a:buNone/>
-            </a:pPr>
-            <a:r>
-              <a:rPr lang="en-US" sz="1900" dirty="0">
-                <a:latin typeface="Consolas" charset="0"/>
-                <a:ea typeface="Consolas" charset="0"/>
-                <a:cs typeface="Consolas" charset="0"/>
-              </a:rPr>
-              <a:t>"</a:t>
-            </a:r>
-            <a:r>
-              <a:rPr lang="en-US" sz="1900" dirty="0" err="1">
-                <a:latin typeface="Consolas" charset="0"/>
-                <a:ea typeface="Consolas" charset="0"/>
-                <a:cs typeface="Consolas" charset="0"/>
-              </a:rPr>
-              <a:t>ansible_swaptotal_mb</a:t>
-            </a:r>
-            <a:r>
-              <a:rPr lang="en-US" sz="1900" dirty="0">
-                <a:latin typeface="Consolas" charset="0"/>
-                <a:ea typeface="Consolas" charset="0"/>
-                <a:cs typeface="Consolas" charset="0"/>
-              </a:rPr>
-              <a:t>": 1021, </a:t>
-            </a:r>
-          </a:p>
-          <a:p>
-            <a:pPr marL="0" indent="0">
-              <a:buNone/>
-            </a:pPr>
-            <a:r>
-              <a:rPr lang="en-US" sz="1900" dirty="0">
-                <a:latin typeface="Consolas" charset="0"/>
-                <a:ea typeface="Consolas" charset="0"/>
-                <a:cs typeface="Consolas" charset="0"/>
-              </a:rPr>
-              <a:t>"</a:t>
-            </a:r>
-            <a:r>
-              <a:rPr lang="en-US" sz="1900" dirty="0" err="1">
-                <a:latin typeface="Consolas" charset="0"/>
-                <a:ea typeface="Consolas" charset="0"/>
-                <a:cs typeface="Consolas" charset="0"/>
-              </a:rPr>
-              <a:t>ansible_system</a:t>
-            </a:r>
-            <a:r>
-              <a:rPr lang="en-US" sz="1900" dirty="0">
-                <a:latin typeface="Consolas" charset="0"/>
-                <a:ea typeface="Consolas" charset="0"/>
-                <a:cs typeface="Consolas" charset="0"/>
-              </a:rPr>
-              <a:t>": "Linux", </a:t>
-            </a:r>
-          </a:p>
-          <a:p>
-            <a:pPr marL="0" indent="0">
-              <a:buNone/>
-            </a:pPr>
-            <a:r>
-              <a:rPr lang="en-US" sz="1900" dirty="0">
-                <a:latin typeface="Consolas" charset="0"/>
-                <a:ea typeface="Consolas" charset="0"/>
-                <a:cs typeface="Consolas" charset="0"/>
-              </a:rPr>
-              <a:t>"</a:t>
-            </a:r>
-            <a:r>
-              <a:rPr lang="en-US" sz="1900" dirty="0" err="1">
-                <a:latin typeface="Consolas" charset="0"/>
-                <a:ea typeface="Consolas" charset="0"/>
-                <a:cs typeface="Consolas" charset="0"/>
-              </a:rPr>
-              <a:t>ansible_system_vendor</a:t>
-            </a:r>
-            <a:r>
-              <a:rPr lang="en-US" sz="1900" dirty="0">
-                <a:latin typeface="Consolas" charset="0"/>
-                <a:ea typeface="Consolas" charset="0"/>
-                <a:cs typeface="Consolas" charset="0"/>
-              </a:rPr>
-              <a:t>": "VMware, Inc.", </a:t>
-            </a:r>
-          </a:p>
-          <a:p>
-            <a:pPr marL="0" indent="0">
-              <a:buNone/>
-            </a:pPr>
-            <a:r>
-              <a:rPr lang="en-US" sz="1900" dirty="0">
-                <a:latin typeface="Consolas" charset="0"/>
-                <a:ea typeface="Consolas" charset="0"/>
-                <a:cs typeface="Consolas" charset="0"/>
-              </a:rPr>
-              <a:t>"</a:t>
-            </a:r>
-            <a:r>
-              <a:rPr lang="en-US" sz="1900" dirty="0" err="1">
-                <a:latin typeface="Consolas" charset="0"/>
-                <a:ea typeface="Consolas" charset="0"/>
-                <a:cs typeface="Consolas" charset="0"/>
-              </a:rPr>
-              <a:t>ansible_user_id</a:t>
-            </a:r>
-            <a:r>
-              <a:rPr lang="en-US" sz="1900" dirty="0">
-                <a:latin typeface="Consolas" charset="0"/>
-                <a:ea typeface="Consolas" charset="0"/>
-                <a:cs typeface="Consolas" charset="0"/>
-              </a:rPr>
-              <a:t>": "root”</a:t>
-            </a:r>
-          </a:p>
-          <a:p>
-            <a:pPr marL="0" indent="0">
-              <a:buNone/>
-            </a:pPr>
-            <a:r>
-              <a:rPr lang="is-IS" sz="1900" dirty="0">
-                <a:latin typeface="Consolas" charset="0"/>
-                <a:ea typeface="Consolas" charset="0"/>
-                <a:cs typeface="Consolas" charset="0"/>
-              </a:rPr>
-              <a:t>…</a:t>
-            </a:r>
-          </a:p>
-          <a:p>
-            <a:pPr marL="0" indent="0">
-              <a:buNone/>
-            </a:pPr>
-            <a:endParaRPr lang="is-IS" sz="1900" dirty="0">
+              <a:rPr lang="en-US" sz="1700" dirty="0">
+                <a:latin typeface="Consolas" charset="0"/>
+                <a:ea typeface="Consolas" charset="0"/>
+                <a:cs typeface="Consolas" charset="0"/>
+              </a:rPr>
+              <a:t>- hosts: </a:t>
+            </a:r>
+            <a:r>
+              <a:rPr lang="en-US" sz="1700" dirty="0" err="1">
+                <a:latin typeface="Consolas" charset="0"/>
+                <a:ea typeface="Consolas" charset="0"/>
+                <a:cs typeface="Consolas" charset="0"/>
+              </a:rPr>
+              <a:t>web_servers</a:t>
+            </a:r>
+            <a:endParaRPr lang="en-US" sz="1700" dirty="0">
               <a:latin typeface="Consolas" charset="0"/>
               <a:ea typeface="Consolas" charset="0"/>
               <a:cs typeface="Consolas" charset="0"/>
             </a:endParaRPr>
           </a:p>
           <a:p>
-            <a:r>
-              <a:rPr lang="is-IS" sz="2400" dirty="0">
-                <a:ea typeface="Consolas" charset="0"/>
-                <a:cs typeface="Consolas" charset="0"/>
-              </a:rPr>
-              <a:t>We can refer to a fact in a play like any other variable: </a:t>
-            </a:r>
-          </a:p>
-          <a:p>
-            <a:pPr marL="457200" lvl="1" indent="0">
-              <a:buNone/>
-            </a:pPr>
-            <a:r>
-              <a:rPr lang="is-IS" sz="2000" dirty="0">
-                <a:ea typeface="Consolas" charset="0"/>
-                <a:cs typeface="Consolas" charset="0"/>
-              </a:rPr>
-              <a:t>{{ ansible_architecture }}</a:t>
-            </a:r>
-          </a:p>
-          <a:p>
-            <a:endParaRPr lang="is-IS" sz="2400" dirty="0">
+            <a:pPr marL="0" indent="0">
+              <a:buNone/>
+            </a:pPr>
+            <a:endParaRPr lang="en-US" sz="1700" dirty="0">
+              <a:latin typeface="Consolas" charset="0"/>
               <a:ea typeface="Consolas" charset="0"/>
               <a:cs typeface="Consolas" charset="0"/>
             </a:endParaRPr>
@@ -11852,37 +11921,167 @@
               <a:buNone/>
             </a:pPr>
             <a:r>
-              <a:rPr lang="is-IS" sz="2400" dirty="0">
-                <a:ea typeface="Consolas" charset="0"/>
-                <a:cs typeface="Consolas" charset="0"/>
-              </a:rPr>
-              <a:t>$ ansible all -m setup</a:t>
-            </a:r>
-          </a:p>
-          <a:p>
-            <a:pPr marL="457200" lvl="1" indent="0">
-              <a:buNone/>
-            </a:pPr>
-            <a:endParaRPr lang="is-IS" sz="2000" dirty="0">
+              <a:rPr lang="en-US" sz="1700" dirty="0">
+                <a:latin typeface="Consolas" charset="0"/>
+                <a:ea typeface="Consolas" charset="0"/>
+                <a:cs typeface="Consolas" charset="0"/>
+              </a:rPr>
+              <a:t>  tasks:</a:t>
+            </a:r>
+          </a:p>
+          <a:p>
+            <a:pPr marL="0" indent="0">
+              <a:buNone/>
+            </a:pPr>
+            <a:endParaRPr lang="en-US" sz="1700" dirty="0">
+              <a:latin typeface="Consolas" charset="0"/>
               <a:ea typeface="Consolas" charset="0"/>
               <a:cs typeface="Consolas" charset="0"/>
             </a:endParaRPr>
           </a:p>
           <a:p>
-            <a:pPr marL="457200" lvl="1" indent="0">
-              <a:buNone/>
-            </a:pPr>
-            <a:endParaRPr lang="en-US" sz="2000" dirty="0">
+            <a:pPr marL="0" indent="0">
+              <a:buNone/>
+            </a:pPr>
+            <a:r>
+              <a:rPr lang="en-US" sz="1700" dirty="0">
+                <a:latin typeface="Consolas" charset="0"/>
+                <a:ea typeface="Consolas" charset="0"/>
+                <a:cs typeface="Consolas" charset="0"/>
+              </a:rPr>
+              <a:t>     - shell: /</a:t>
+            </a:r>
+            <a:r>
+              <a:rPr lang="en-US" sz="1700" dirty="0" err="1">
+                <a:latin typeface="Consolas" charset="0"/>
+                <a:ea typeface="Consolas" charset="0"/>
+                <a:cs typeface="Consolas" charset="0"/>
+              </a:rPr>
+              <a:t>usr</a:t>
+            </a:r>
+            <a:r>
+              <a:rPr lang="en-US" sz="1700" dirty="0">
+                <a:latin typeface="Consolas" charset="0"/>
+                <a:ea typeface="Consolas" charset="0"/>
+                <a:cs typeface="Consolas" charset="0"/>
+              </a:rPr>
+              <a:t>/bin/foo</a:t>
+            </a:r>
+          </a:p>
+          <a:p>
+            <a:pPr marL="0" indent="0">
+              <a:buNone/>
+            </a:pPr>
+            <a:r>
+              <a:rPr lang="en-US" sz="1700" dirty="0">
+                <a:latin typeface="Consolas" charset="0"/>
+                <a:ea typeface="Consolas" charset="0"/>
+                <a:cs typeface="Consolas" charset="0"/>
+              </a:rPr>
+              <a:t>       register: </a:t>
+            </a:r>
+            <a:r>
+              <a:rPr lang="en-US" sz="1700" dirty="0" err="1">
+                <a:latin typeface="Consolas" charset="0"/>
+                <a:ea typeface="Consolas" charset="0"/>
+                <a:cs typeface="Consolas" charset="0"/>
+              </a:rPr>
+              <a:t>foo_result</a:t>
+            </a:r>
+            <a:endParaRPr lang="en-US" sz="1700" dirty="0">
+              <a:latin typeface="Consolas" charset="0"/>
               <a:ea typeface="Consolas" charset="0"/>
               <a:cs typeface="Consolas" charset="0"/>
             </a:endParaRPr>
           </a:p>
+          <a:p>
+            <a:pPr marL="0" indent="0">
+              <a:buNone/>
+            </a:pPr>
+            <a:r>
+              <a:rPr lang="en-US" sz="1700" dirty="0">
+                <a:latin typeface="Consolas" charset="0"/>
+                <a:ea typeface="Consolas" charset="0"/>
+                <a:cs typeface="Consolas" charset="0"/>
+              </a:rPr>
+              <a:t>       </a:t>
+            </a:r>
+            <a:r>
+              <a:rPr lang="en-US" sz="1700" dirty="0" err="1">
+                <a:latin typeface="Consolas" charset="0"/>
+                <a:ea typeface="Consolas" charset="0"/>
+                <a:cs typeface="Consolas" charset="0"/>
+              </a:rPr>
+              <a:t>ignore_errors</a:t>
+            </a:r>
+            <a:r>
+              <a:rPr lang="en-US" sz="1700" dirty="0">
+                <a:latin typeface="Consolas" charset="0"/>
+                <a:ea typeface="Consolas" charset="0"/>
+                <a:cs typeface="Consolas" charset="0"/>
+              </a:rPr>
+              <a:t>: True</a:t>
+            </a:r>
+          </a:p>
+          <a:p>
+            <a:pPr marL="0" indent="0">
+              <a:buNone/>
+            </a:pPr>
+            <a:endParaRPr lang="en-US" sz="2200" dirty="0">
+              <a:latin typeface="Consolas" charset="0"/>
+              <a:ea typeface="Consolas" charset="0"/>
+              <a:cs typeface="Consolas" charset="0"/>
+            </a:endParaRPr>
+          </a:p>
+          <a:p>
+            <a:r>
+              <a:rPr lang="en-US" sz="2200" dirty="0">
+                <a:ea typeface="Consolas" charset="0"/>
+                <a:cs typeface="Consolas" charset="0"/>
+              </a:rPr>
+              <a:t>The variable </a:t>
+            </a:r>
+            <a:r>
+              <a:rPr lang="en-US" sz="2200" dirty="0" err="1">
+                <a:ea typeface="Consolas" charset="0"/>
+                <a:cs typeface="Consolas" charset="0"/>
+              </a:rPr>
+              <a:t>foo_result</a:t>
+            </a:r>
+            <a:r>
+              <a:rPr lang="en-US" sz="2200" dirty="0">
+                <a:ea typeface="Consolas" charset="0"/>
+                <a:cs typeface="Consolas" charset="0"/>
+              </a:rPr>
+              <a:t> will contain the output from running the /</a:t>
+            </a:r>
+            <a:r>
+              <a:rPr lang="en-US" sz="2200" dirty="0" err="1">
+                <a:ea typeface="Consolas" charset="0"/>
+                <a:cs typeface="Consolas" charset="0"/>
+              </a:rPr>
+              <a:t>usr</a:t>
+            </a:r>
+            <a:r>
+              <a:rPr lang="en-US" sz="2200" dirty="0">
+                <a:ea typeface="Consolas" charset="0"/>
+                <a:cs typeface="Consolas" charset="0"/>
+              </a:rPr>
+              <a:t>/bin/foo command on a remote host.</a:t>
+            </a:r>
+          </a:p>
+          <a:p>
+            <a:pPr marL="0" indent="0">
+              <a:buNone/>
+            </a:pPr>
+            <a:endParaRPr lang="en-US" dirty="0"/>
+          </a:p>
         </p:txBody>
       </p:sp>
     </p:spTree>
     <p:extLst>
       <p:ext uri="{BB962C8B-B14F-4D97-AF65-F5344CB8AC3E}">
-        <p14:creationId xmlns:p14="http://schemas.microsoft.com/office/powerpoint/2010/main" val="1999747405"/>
+        <p14:creationId xmlns:p14="http://schemas.microsoft.com/office/powerpoint/2010/main" val="1398028738"/>
       </p:ext>
     </p:extLst>
   </p:cSld>
@@ -11926,7 +12125,7 @@
           <a:p>
             <a:r>
               <a:rPr lang="en-US" dirty="0"/>
-              <a:t>Registered Variables</a:t>
+              <a:t>Templates</a:t>
             </a:r>
           </a:p>
         </p:txBody>
@@ -11944,18 +12143,29 @@
         <p:spPr>
           <a:xfrm>
             <a:off x="457200" y="1600200"/>
-            <a:ext cx="8229600" cy="4825652"/>
+            <a:ext cx="8229600" cy="4988490"/>
           </a:xfrm>
         </p:spPr>
         <p:txBody>
           <a:bodyPr>
-            <a:normAutofit lnSpcReduction="10000"/>
+            <a:normAutofit fontScale="47500" lnSpcReduction="20000"/>
           </a:bodyPr>
           <a:lstStyle/>
           <a:p>
             <a:r>
-              <a:rPr lang="en-US" dirty="0"/>
-              <a:t>Registered variables contain the output returned by executing a command.</a:t>
+              <a:rPr lang="en-US" sz="4200" b="1" dirty="0"/>
+              <a:t>Templates</a:t>
+            </a:r>
+            <a:r>
+              <a:rPr lang="en-US" sz="4200" dirty="0"/>
+              <a:t> allow us to dynamically create configuration files using variable substitution.</a:t>
+            </a:r>
+          </a:p>
+          <a:p>
+            <a:pPr lvl="1"/>
+            <a:r>
+              <a:rPr lang="en-US" sz="4200" dirty="0"/>
+              <a:t>Uses the Jinja2 template format.</a:t>
             </a:r>
           </a:p>
           <a:p>
@@ -11965,23 +12175,29 @@
             <a:pPr marL="0" indent="0">
               <a:buNone/>
             </a:pPr>
-            <a:r>
-              <a:rPr lang="en-US" sz="1700" dirty="0">
-                <a:latin typeface="Consolas" charset="0"/>
-                <a:ea typeface="Consolas" charset="0"/>
-                <a:cs typeface="Consolas" charset="0"/>
-              </a:rPr>
-              <a:t>- hosts: </a:t>
-            </a:r>
-            <a:r>
-              <a:rPr lang="en-US" sz="1700" dirty="0" err="1">
-                <a:latin typeface="Consolas" charset="0"/>
-                <a:ea typeface="Consolas" charset="0"/>
-                <a:cs typeface="Consolas" charset="0"/>
-              </a:rPr>
-              <a:t>web_servers</a:t>
-            </a:r>
-            <a:endParaRPr lang="en-US" sz="1700" dirty="0">
+            <a:endParaRPr lang="en-US" dirty="0"/>
+          </a:p>
+          <a:p>
+            <a:pPr marL="0" indent="0">
+              <a:buNone/>
+            </a:pPr>
+            <a:r>
+              <a:rPr lang="de-DE" sz="3400" dirty="0">
+                <a:latin typeface="Consolas" charset="0"/>
+                <a:ea typeface="Consolas" charset="0"/>
+                <a:cs typeface="Consolas" charset="0"/>
+              </a:rPr>
+              <a:t># nginx.conf.j2 </a:t>
+            </a:r>
+            <a:r>
+              <a:rPr lang="de-DE" sz="3400" dirty="0" err="1">
+                <a:latin typeface="Consolas" charset="0"/>
+                <a:ea typeface="Consolas" charset="0"/>
+                <a:cs typeface="Consolas" charset="0"/>
+              </a:rPr>
+              <a:t>template</a:t>
+            </a:r>
+            <a:endParaRPr lang="de-DE" sz="3400" dirty="0">
               <a:latin typeface="Consolas" charset="0"/>
               <a:ea typeface="Consolas" charset="0"/>
               <a:cs typeface="Consolas" charset="0"/>
@@ -11991,7 +12207,131 @@
             <a:pPr marL="0" indent="0">
               <a:buNone/>
             </a:pPr>
-            <a:endParaRPr lang="en-US" sz="1700" dirty="0">
+            <a:r>
+              <a:rPr lang="de-DE" sz="3400" dirty="0" err="1">
+                <a:latin typeface="Consolas" charset="0"/>
+                <a:ea typeface="Consolas" charset="0"/>
+                <a:cs typeface="Consolas" charset="0"/>
+              </a:rPr>
+              <a:t>server</a:t>
+            </a:r>
+            <a:r>
+              <a:rPr lang="de-DE" sz="3400" dirty="0">
+                <a:latin typeface="Consolas" charset="0"/>
+                <a:ea typeface="Consolas" charset="0"/>
+                <a:cs typeface="Consolas" charset="0"/>
+              </a:rPr>
+              <a:t> {</a:t>
+            </a:r>
+          </a:p>
+          <a:p>
+            <a:pPr marL="0" indent="0">
+              <a:buNone/>
+            </a:pPr>
+            <a:r>
+              <a:rPr lang="de-DE" sz="3400" dirty="0">
+                <a:latin typeface="Consolas" charset="0"/>
+                <a:ea typeface="Consolas" charset="0"/>
+                <a:cs typeface="Consolas" charset="0"/>
+              </a:rPr>
+              <a:t>	listen       {{ </a:t>
+            </a:r>
+            <a:r>
+              <a:rPr lang="de-DE" sz="3400" dirty="0" err="1">
+                <a:latin typeface="Consolas" charset="0"/>
+                <a:ea typeface="Consolas" charset="0"/>
+                <a:cs typeface="Consolas" charset="0"/>
+              </a:rPr>
+              <a:t>webserver_name</a:t>
+            </a:r>
+            <a:r>
+              <a:rPr lang="de-DE" sz="3400" dirty="0">
+                <a:latin typeface="Consolas" charset="0"/>
+                <a:ea typeface="Consolas" charset="0"/>
+                <a:cs typeface="Consolas" charset="0"/>
+              </a:rPr>
+              <a:t> }}:8080;</a:t>
+            </a:r>
+          </a:p>
+          <a:p>
+            <a:pPr marL="0" indent="0">
+              <a:buNone/>
+            </a:pPr>
+            <a:r>
+              <a:rPr lang="de-DE" sz="3400" dirty="0">
+                <a:latin typeface="Consolas" charset="0"/>
+                <a:ea typeface="Consolas" charset="0"/>
+                <a:cs typeface="Consolas" charset="0"/>
+              </a:rPr>
+              <a:t>	</a:t>
+            </a:r>
+            <a:r>
+              <a:rPr lang="de-DE" sz="3400" dirty="0" err="1">
+                <a:latin typeface="Consolas" charset="0"/>
+                <a:ea typeface="Consolas" charset="0"/>
+                <a:cs typeface="Consolas" charset="0"/>
+              </a:rPr>
+              <a:t>server_name</a:t>
+            </a:r>
+            <a:r>
+              <a:rPr lang="de-DE" sz="3400" dirty="0">
+                <a:latin typeface="Consolas" charset="0"/>
+                <a:ea typeface="Consolas" charset="0"/>
+                <a:cs typeface="Consolas" charset="0"/>
+              </a:rPr>
+              <a:t>  {{ </a:t>
+            </a:r>
+            <a:r>
+              <a:rPr lang="de-DE" sz="3400" dirty="0" err="1">
+                <a:latin typeface="Consolas" charset="0"/>
+                <a:ea typeface="Consolas" charset="0"/>
+                <a:cs typeface="Consolas" charset="0"/>
+              </a:rPr>
+              <a:t>webserver_name</a:t>
+            </a:r>
+            <a:r>
+              <a:rPr lang="de-DE" sz="3400" dirty="0">
+                <a:latin typeface="Consolas" charset="0"/>
+                <a:ea typeface="Consolas" charset="0"/>
+                <a:cs typeface="Consolas" charset="0"/>
+              </a:rPr>
+              <a:t> }}</a:t>
+            </a:r>
+          </a:p>
+          <a:p>
+            <a:pPr marL="0" indent="0">
+              <a:buNone/>
+            </a:pPr>
+            <a:r>
+              <a:rPr lang="de-DE" sz="3400" dirty="0">
+                <a:latin typeface="Consolas" charset="0"/>
+                <a:ea typeface="Consolas" charset="0"/>
+                <a:cs typeface="Consolas" charset="0"/>
+              </a:rPr>
+              <a:t>	alias  {{ </a:t>
+            </a:r>
+            <a:r>
+              <a:rPr lang="de-DE" sz="3400" dirty="0" err="1">
+                <a:latin typeface="Consolas" charset="0"/>
+                <a:ea typeface="Consolas" charset="0"/>
+                <a:cs typeface="Consolas" charset="0"/>
+              </a:rPr>
+              <a:t>website_alias</a:t>
+            </a:r>
+            <a:r>
+              <a:rPr lang="de-DE" sz="3400" dirty="0">
+                <a:latin typeface="Consolas" charset="0"/>
+                <a:ea typeface="Consolas" charset="0"/>
+                <a:cs typeface="Consolas" charset="0"/>
+              </a:rPr>
+              <a:t> }};</a:t>
+            </a:r>
+          </a:p>
+          <a:p>
+            <a:pPr marL="0" indent="0">
+              <a:buNone/>
+            </a:pPr>
+            <a:endParaRPr lang="de-DE" sz="3400" dirty="0">
               <a:latin typeface="Consolas" charset="0"/>
               <a:ea typeface="Consolas" charset="0"/>
               <a:cs typeface="Consolas" charset="0"/>
@@ -12002,167 +12342,330 @@
               <a:buNone/>
             </a:pPr>
             <a:r>
-              <a:rPr lang="en-US" sz="1700" dirty="0">
-                <a:latin typeface="Consolas" charset="0"/>
-                <a:ea typeface="Consolas" charset="0"/>
-                <a:cs typeface="Consolas" charset="0"/>
-              </a:rPr>
-              <a:t>  tasks:</a:t>
+              <a:rPr lang="de-DE" sz="3400" dirty="0">
+                <a:latin typeface="Consolas" charset="0"/>
+                <a:ea typeface="Consolas" charset="0"/>
+                <a:cs typeface="Consolas" charset="0"/>
+              </a:rPr>
+              <a:t>  </a:t>
+            </a:r>
+            <a:r>
+              <a:rPr lang="ro-RO" sz="3400" dirty="0">
+                <a:latin typeface="Consolas" charset="0"/>
+                <a:ea typeface="Consolas" charset="0"/>
+                <a:cs typeface="Consolas" charset="0"/>
+              </a:rPr>
+              <a:t> 	</a:t>
+            </a:r>
+            <a:r>
+              <a:rPr lang="ro-RO" sz="3400" dirty="0" err="1">
+                <a:latin typeface="Consolas" charset="0"/>
+                <a:ea typeface="Consolas" charset="0"/>
+                <a:cs typeface="Consolas" charset="0"/>
+              </a:rPr>
+              <a:t>location</a:t>
+            </a:r>
+            <a:r>
+              <a:rPr lang="ro-RO" sz="3400" dirty="0">
+                <a:latin typeface="Consolas" charset="0"/>
+                <a:ea typeface="Consolas" charset="0"/>
+                <a:cs typeface="Consolas" charset="0"/>
+              </a:rPr>
+              <a:t> / {</a:t>
             </a:r>
           </a:p>
           <a:p>
             <a:pPr marL="0" indent="0">
               <a:buNone/>
             </a:pPr>
-            <a:endParaRPr lang="en-US" sz="1700" dirty="0">
+            <a:r>
+              <a:rPr lang="de-DE" sz="3400" dirty="0">
+                <a:latin typeface="Consolas" charset="0"/>
+                <a:ea typeface="Consolas" charset="0"/>
+                <a:cs typeface="Consolas" charset="0"/>
+              </a:rPr>
+              <a:t>	    </a:t>
+            </a:r>
+            <a:r>
+              <a:rPr lang="de-DE" sz="3400" dirty="0" err="1">
+                <a:latin typeface="Consolas" charset="0"/>
+                <a:ea typeface="Consolas" charset="0"/>
+                <a:cs typeface="Consolas" charset="0"/>
+              </a:rPr>
+              <a:t>root</a:t>
+            </a:r>
+            <a:r>
+              <a:rPr lang="de-DE" sz="3400" dirty="0">
+                <a:latin typeface="Consolas" charset="0"/>
+                <a:ea typeface="Consolas" charset="0"/>
+                <a:cs typeface="Consolas" charset="0"/>
+              </a:rPr>
+              <a:t>   </a:t>
+            </a:r>
+            <a:r>
+              <a:rPr lang="de-DE" sz="3400" dirty="0" err="1">
+                <a:latin typeface="Consolas" charset="0"/>
+                <a:ea typeface="Consolas" charset="0"/>
+                <a:cs typeface="Consolas" charset="0"/>
+              </a:rPr>
+              <a:t>html</a:t>
+            </a:r>
+            <a:r>
+              <a:rPr lang="de-DE" sz="3400" dirty="0">
+                <a:latin typeface="Consolas" charset="0"/>
+                <a:ea typeface="Consolas" charset="0"/>
+                <a:cs typeface="Consolas" charset="0"/>
+              </a:rPr>
+              <a:t>;</a:t>
+            </a:r>
+          </a:p>
+          <a:p>
+            <a:pPr marL="0" indent="0">
+              <a:buNone/>
+            </a:pPr>
+            <a:r>
+              <a:rPr lang="de-DE" sz="3400" dirty="0">
+                <a:latin typeface="Consolas" charset="0"/>
+                <a:ea typeface="Consolas" charset="0"/>
+                <a:cs typeface="Consolas" charset="0"/>
+              </a:rPr>
+              <a:t>	    </a:t>
+            </a:r>
+            <a:r>
+              <a:rPr lang="de-DE" sz="3400" dirty="0" err="1">
+                <a:latin typeface="Consolas" charset="0"/>
+                <a:ea typeface="Consolas" charset="0"/>
+                <a:cs typeface="Consolas" charset="0"/>
+              </a:rPr>
+              <a:t>index</a:t>
+            </a:r>
+            <a:r>
+              <a:rPr lang="de-DE" sz="3400" dirty="0">
+                <a:latin typeface="Consolas" charset="0"/>
+                <a:ea typeface="Consolas" charset="0"/>
+                <a:cs typeface="Consolas" charset="0"/>
+              </a:rPr>
+              <a:t>  </a:t>
+            </a:r>
+            <a:r>
+              <a:rPr lang="de-DE" sz="3400" dirty="0" err="1">
+                <a:latin typeface="Consolas" charset="0"/>
+                <a:ea typeface="Consolas" charset="0"/>
+                <a:cs typeface="Consolas" charset="0"/>
+              </a:rPr>
+              <a:t>index.html</a:t>
+            </a:r>
+            <a:r>
+              <a:rPr lang="de-DE" sz="3400" dirty="0">
+                <a:latin typeface="Consolas" charset="0"/>
+                <a:ea typeface="Consolas" charset="0"/>
+                <a:cs typeface="Consolas" charset="0"/>
+              </a:rPr>
+              <a:t> </a:t>
+            </a:r>
+            <a:r>
+              <a:rPr lang="de-DE" sz="3400" dirty="0" err="1">
+                <a:latin typeface="Consolas" charset="0"/>
+                <a:ea typeface="Consolas" charset="0"/>
+                <a:cs typeface="Consolas" charset="0"/>
+              </a:rPr>
+              <a:t>index.htm</a:t>
+            </a:r>
+            <a:r>
+              <a:rPr lang="de-DE" sz="3400" dirty="0">
+                <a:latin typeface="Consolas" charset="0"/>
+                <a:ea typeface="Consolas" charset="0"/>
+                <a:cs typeface="Consolas" charset="0"/>
+              </a:rPr>
+              <a:t>;</a:t>
+            </a:r>
+          </a:p>
+          <a:p>
+            <a:pPr marL="0" indent="0">
+              <a:buNone/>
+            </a:pPr>
+            <a:r>
+              <a:rPr lang="de-DE" sz="3400" dirty="0">
+                <a:latin typeface="Consolas" charset="0"/>
+                <a:ea typeface="Consolas" charset="0"/>
+                <a:cs typeface="Consolas" charset="0"/>
+              </a:rPr>
+              <a:t>	}</a:t>
+            </a:r>
+          </a:p>
+          <a:p>
+            <a:pPr marL="0" indent="0">
+              <a:buNone/>
+            </a:pPr>
+            <a:r>
+              <a:rPr lang="de-DE" sz="3400" dirty="0">
+                <a:latin typeface="Consolas" charset="0"/>
+                <a:ea typeface="Consolas" charset="0"/>
+                <a:cs typeface="Consolas" charset="0"/>
+              </a:rPr>
+              <a:t>}</a:t>
+            </a:r>
+          </a:p>
+          <a:p>
+            <a:pPr marL="0" indent="0">
+              <a:buNone/>
+            </a:pPr>
+            <a:endParaRPr lang="de-DE" sz="2900" dirty="0">
               <a:latin typeface="Consolas" charset="0"/>
               <a:ea typeface="Consolas" charset="0"/>
               <a:cs typeface="Consolas" charset="0"/>
             </a:endParaRPr>
           </a:p>
           <a:p>
+            <a:r>
+              <a:rPr lang="de-DE" sz="4200" dirty="0" err="1">
+                <a:ea typeface="Consolas" charset="0"/>
+                <a:cs typeface="Consolas" charset="0"/>
+              </a:rPr>
+              <a:t>Copy</a:t>
+            </a:r>
+            <a:r>
+              <a:rPr lang="de-DE" sz="4200" dirty="0">
+                <a:ea typeface="Consolas" charset="0"/>
+                <a:cs typeface="Consolas" charset="0"/>
+              </a:rPr>
+              <a:t> a </a:t>
+            </a:r>
+            <a:r>
+              <a:rPr lang="de-DE" sz="4200" dirty="0" err="1">
+                <a:ea typeface="Consolas" charset="0"/>
+                <a:cs typeface="Consolas" charset="0"/>
+              </a:rPr>
+              <a:t>template</a:t>
+            </a:r>
+            <a:r>
+              <a:rPr lang="de-DE" sz="4200" dirty="0">
+                <a:ea typeface="Consolas" charset="0"/>
+                <a:cs typeface="Consolas" charset="0"/>
+              </a:rPr>
+              <a:t> </a:t>
+            </a:r>
+            <a:r>
+              <a:rPr lang="de-DE" sz="4200" dirty="0" err="1">
+                <a:ea typeface="Consolas" charset="0"/>
+                <a:cs typeface="Consolas" charset="0"/>
+              </a:rPr>
+              <a:t>to</a:t>
+            </a:r>
+            <a:r>
+              <a:rPr lang="de-DE" sz="4200" dirty="0">
+                <a:ea typeface="Consolas" charset="0"/>
+                <a:cs typeface="Consolas" charset="0"/>
+              </a:rPr>
+              <a:t> a remote host:</a:t>
+            </a:r>
+            <a:endParaRPr lang="en-US" sz="4200" dirty="0">
+              <a:ea typeface="Consolas" charset="0"/>
+              <a:cs typeface="Consolas" charset="0"/>
+            </a:endParaRPr>
+          </a:p>
+          <a:p>
+            <a:endParaRPr lang="en-US" sz="2500" dirty="0">
+              <a:ea typeface="Consolas" charset="0"/>
+              <a:cs typeface="Consolas" charset="0"/>
+            </a:endParaRPr>
+          </a:p>
+          <a:p>
             <a:pPr marL="0" indent="0">
               <a:buNone/>
             </a:pPr>
             <a:r>
-              <a:rPr lang="en-US" sz="1700" dirty="0">
-                <a:latin typeface="Consolas" charset="0"/>
-                <a:ea typeface="Consolas" charset="0"/>
-                <a:cs typeface="Consolas" charset="0"/>
-              </a:rPr>
-              <a:t>     - shell: /</a:t>
-            </a:r>
-            <a:r>
-              <a:rPr lang="en-US" sz="1700" dirty="0" err="1">
-                <a:latin typeface="Consolas" charset="0"/>
-                <a:ea typeface="Consolas" charset="0"/>
-                <a:cs typeface="Consolas" charset="0"/>
-              </a:rPr>
-              <a:t>usr</a:t>
-            </a:r>
-            <a:r>
-              <a:rPr lang="en-US" sz="1700" dirty="0">
-                <a:latin typeface="Consolas" charset="0"/>
-                <a:ea typeface="Consolas" charset="0"/>
-                <a:cs typeface="Consolas" charset="0"/>
-              </a:rPr>
-              <a:t>/bin/foo</a:t>
-            </a:r>
-          </a:p>
-          <a:p>
-            <a:pPr marL="0" indent="0">
-              <a:buNone/>
-            </a:pPr>
-            <a:r>
-              <a:rPr lang="en-US" sz="1700" dirty="0">
-                <a:latin typeface="Consolas" charset="0"/>
-                <a:ea typeface="Consolas" charset="0"/>
-                <a:cs typeface="Consolas" charset="0"/>
-              </a:rPr>
-              <a:t>       register: </a:t>
-            </a:r>
-            <a:r>
-              <a:rPr lang="en-US" sz="1700" dirty="0" err="1">
-                <a:latin typeface="Consolas" charset="0"/>
-                <a:ea typeface="Consolas" charset="0"/>
-                <a:cs typeface="Consolas" charset="0"/>
-              </a:rPr>
-              <a:t>foo_result</a:t>
-            </a:r>
-            <a:endParaRPr lang="en-US" sz="1700" dirty="0">
+              <a:rPr lang="en-US" sz="3400" dirty="0">
+                <a:latin typeface="Consolas" charset="0"/>
+                <a:ea typeface="Consolas" charset="0"/>
+                <a:cs typeface="Consolas" charset="0"/>
+              </a:rPr>
+              <a:t>template: </a:t>
+            </a:r>
+            <a:r>
+              <a:rPr lang="en-US" sz="3400" dirty="0" err="1">
+                <a:latin typeface="Consolas" charset="0"/>
+                <a:ea typeface="Consolas" charset="0"/>
+                <a:cs typeface="Consolas" charset="0"/>
+              </a:rPr>
+              <a:t>src</a:t>
+            </a:r>
+            <a:r>
+              <a:rPr lang="en-US" sz="3400" dirty="0">
+                <a:latin typeface="Consolas" charset="0"/>
+                <a:ea typeface="Consolas" charset="0"/>
+                <a:cs typeface="Consolas" charset="0"/>
+              </a:rPr>
+              <a:t>=nginx.conf.j2 </a:t>
+            </a:r>
+            <a:r>
+              <a:rPr lang="en-US" sz="3400" dirty="0" err="1">
+                <a:latin typeface="Consolas" charset="0"/>
+                <a:ea typeface="Consolas" charset="0"/>
+                <a:cs typeface="Consolas" charset="0"/>
+              </a:rPr>
+              <a:t>dest</a:t>
+            </a:r>
+            <a:r>
+              <a:rPr lang="en-US" sz="3400" dirty="0">
+                <a:latin typeface="Consolas" charset="0"/>
+                <a:ea typeface="Consolas" charset="0"/>
+                <a:cs typeface="Consolas" charset="0"/>
+              </a:rPr>
+              <a:t>=/</a:t>
+            </a:r>
+            <a:r>
+              <a:rPr lang="en-US" sz="3400" dirty="0" err="1">
+                <a:latin typeface="Consolas" charset="0"/>
+                <a:ea typeface="Consolas" charset="0"/>
+                <a:cs typeface="Consolas" charset="0"/>
+              </a:rPr>
+              <a:t>etc</a:t>
+            </a:r>
+            <a:r>
+              <a:rPr lang="en-US" sz="3400" dirty="0">
+                <a:latin typeface="Consolas" charset="0"/>
+                <a:ea typeface="Consolas" charset="0"/>
+                <a:cs typeface="Consolas" charset="0"/>
+              </a:rPr>
+              <a:t>/</a:t>
+            </a:r>
+            <a:r>
+              <a:rPr lang="en-US" sz="3400" dirty="0" err="1">
+                <a:latin typeface="Consolas" charset="0"/>
+                <a:ea typeface="Consolas" charset="0"/>
+                <a:cs typeface="Consolas" charset="0"/>
+              </a:rPr>
+              <a:t>nginx</a:t>
+            </a:r>
+            <a:r>
+              <a:rPr lang="en-US" sz="3400" dirty="0">
+                <a:latin typeface="Consolas" charset="0"/>
+                <a:ea typeface="Consolas" charset="0"/>
+                <a:cs typeface="Consolas" charset="0"/>
+              </a:rPr>
+              <a:t>/</a:t>
+            </a:r>
+            <a:r>
+              <a:rPr lang="en-US" sz="3400" dirty="0" err="1">
+                <a:latin typeface="Consolas" charset="0"/>
+                <a:ea typeface="Consolas" charset="0"/>
+                <a:cs typeface="Consolas" charset="0"/>
+              </a:rPr>
+              <a:t>nginx.conf</a:t>
+            </a:r>
+            <a:endParaRPr lang="de-DE" sz="3400" dirty="0">
               <a:latin typeface="Consolas" charset="0"/>
               <a:ea typeface="Consolas" charset="0"/>
               <a:cs typeface="Consolas" charset="0"/>
             </a:endParaRPr>
           </a:p>
-          <a:p>
-            <a:pPr marL="0" indent="0">
-              <a:buNone/>
-            </a:pPr>
-            <a:r>
-              <a:rPr lang="en-US" sz="1700" dirty="0">
-                <a:latin typeface="Consolas" charset="0"/>
-                <a:ea typeface="Consolas" charset="0"/>
-                <a:cs typeface="Consolas" charset="0"/>
-              </a:rPr>
-              <a:t>       </a:t>
-            </a:r>
-            <a:r>
-              <a:rPr lang="en-US" sz="1700" dirty="0" err="1">
-                <a:latin typeface="Consolas" charset="0"/>
-                <a:ea typeface="Consolas" charset="0"/>
-                <a:cs typeface="Consolas" charset="0"/>
-              </a:rPr>
-              <a:t>ignore_errors</a:t>
-            </a:r>
-            <a:r>
-              <a:rPr lang="en-US" sz="1700" dirty="0">
-                <a:latin typeface="Consolas" charset="0"/>
-                <a:ea typeface="Consolas" charset="0"/>
-                <a:cs typeface="Consolas" charset="0"/>
-              </a:rPr>
-              <a:t>: True</a:t>
-            </a:r>
-          </a:p>
-          <a:p>
-            <a:pPr marL="0" indent="0">
-              <a:buNone/>
-            </a:pPr>
-            <a:endParaRPr lang="en-US" sz="2200" dirty="0">
-              <a:latin typeface="Consolas" charset="0"/>
-              <a:ea typeface="Consolas" charset="0"/>
-              <a:cs typeface="Consolas" charset="0"/>
-            </a:endParaRPr>
-          </a:p>
-          <a:p>
-            <a:r>
-              <a:rPr lang="en-US" sz="2200" dirty="0">
-                <a:ea typeface="Consolas" charset="0"/>
-                <a:cs typeface="Consolas" charset="0"/>
-              </a:rPr>
-              <a:t>The variable </a:t>
-            </a:r>
-            <a:r>
-              <a:rPr lang="en-US" sz="2200" dirty="0" err="1">
-                <a:ea typeface="Consolas" charset="0"/>
-                <a:cs typeface="Consolas" charset="0"/>
-              </a:rPr>
-              <a:t>foo_result</a:t>
-            </a:r>
-            <a:r>
-              <a:rPr lang="en-US" sz="2200" dirty="0">
-                <a:ea typeface="Consolas" charset="0"/>
-                <a:cs typeface="Consolas" charset="0"/>
-              </a:rPr>
-              <a:t> will contain the output from running the /</a:t>
-            </a:r>
-            <a:r>
-              <a:rPr lang="en-US" sz="2200" dirty="0" err="1">
-                <a:ea typeface="Consolas" charset="0"/>
-                <a:cs typeface="Consolas" charset="0"/>
-              </a:rPr>
-              <a:t>usr</a:t>
-            </a:r>
-            <a:r>
-              <a:rPr lang="en-US" sz="2200" dirty="0">
-                <a:ea typeface="Consolas" charset="0"/>
-                <a:cs typeface="Consolas" charset="0"/>
-              </a:rPr>
-              <a:t>/bin/foo command on a remote host.</a:t>
-            </a:r>
-          </a:p>
-          <a:p>
-            <a:pPr marL="0" indent="0">
-              <a:buNone/>
-            </a:pPr>
-            <a:endParaRPr lang="en-US" dirty="0"/>
-          </a:p>
         </p:txBody>
       </p:sp>
     </p:spTree>
     <p:extLst>
       <p:ext uri="{BB962C8B-B14F-4D97-AF65-F5344CB8AC3E}">
-        <p14:creationId xmlns:p14="http://schemas.microsoft.com/office/powerpoint/2010/main" val="1398028738"/>
+        <p14:creationId xmlns:p14="http://schemas.microsoft.com/office/powerpoint/2010/main" val="1846034098"/>
       </p:ext>
     </p:extLst>
   </p:cSld>
@@ -12206,7 +12709,7 @@
           <a:p>
             <a:r>
               <a:rPr lang="en-US" dirty="0"/>
-              <a:t>Templates</a:t>
+              <a:t>Jinja2 Filters</a:t>
             </a:r>
           </a:p>
         </p:txBody>
@@ -12221,532 +12724,157 @@
             <p:ph idx="1"/>
           </p:nvPr>
         </p:nvSpPr>
-        <p:spPr>
-          <a:xfrm>
-            <a:off x="457200" y="1600200"/>
-            <a:ext cx="8229600" cy="4988490"/>
-          </a:xfrm>
-        </p:spPr>
+        <p:spPr/>
         <p:txBody>
           <a:bodyPr>
-            <a:normAutofit fontScale="47500" lnSpcReduction="20000"/>
+            <a:normAutofit fontScale="62500" lnSpcReduction="20000"/>
           </a:bodyPr>
           <a:lstStyle/>
           <a:p>
             <a:r>
-              <a:rPr lang="en-US" sz="4200" b="1" dirty="0"/>
-              <a:t>Templates</a:t>
-            </a:r>
-            <a:r>
-              <a:rPr lang="en-US" sz="4200" dirty="0"/>
-              <a:t> allow us to dynamically create configuration files using variable substitution.</a:t>
-            </a:r>
+              <a:rPr lang="en-US" dirty="0"/>
+              <a:t>Jinja2 supports a number of filters we can use in templates to manipulate variables.</a:t>
+            </a:r>
+          </a:p>
+          <a:p>
+            <a:endParaRPr lang="en-US" dirty="0"/>
           </a:p>
           <a:p>
             <a:pPr lvl="1"/>
             <a:r>
-              <a:rPr lang="en-US" sz="4200" dirty="0"/>
-              <a:t>Uses the Jinja2 template format.</a:t>
-            </a:r>
-          </a:p>
-          <a:p>
+              <a:rPr lang="en-US" dirty="0"/>
+              <a:t>Set a default value for a variable:</a:t>
+            </a:r>
+          </a:p>
+          <a:p>
+            <a:pPr marL="914400" lvl="2" indent="0">
+              <a:buNone/>
+            </a:pPr>
+            <a:r>
+              <a:rPr lang="en-US" dirty="0"/>
+              <a:t>{{ </a:t>
+            </a:r>
+            <a:r>
+              <a:rPr lang="en-US" dirty="0" err="1"/>
+              <a:t>some_variable</a:t>
+            </a:r>
+            <a:r>
+              <a:rPr lang="en-US" dirty="0"/>
+              <a:t> | default(5) }}</a:t>
+            </a:r>
+          </a:p>
+          <a:p>
+            <a:pPr lvl="1"/>
             <a:endParaRPr lang="en-US" dirty="0"/>
           </a:p>
           <a:p>
-            <a:pPr marL="0" indent="0">
-              <a:buNone/>
-            </a:pPr>
+            <a:pPr lvl="1"/>
+            <a:r>
+              <a:rPr lang="en-US" dirty="0"/>
+              <a:t>The maximum value from a list of numbers:</a:t>
+            </a:r>
+          </a:p>
+          <a:p>
+            <a:pPr marL="914400" lvl="2" indent="0">
+              <a:buNone/>
+            </a:pPr>
+            <a:r>
+              <a:rPr lang="en-US" dirty="0"/>
+              <a:t>{{ [3, 4, 2] | max }}</a:t>
+            </a:r>
+          </a:p>
+          <a:p>
+            <a:pPr lvl="1"/>
             <a:endParaRPr lang="en-US" dirty="0"/>
           </a:p>
           <a:p>
-            <a:pPr marL="0" indent="0">
-              <a:buNone/>
-            </a:pPr>
-            <a:r>
-              <a:rPr lang="de-DE" sz="3400" dirty="0">
-                <a:latin typeface="Consolas" charset="0"/>
-                <a:ea typeface="Consolas" charset="0"/>
-                <a:cs typeface="Consolas" charset="0"/>
-              </a:rPr>
-              <a:t># nginx.conf.j2 </a:t>
-            </a:r>
-            <a:r>
-              <a:rPr lang="de-DE" sz="3400" dirty="0" err="1">
-                <a:latin typeface="Consolas" charset="0"/>
-                <a:ea typeface="Consolas" charset="0"/>
-                <a:cs typeface="Consolas" charset="0"/>
-              </a:rPr>
-              <a:t>template</a:t>
-            </a:r>
-            <a:endParaRPr lang="de-DE" sz="3400" dirty="0">
-              <a:latin typeface="Consolas" charset="0"/>
-              <a:ea typeface="Consolas" charset="0"/>
-              <a:cs typeface="Consolas" charset="0"/>
-            </a:endParaRPr>
-          </a:p>
-          <a:p>
-            <a:pPr marL="0" indent="0">
-              <a:buNone/>
-            </a:pPr>
-            <a:r>
-              <a:rPr lang="de-DE" sz="3400" dirty="0" err="1">
-                <a:latin typeface="Consolas" charset="0"/>
-                <a:ea typeface="Consolas" charset="0"/>
-                <a:cs typeface="Consolas" charset="0"/>
-              </a:rPr>
-              <a:t>server</a:t>
-            </a:r>
-            <a:r>
-              <a:rPr lang="de-DE" sz="3400" dirty="0">
-                <a:latin typeface="Consolas" charset="0"/>
-                <a:ea typeface="Consolas" charset="0"/>
-                <a:cs typeface="Consolas" charset="0"/>
-              </a:rPr>
-              <a:t> {</a:t>
-            </a:r>
-          </a:p>
-          <a:p>
-            <a:pPr marL="0" indent="0">
-              <a:buNone/>
-            </a:pPr>
-            <a:r>
-              <a:rPr lang="de-DE" sz="3400" dirty="0">
-                <a:latin typeface="Consolas" charset="0"/>
-                <a:ea typeface="Consolas" charset="0"/>
-                <a:cs typeface="Consolas" charset="0"/>
-              </a:rPr>
-              <a:t>	listen       {{ </a:t>
-            </a:r>
-            <a:r>
-              <a:rPr lang="de-DE" sz="3400" dirty="0" err="1">
-                <a:latin typeface="Consolas" charset="0"/>
-                <a:ea typeface="Consolas" charset="0"/>
-                <a:cs typeface="Consolas" charset="0"/>
-              </a:rPr>
-              <a:t>webserver_name</a:t>
-            </a:r>
-            <a:r>
-              <a:rPr lang="de-DE" sz="3400" dirty="0">
-                <a:latin typeface="Consolas" charset="0"/>
-                <a:ea typeface="Consolas" charset="0"/>
-                <a:cs typeface="Consolas" charset="0"/>
-              </a:rPr>
-              <a:t> }}:8080;</a:t>
-            </a:r>
-          </a:p>
-          <a:p>
-            <a:pPr marL="0" indent="0">
-              <a:buNone/>
-            </a:pPr>
-            <a:r>
-              <a:rPr lang="de-DE" sz="3400" dirty="0">
-                <a:latin typeface="Consolas" charset="0"/>
-                <a:ea typeface="Consolas" charset="0"/>
-                <a:cs typeface="Consolas" charset="0"/>
-              </a:rPr>
-              <a:t>	</a:t>
-            </a:r>
-            <a:r>
-              <a:rPr lang="de-DE" sz="3400" dirty="0" err="1">
-                <a:latin typeface="Consolas" charset="0"/>
-                <a:ea typeface="Consolas" charset="0"/>
-                <a:cs typeface="Consolas" charset="0"/>
-              </a:rPr>
-              <a:t>server_name</a:t>
-            </a:r>
-            <a:r>
-              <a:rPr lang="de-DE" sz="3400" dirty="0">
-                <a:latin typeface="Consolas" charset="0"/>
-                <a:ea typeface="Consolas" charset="0"/>
-                <a:cs typeface="Consolas" charset="0"/>
-              </a:rPr>
-              <a:t>  {{ </a:t>
-            </a:r>
-            <a:r>
-              <a:rPr lang="de-DE" sz="3400" dirty="0" err="1">
-                <a:latin typeface="Consolas" charset="0"/>
-                <a:ea typeface="Consolas" charset="0"/>
-                <a:cs typeface="Consolas" charset="0"/>
-              </a:rPr>
-              <a:t>webserver_name</a:t>
-            </a:r>
-            <a:r>
-              <a:rPr lang="de-DE" sz="3400" dirty="0">
-                <a:latin typeface="Consolas" charset="0"/>
-                <a:ea typeface="Consolas" charset="0"/>
-                <a:cs typeface="Consolas" charset="0"/>
-              </a:rPr>
+            <a:pPr lvl="1"/>
+            <a:r>
+              <a:rPr lang="en-US" dirty="0"/>
+              <a:t>Get a random item from 0 to 10:</a:t>
+            </a:r>
+          </a:p>
+          <a:p>
+            <a:pPr marL="914400" lvl="2" indent="0">
+              <a:buNone/>
+            </a:pPr>
+            <a:r>
+              <a:rPr lang="en-US" dirty="0"/>
+              <a:t>{{ 10| random }}</a:t>
+            </a:r>
+          </a:p>
+          <a:p>
+            <a:pPr lvl="1"/>
+            <a:endParaRPr lang="en-US" dirty="0"/>
+          </a:p>
+          <a:p>
+            <a:pPr lvl="1"/>
+            <a:r>
+              <a:rPr lang="en-US" dirty="0"/>
+              <a:t>Test if a string is a valid IP address:</a:t>
+            </a:r>
+          </a:p>
+          <a:p>
+            <a:pPr marL="914400" lvl="2" indent="0">
+              <a:buNone/>
+            </a:pPr>
+            <a:r>
+              <a:rPr lang="en-US" dirty="0"/>
+              <a:t>{{ </a:t>
+            </a:r>
+            <a:r>
+              <a:rPr lang="en-US" dirty="0" err="1"/>
+              <a:t>myvar</a:t>
+            </a:r>
+            <a:r>
+              <a:rPr lang="en-US" dirty="0"/>
+              <a:t> | </a:t>
+            </a:r>
+            <a:r>
+              <a:rPr lang="en-US" dirty="0" err="1"/>
+              <a:t>ipaddr</a:t>
+            </a:r>
+            <a:r>
+              <a:rPr lang="en-US" dirty="0"/>
               <a:t> }}</a:t>
             </a:r>
           </a:p>
           <a:p>
-            <a:pPr marL="0" indent="0">
-              <a:buNone/>
-            </a:pPr>
-            <a:r>
-              <a:rPr lang="de-DE" sz="3400" dirty="0">
-                <a:latin typeface="Consolas" charset="0"/>
-                <a:ea typeface="Consolas" charset="0"/>
-                <a:cs typeface="Consolas" charset="0"/>
-              </a:rPr>
-              <a:t>	alias  {{ </a:t>
-            </a:r>
-            <a:r>
-              <a:rPr lang="de-DE" sz="3400" dirty="0" err="1">
-                <a:latin typeface="Consolas" charset="0"/>
-                <a:ea typeface="Consolas" charset="0"/>
-                <a:cs typeface="Consolas" charset="0"/>
-              </a:rPr>
-              <a:t>website_alias</a:t>
-            </a:r>
-            <a:r>
-              <a:rPr lang="de-DE" sz="3400" dirty="0">
-                <a:latin typeface="Consolas" charset="0"/>
-                <a:ea typeface="Consolas" charset="0"/>
-                <a:cs typeface="Consolas" charset="0"/>
-              </a:rPr>
-              <a:t> }};</a:t>
-            </a:r>
-          </a:p>
-          <a:p>
-            <a:pPr marL="0" indent="0">
-              <a:buNone/>
-            </a:pPr>
-            <a:endParaRPr lang="de-DE" sz="3400" dirty="0">
-              <a:latin typeface="Consolas" charset="0"/>
-              <a:ea typeface="Consolas" charset="0"/>
-              <a:cs typeface="Consolas" charset="0"/>
-            </a:endParaRPr>
-          </a:p>
-          <a:p>
-            <a:pPr marL="0" indent="0">
-              <a:buNone/>
-            </a:pPr>
-            <a:r>
-              <a:rPr lang="de-DE" sz="3400" dirty="0">
-                <a:latin typeface="Consolas" charset="0"/>
-                <a:ea typeface="Consolas" charset="0"/>
-                <a:cs typeface="Consolas" charset="0"/>
-              </a:rPr>
-              <a:t>  </a:t>
-            </a:r>
-            <a:r>
-              <a:rPr lang="ro-RO" sz="3400" dirty="0">
-                <a:latin typeface="Consolas" charset="0"/>
-                <a:ea typeface="Consolas" charset="0"/>
-                <a:cs typeface="Consolas" charset="0"/>
-              </a:rPr>
-              <a:t> 	</a:t>
-            </a:r>
-            <a:r>
-              <a:rPr lang="ro-RO" sz="3400" dirty="0" err="1">
-                <a:latin typeface="Consolas" charset="0"/>
-                <a:ea typeface="Consolas" charset="0"/>
-                <a:cs typeface="Consolas" charset="0"/>
-              </a:rPr>
-              <a:t>location</a:t>
-            </a:r>
-            <a:r>
-              <a:rPr lang="ro-RO" sz="3400" dirty="0">
-                <a:latin typeface="Consolas" charset="0"/>
-                <a:ea typeface="Consolas" charset="0"/>
-                <a:cs typeface="Consolas" charset="0"/>
-              </a:rPr>
-              <a:t> / {</a:t>
-            </a:r>
-          </a:p>
-          <a:p>
-            <a:pPr marL="0" indent="0">
-              <a:buNone/>
-            </a:pPr>
-            <a:r>
-              <a:rPr lang="de-DE" sz="3400" dirty="0">
-                <a:latin typeface="Consolas" charset="0"/>
-                <a:ea typeface="Consolas" charset="0"/>
-                <a:cs typeface="Consolas" charset="0"/>
-              </a:rPr>
-              <a:t>	    </a:t>
-            </a:r>
-            <a:r>
-              <a:rPr lang="de-DE" sz="3400" dirty="0" err="1">
-                <a:latin typeface="Consolas" charset="0"/>
-                <a:ea typeface="Consolas" charset="0"/>
-                <a:cs typeface="Consolas" charset="0"/>
-              </a:rPr>
-              <a:t>root</a:t>
-            </a:r>
-            <a:r>
-              <a:rPr lang="de-DE" sz="3400" dirty="0">
-                <a:latin typeface="Consolas" charset="0"/>
-                <a:ea typeface="Consolas" charset="0"/>
-                <a:cs typeface="Consolas" charset="0"/>
-              </a:rPr>
-              <a:t>   </a:t>
-            </a:r>
-            <a:r>
-              <a:rPr lang="de-DE" sz="3400" dirty="0" err="1">
-                <a:latin typeface="Consolas" charset="0"/>
-                <a:ea typeface="Consolas" charset="0"/>
-                <a:cs typeface="Consolas" charset="0"/>
-              </a:rPr>
-              <a:t>html</a:t>
-            </a:r>
-            <a:r>
-              <a:rPr lang="de-DE" sz="3400" dirty="0">
-                <a:latin typeface="Consolas" charset="0"/>
-                <a:ea typeface="Consolas" charset="0"/>
-                <a:cs typeface="Consolas" charset="0"/>
-              </a:rPr>
-              <a:t>;</a:t>
-            </a:r>
-          </a:p>
-          <a:p>
-            <a:pPr marL="0" indent="0">
-              <a:buNone/>
-            </a:pPr>
-            <a:r>
-              <a:rPr lang="de-DE" sz="3400" dirty="0">
-                <a:latin typeface="Consolas" charset="0"/>
-                <a:ea typeface="Consolas" charset="0"/>
-                <a:cs typeface="Consolas" charset="0"/>
-              </a:rPr>
-              <a:t>	    </a:t>
-            </a:r>
-            <a:r>
-              <a:rPr lang="de-DE" sz="3400" dirty="0" err="1">
-                <a:latin typeface="Consolas" charset="0"/>
-                <a:ea typeface="Consolas" charset="0"/>
-                <a:cs typeface="Consolas" charset="0"/>
-              </a:rPr>
-              <a:t>index</a:t>
-            </a:r>
-            <a:r>
-              <a:rPr lang="de-DE" sz="3400" dirty="0">
-                <a:latin typeface="Consolas" charset="0"/>
-                <a:ea typeface="Consolas" charset="0"/>
-                <a:cs typeface="Consolas" charset="0"/>
-              </a:rPr>
-              <a:t>  </a:t>
-            </a:r>
-            <a:r>
-              <a:rPr lang="de-DE" sz="3400" dirty="0" err="1">
-                <a:latin typeface="Consolas" charset="0"/>
-                <a:ea typeface="Consolas" charset="0"/>
-                <a:cs typeface="Consolas" charset="0"/>
-              </a:rPr>
-              <a:t>index.html</a:t>
-            </a:r>
-            <a:r>
-              <a:rPr lang="de-DE" sz="3400" dirty="0">
-                <a:latin typeface="Consolas" charset="0"/>
-                <a:ea typeface="Consolas" charset="0"/>
-                <a:cs typeface="Consolas" charset="0"/>
-              </a:rPr>
-              <a:t> </a:t>
-            </a:r>
-            <a:r>
-              <a:rPr lang="de-DE" sz="3400" dirty="0" err="1">
-                <a:latin typeface="Consolas" charset="0"/>
-                <a:ea typeface="Consolas" charset="0"/>
-                <a:cs typeface="Consolas" charset="0"/>
-              </a:rPr>
-              <a:t>index.htm</a:t>
-            </a:r>
-            <a:r>
-              <a:rPr lang="de-DE" sz="3400" dirty="0">
-                <a:latin typeface="Consolas" charset="0"/>
-                <a:ea typeface="Consolas" charset="0"/>
-                <a:cs typeface="Consolas" charset="0"/>
-              </a:rPr>
-              <a:t>;</a:t>
-            </a:r>
-          </a:p>
-          <a:p>
-            <a:pPr marL="0" indent="0">
-              <a:buNone/>
-            </a:pPr>
-            <a:r>
-              <a:rPr lang="de-DE" sz="3400" dirty="0">
-                <a:latin typeface="Consolas" charset="0"/>
-                <a:ea typeface="Consolas" charset="0"/>
-                <a:cs typeface="Consolas" charset="0"/>
-              </a:rPr>
-              <a:t>	}</a:t>
-            </a:r>
-          </a:p>
-          <a:p>
-            <a:pPr marL="0" indent="0">
-              <a:buNone/>
-            </a:pPr>
-            <a:r>
-              <a:rPr lang="de-DE" sz="3400" dirty="0">
-                <a:latin typeface="Consolas" charset="0"/>
-                <a:ea typeface="Consolas" charset="0"/>
-                <a:cs typeface="Consolas" charset="0"/>
-              </a:rPr>
-              <a:t>}</a:t>
-            </a:r>
-          </a:p>
-          <a:p>
-            <a:pPr marL="0" indent="0">
-              <a:buNone/>
-            </a:pPr>
-            <a:endParaRPr lang="de-DE" sz="2900" dirty="0">
-              <a:latin typeface="Consolas" charset="0"/>
-              <a:ea typeface="Consolas" charset="0"/>
-              <a:cs typeface="Consolas" charset="0"/>
-            </a:endParaRPr>
-          </a:p>
-          <a:p>
-            <a:r>
-              <a:rPr lang="de-DE" sz="4200" dirty="0" err="1">
-                <a:ea typeface="Consolas" charset="0"/>
-                <a:cs typeface="Consolas" charset="0"/>
-              </a:rPr>
-              <a:t>Copy</a:t>
-            </a:r>
-            <a:r>
-              <a:rPr lang="de-DE" sz="4200" dirty="0">
-                <a:ea typeface="Consolas" charset="0"/>
-                <a:cs typeface="Consolas" charset="0"/>
-              </a:rPr>
-              <a:t> a </a:t>
-            </a:r>
-            <a:r>
-              <a:rPr lang="de-DE" sz="4200" dirty="0" err="1">
-                <a:ea typeface="Consolas" charset="0"/>
-                <a:cs typeface="Consolas" charset="0"/>
-              </a:rPr>
-              <a:t>template</a:t>
-            </a:r>
-            <a:r>
-              <a:rPr lang="de-DE" sz="4200" dirty="0">
-                <a:ea typeface="Consolas" charset="0"/>
-                <a:cs typeface="Consolas" charset="0"/>
-              </a:rPr>
-              <a:t> </a:t>
-            </a:r>
-            <a:r>
-              <a:rPr lang="de-DE" sz="4200" dirty="0" err="1">
-                <a:ea typeface="Consolas" charset="0"/>
-                <a:cs typeface="Consolas" charset="0"/>
-              </a:rPr>
-              <a:t>to</a:t>
-            </a:r>
-            <a:r>
-              <a:rPr lang="de-DE" sz="4200" dirty="0">
-                <a:ea typeface="Consolas" charset="0"/>
-                <a:cs typeface="Consolas" charset="0"/>
-              </a:rPr>
-              <a:t> a remote host:</a:t>
-            </a:r>
-            <a:endParaRPr lang="en-US" sz="4200" dirty="0">
-              <a:ea typeface="Consolas" charset="0"/>
-              <a:cs typeface="Consolas" charset="0"/>
-            </a:endParaRPr>
-          </a:p>
-          <a:p>
-            <a:endParaRPr lang="en-US" sz="2500" dirty="0">
-              <a:ea typeface="Consolas" charset="0"/>
-              <a:cs typeface="Consolas" charset="0"/>
-            </a:endParaRPr>
-          </a:p>
-          <a:p>
-            <a:pPr marL="0" indent="0">
-              <a:buNone/>
-            </a:pPr>
-            <a:r>
-              <a:rPr lang="en-US" sz="3400" dirty="0">
-                <a:latin typeface="Consolas" charset="0"/>
-                <a:ea typeface="Consolas" charset="0"/>
-                <a:cs typeface="Consolas" charset="0"/>
-              </a:rPr>
-              <a:t>template: </a:t>
-            </a:r>
-            <a:r>
-              <a:rPr lang="en-US" sz="3400" dirty="0" err="1">
-                <a:latin typeface="Consolas" charset="0"/>
-                <a:ea typeface="Consolas" charset="0"/>
-                <a:cs typeface="Consolas" charset="0"/>
-              </a:rPr>
-              <a:t>src</a:t>
-            </a:r>
-            <a:r>
-              <a:rPr lang="en-US" sz="3400" dirty="0">
-                <a:latin typeface="Consolas" charset="0"/>
-                <a:ea typeface="Consolas" charset="0"/>
-                <a:cs typeface="Consolas" charset="0"/>
-              </a:rPr>
-              <a:t>=nginx.conf.j2 </a:t>
-            </a:r>
-            <a:r>
-              <a:rPr lang="en-US" sz="3400" dirty="0" err="1">
-                <a:latin typeface="Consolas" charset="0"/>
-                <a:ea typeface="Consolas" charset="0"/>
-                <a:cs typeface="Consolas" charset="0"/>
-              </a:rPr>
-              <a:t>dest</a:t>
-            </a:r>
-            <a:r>
-              <a:rPr lang="en-US" sz="3400" dirty="0">
-                <a:latin typeface="Consolas" charset="0"/>
-                <a:ea typeface="Consolas" charset="0"/>
-                <a:cs typeface="Consolas" charset="0"/>
-              </a:rPr>
-              <a:t>=/</a:t>
-            </a:r>
-            <a:r>
-              <a:rPr lang="en-US" sz="3400" dirty="0" err="1">
-                <a:latin typeface="Consolas" charset="0"/>
-                <a:ea typeface="Consolas" charset="0"/>
-                <a:cs typeface="Consolas" charset="0"/>
-              </a:rPr>
-              <a:t>etc</a:t>
-            </a:r>
-            <a:r>
-              <a:rPr lang="en-US" sz="3400" dirty="0">
-                <a:latin typeface="Consolas" charset="0"/>
-                <a:ea typeface="Consolas" charset="0"/>
-                <a:cs typeface="Consolas" charset="0"/>
-              </a:rPr>
-              <a:t>/</a:t>
-            </a:r>
-            <a:r>
-              <a:rPr lang="en-US" sz="3400" dirty="0" err="1">
-                <a:latin typeface="Consolas" charset="0"/>
-                <a:ea typeface="Consolas" charset="0"/>
-                <a:cs typeface="Consolas" charset="0"/>
-              </a:rPr>
-              <a:t>nginx</a:t>
-            </a:r>
-            <a:r>
-              <a:rPr lang="en-US" sz="3400" dirty="0">
-                <a:latin typeface="Consolas" charset="0"/>
-                <a:ea typeface="Consolas" charset="0"/>
-                <a:cs typeface="Consolas" charset="0"/>
-              </a:rPr>
-              <a:t>/</a:t>
-            </a:r>
-            <a:r>
-              <a:rPr lang="en-US" sz="3400" dirty="0" err="1">
-                <a:latin typeface="Consolas" charset="0"/>
-                <a:ea typeface="Consolas" charset="0"/>
-                <a:cs typeface="Consolas" charset="0"/>
-              </a:rPr>
-              <a:t>nginx.conf</a:t>
-            </a:r>
-            <a:endParaRPr lang="de-DE" sz="3400" dirty="0">
-              <a:latin typeface="Consolas" charset="0"/>
-              <a:ea typeface="Consolas" charset="0"/>
-              <a:cs typeface="Consolas" charset="0"/>
-            </a:endParaRPr>
+            <a:pPr marL="914400" lvl="2" indent="0">
+              <a:buNone/>
+            </a:pPr>
+            <a:endParaRPr lang="en-US" dirty="0"/>
+          </a:p>
+          <a:p>
+            <a:pPr lvl="1"/>
+            <a:r>
+              <a:rPr lang="en-US" dirty="0"/>
+              <a:t>Concatenate a list into a string:</a:t>
+            </a:r>
+          </a:p>
+          <a:p>
+            <a:pPr marL="914400" lvl="2" indent="0">
+              <a:buNone/>
+            </a:pPr>
+            <a:r>
+              <a:rPr lang="en-US" dirty="0"/>
+              <a:t>{{ </a:t>
+            </a:r>
+            <a:r>
+              <a:rPr lang="en-US" dirty="0" err="1"/>
+              <a:t>var_list</a:t>
+            </a:r>
+            <a:r>
+              <a:rPr lang="en-US" dirty="0"/>
+              <a:t> | join(“ ”) }}</a:t>
+            </a:r>
           </a:p>
         </p:txBody>
       </p:sp>
     </p:spTree>
     <p:extLst>
       <p:ext uri="{BB962C8B-B14F-4D97-AF65-F5344CB8AC3E}">
-        <p14:creationId xmlns:p14="http://schemas.microsoft.com/office/powerpoint/2010/main" val="1846034098"/>
+        <p14:creationId xmlns:p14="http://schemas.microsoft.com/office/powerpoint/2010/main" val="1450313782"/>
       </p:ext>
     </p:extLst>
   </p:cSld>
@@ -12790,7 +12918,7 @@
           <a:p>
             <a:r>
               <a:rPr lang="en-US" dirty="0"/>
-              <a:t>Jinja2 Filters</a:t>
+              <a:t>Conditionals</a:t>
             </a:r>
           </a:p>
         </p:txBody>
@@ -12805,157 +12933,383 @@
             <p:ph idx="1"/>
           </p:nvPr>
         </p:nvSpPr>
-        <p:spPr/>
+        <p:spPr>
+          <a:xfrm>
+            <a:off x="457200" y="1600200"/>
+            <a:ext cx="8229600" cy="5063647"/>
+          </a:xfrm>
+        </p:spPr>
         <p:txBody>
           <a:bodyPr>
-            <a:normAutofit fontScale="62500" lnSpcReduction="20000"/>
+            <a:normAutofit fontScale="77500" lnSpcReduction="20000"/>
           </a:bodyPr>
           <a:lstStyle/>
           <a:p>
             <a:r>
-              <a:rPr lang="en-US" dirty="0"/>
-              <a:t>Jinja2 supports a number of filters we can use in templates to manipulate variables.</a:t>
+              <a:rPr lang="en-US" sz="2600" dirty="0"/>
+              <a:t>Use the </a:t>
+            </a:r>
+            <a:r>
+              <a:rPr lang="en-US" sz="2600" b="1" dirty="0"/>
+              <a:t>when</a:t>
+            </a:r>
+            <a:r>
+              <a:rPr lang="en-US" sz="2600" dirty="0"/>
+              <a:t> statement to skip a particular task from executing on a host.</a:t>
             </a:r>
           </a:p>
           <a:p>
             <a:endParaRPr lang="en-US" dirty="0"/>
           </a:p>
           <a:p>
-            <a:pPr lvl="1"/>
-            <a:r>
-              <a:rPr lang="en-US" dirty="0"/>
-              <a:t>Set a default value for a variable:</a:t>
-            </a:r>
-          </a:p>
-          <a:p>
-            <a:pPr marL="914400" lvl="2" indent="0">
-              <a:buNone/>
-            </a:pPr>
-            <a:r>
-              <a:rPr lang="en-US" dirty="0"/>
-              <a:t>{{ </a:t>
-            </a:r>
-            <a:r>
-              <a:rPr lang="en-US" dirty="0" err="1"/>
-              <a:t>some_variable</a:t>
-            </a:r>
-            <a:r>
-              <a:rPr lang="en-US" dirty="0"/>
-              <a:t> | default(5) }}</a:t>
-            </a:r>
-          </a:p>
-          <a:p>
-            <a:pPr lvl="1"/>
-            <a:endParaRPr lang="en-US" dirty="0"/>
-          </a:p>
-          <a:p>
-            <a:pPr lvl="1"/>
-            <a:r>
-              <a:rPr lang="en-US" dirty="0"/>
-              <a:t>The maximum value from a list of numbers:</a:t>
-            </a:r>
-          </a:p>
-          <a:p>
-            <a:pPr marL="914400" lvl="2" indent="0">
-              <a:buNone/>
-            </a:pPr>
-            <a:r>
-              <a:rPr lang="en-US" dirty="0"/>
-              <a:t>{{ [3, 4, 2] | max }}</a:t>
-            </a:r>
-          </a:p>
-          <a:p>
-            <a:pPr lvl="1"/>
-            <a:endParaRPr lang="en-US" dirty="0"/>
-          </a:p>
-          <a:p>
-            <a:pPr lvl="1"/>
-            <a:r>
-              <a:rPr lang="en-US" dirty="0"/>
-              <a:t>Get a random item from 0 to 10:</a:t>
-            </a:r>
-          </a:p>
-          <a:p>
-            <a:pPr marL="914400" lvl="2" indent="0">
-              <a:buNone/>
-            </a:pPr>
-            <a:r>
-              <a:rPr lang="en-US" dirty="0"/>
-              <a:t>{{ 10| random }}</a:t>
-            </a:r>
-          </a:p>
-          <a:p>
-            <a:pPr lvl="1"/>
-            <a:endParaRPr lang="en-US" dirty="0"/>
-          </a:p>
-          <a:p>
-            <a:pPr lvl="1"/>
-            <a:r>
-              <a:rPr lang="en-US" dirty="0"/>
-              <a:t>Test if a string is a valid IP address:</a:t>
-            </a:r>
-          </a:p>
-          <a:p>
-            <a:pPr marL="914400" lvl="2" indent="0">
-              <a:buNone/>
-            </a:pPr>
-            <a:r>
-              <a:rPr lang="en-US" dirty="0"/>
-              <a:t>{{ </a:t>
-            </a:r>
-            <a:r>
-              <a:rPr lang="en-US" dirty="0" err="1"/>
-              <a:t>myvar</a:t>
-            </a:r>
-            <a:r>
-              <a:rPr lang="en-US" dirty="0"/>
-              <a:t> | </a:t>
-            </a:r>
-            <a:r>
-              <a:rPr lang="en-US" dirty="0" err="1"/>
-              <a:t>ipaddr</a:t>
-            </a:r>
-            <a:r>
-              <a:rPr lang="en-US" dirty="0"/>
-              <a:t> }}</a:t>
-            </a:r>
-          </a:p>
-          <a:p>
-            <a:pPr marL="914400" lvl="2" indent="0">
-              <a:buNone/>
-            </a:pPr>
-            <a:endParaRPr lang="en-US" dirty="0"/>
-          </a:p>
-          <a:p>
-            <a:pPr lvl="1"/>
-            <a:r>
-              <a:rPr lang="en-US" dirty="0"/>
-              <a:t>Concatenate a list into a string:</a:t>
-            </a:r>
-          </a:p>
-          <a:p>
-            <a:pPr marL="914400" lvl="2" indent="0">
-              <a:buNone/>
-            </a:pPr>
-            <a:r>
-              <a:rPr lang="en-US" dirty="0"/>
-              <a:t>{{ </a:t>
-            </a:r>
-            <a:r>
-              <a:rPr lang="en-US" dirty="0" err="1"/>
-              <a:t>var_list</a:t>
-            </a:r>
-            <a:r>
-              <a:rPr lang="en-US" dirty="0"/>
-              <a:t> | join(“ ”) }}</a:t>
-            </a:r>
+            <a:pPr marL="0" indent="0">
+              <a:buNone/>
+            </a:pPr>
+            <a:r>
+              <a:rPr lang="en-US" sz="1600" dirty="0">
+                <a:latin typeface="Consolas" charset="0"/>
+                <a:ea typeface="Consolas" charset="0"/>
+                <a:cs typeface="Consolas" charset="0"/>
+              </a:rPr>
+              <a:t>tasks:</a:t>
+            </a:r>
+          </a:p>
+          <a:p>
+            <a:pPr marL="0" indent="0">
+              <a:buNone/>
+            </a:pPr>
+            <a:r>
+              <a:rPr lang="en-US" sz="1600" dirty="0">
+                <a:latin typeface="Consolas" charset="0"/>
+                <a:ea typeface="Consolas" charset="0"/>
+                <a:cs typeface="Consolas" charset="0"/>
+              </a:rPr>
+              <a:t>  - name: "shut down </a:t>
+            </a:r>
+            <a:r>
+              <a:rPr lang="en-US" sz="1600" dirty="0" err="1">
+                <a:latin typeface="Consolas" charset="0"/>
+                <a:ea typeface="Consolas" charset="0"/>
+                <a:cs typeface="Consolas" charset="0"/>
+              </a:rPr>
+              <a:t>Debian</a:t>
+            </a:r>
+            <a:r>
+              <a:rPr lang="en-US" sz="1600" dirty="0">
+                <a:latin typeface="Consolas" charset="0"/>
+                <a:ea typeface="Consolas" charset="0"/>
+                <a:cs typeface="Consolas" charset="0"/>
+              </a:rPr>
+              <a:t> flavored systems"</a:t>
+            </a:r>
+          </a:p>
+          <a:p>
+            <a:pPr marL="0" indent="0">
+              <a:buNone/>
+            </a:pPr>
+            <a:r>
+              <a:rPr lang="en-US" sz="1600" dirty="0">
+                <a:latin typeface="Consolas" charset="0"/>
+                <a:ea typeface="Consolas" charset="0"/>
+                <a:cs typeface="Consolas" charset="0"/>
+              </a:rPr>
+              <a:t>    command: /</a:t>
+            </a:r>
+            <a:r>
+              <a:rPr lang="en-US" sz="1600" dirty="0" err="1">
+                <a:latin typeface="Consolas" charset="0"/>
+                <a:ea typeface="Consolas" charset="0"/>
+                <a:cs typeface="Consolas" charset="0"/>
+              </a:rPr>
+              <a:t>sbin</a:t>
+            </a:r>
+            <a:r>
+              <a:rPr lang="en-US" sz="1600" dirty="0">
+                <a:latin typeface="Consolas" charset="0"/>
+                <a:ea typeface="Consolas" charset="0"/>
+                <a:cs typeface="Consolas" charset="0"/>
+              </a:rPr>
+              <a:t>/shutdown -t now</a:t>
+            </a:r>
+          </a:p>
+          <a:p>
+            <a:pPr marL="0" indent="0">
+              <a:buNone/>
+            </a:pPr>
+            <a:r>
+              <a:rPr lang="en-US" sz="1600" dirty="0">
+                <a:latin typeface="Consolas" charset="0"/>
+                <a:ea typeface="Consolas" charset="0"/>
+                <a:cs typeface="Consolas" charset="0"/>
+              </a:rPr>
+              <a:t>    when: </a:t>
+            </a:r>
+            <a:r>
+              <a:rPr lang="en-US" sz="1600" dirty="0" err="1">
+                <a:latin typeface="Consolas" charset="0"/>
+                <a:ea typeface="Consolas" charset="0"/>
+                <a:cs typeface="Consolas" charset="0"/>
+              </a:rPr>
+              <a:t>ansible_os_family</a:t>
+            </a:r>
+            <a:r>
+              <a:rPr lang="en-US" sz="1600" dirty="0">
+                <a:latin typeface="Consolas" charset="0"/>
+                <a:ea typeface="Consolas" charset="0"/>
+                <a:cs typeface="Consolas" charset="0"/>
+              </a:rPr>
+              <a:t> == "</a:t>
+            </a:r>
+            <a:r>
+              <a:rPr lang="en-US" sz="1600" dirty="0" err="1">
+                <a:latin typeface="Consolas" charset="0"/>
+                <a:ea typeface="Consolas" charset="0"/>
+                <a:cs typeface="Consolas" charset="0"/>
+              </a:rPr>
+              <a:t>Debian</a:t>
+            </a:r>
+            <a:r>
+              <a:rPr lang="en-US" sz="1600" dirty="0">
+                <a:latin typeface="Consolas" charset="0"/>
+                <a:ea typeface="Consolas" charset="0"/>
+                <a:cs typeface="Consolas" charset="0"/>
+              </a:rPr>
+              <a:t>”</a:t>
+            </a:r>
+          </a:p>
+          <a:p>
+            <a:pPr marL="0" indent="0">
+              <a:buNone/>
+            </a:pPr>
+            <a:endParaRPr lang="en-US" sz="1600" dirty="0">
+              <a:latin typeface="Consolas" charset="0"/>
+              <a:ea typeface="Consolas" charset="0"/>
+              <a:cs typeface="Consolas" charset="0"/>
+            </a:endParaRPr>
+          </a:p>
+          <a:p>
+            <a:pPr marL="0" indent="0">
+              <a:buNone/>
+            </a:pPr>
+            <a:endParaRPr lang="en-US" sz="1600" dirty="0">
+              <a:latin typeface="Consolas" charset="0"/>
+              <a:ea typeface="Consolas" charset="0"/>
+              <a:cs typeface="Consolas" charset="0"/>
+            </a:endParaRPr>
+          </a:p>
+          <a:p>
+            <a:r>
+              <a:rPr lang="en-US" sz="2600" dirty="0">
+                <a:ea typeface="Consolas" charset="0"/>
+                <a:cs typeface="Consolas" charset="0"/>
+              </a:rPr>
+              <a:t>Note that </a:t>
+            </a:r>
+            <a:r>
+              <a:rPr lang="en-US" sz="2600" dirty="0" err="1">
+                <a:ea typeface="Consolas" charset="0"/>
+                <a:cs typeface="Consolas" charset="0"/>
+              </a:rPr>
+              <a:t>Ansible</a:t>
+            </a:r>
+            <a:r>
+              <a:rPr lang="en-US" sz="2600" dirty="0">
+                <a:ea typeface="Consolas" charset="0"/>
+                <a:cs typeface="Consolas" charset="0"/>
+              </a:rPr>
+              <a:t> facts and </a:t>
+            </a:r>
+            <a:r>
+              <a:rPr lang="en-US" sz="2600" dirty="0" err="1">
+                <a:ea typeface="Consolas" charset="0"/>
+                <a:cs typeface="Consolas" charset="0"/>
+              </a:rPr>
+              <a:t>vars</a:t>
+            </a:r>
+            <a:r>
+              <a:rPr lang="en-US" sz="2600" dirty="0">
+                <a:ea typeface="Consolas" charset="0"/>
+                <a:cs typeface="Consolas" charset="0"/>
+              </a:rPr>
+              <a:t> like </a:t>
+            </a:r>
+            <a:r>
+              <a:rPr lang="en-US" sz="2600" dirty="0" err="1">
+                <a:ea typeface="Consolas" charset="0"/>
+                <a:cs typeface="Consolas" charset="0"/>
+              </a:rPr>
+              <a:t>ansible_os_family</a:t>
+            </a:r>
+            <a:r>
+              <a:rPr lang="en-US" sz="2600" dirty="0">
+                <a:ea typeface="Consolas" charset="0"/>
+                <a:cs typeface="Consolas" charset="0"/>
+              </a:rPr>
+              <a:t> can be used directly in conditionals without double curly braces.</a:t>
+            </a:r>
+          </a:p>
+          <a:p>
+            <a:endParaRPr lang="en-US" sz="2400" dirty="0">
+              <a:ea typeface="Consolas" charset="0"/>
+              <a:cs typeface="Consolas" charset="0"/>
+            </a:endParaRPr>
+          </a:p>
+          <a:p>
+            <a:r>
+              <a:rPr lang="en-US" sz="2600" dirty="0">
+                <a:ea typeface="Consolas" charset="0"/>
+                <a:cs typeface="Consolas" charset="0"/>
+              </a:rPr>
+              <a:t>We can specify that multiple conditions need to be true:</a:t>
+            </a:r>
+          </a:p>
+          <a:p>
+            <a:endParaRPr lang="en-US" sz="2400" dirty="0">
+              <a:ea typeface="Consolas" charset="0"/>
+              <a:cs typeface="Consolas" charset="0"/>
+            </a:endParaRPr>
+          </a:p>
+          <a:p>
+            <a:pPr marL="0" indent="0">
+              <a:buNone/>
+            </a:pPr>
+            <a:r>
+              <a:rPr lang="en-US" sz="2100" dirty="0">
+                <a:latin typeface="Consolas" charset="0"/>
+                <a:ea typeface="Consolas" charset="0"/>
+                <a:cs typeface="Consolas" charset="0"/>
+              </a:rPr>
+              <a:t>tasks:</a:t>
+            </a:r>
+          </a:p>
+          <a:p>
+            <a:pPr marL="0" indent="0">
+              <a:buNone/>
+            </a:pPr>
+            <a:r>
+              <a:rPr lang="en-US" sz="2100" dirty="0">
+                <a:latin typeface="Consolas" charset="0"/>
+                <a:ea typeface="Consolas" charset="0"/>
+                <a:cs typeface="Consolas" charset="0"/>
+              </a:rPr>
+              <a:t>  - name: "shut down CentOS 6 systems"</a:t>
+            </a:r>
+          </a:p>
+          <a:p>
+            <a:pPr marL="0" indent="0">
+              <a:buNone/>
+            </a:pPr>
+            <a:r>
+              <a:rPr lang="en-US" sz="2100" dirty="0">
+                <a:latin typeface="Consolas" charset="0"/>
+                <a:ea typeface="Consolas" charset="0"/>
+                <a:cs typeface="Consolas" charset="0"/>
+              </a:rPr>
+              <a:t>    command: /</a:t>
+            </a:r>
+            <a:r>
+              <a:rPr lang="en-US" sz="2100" dirty="0" err="1">
+                <a:latin typeface="Consolas" charset="0"/>
+                <a:ea typeface="Consolas" charset="0"/>
+                <a:cs typeface="Consolas" charset="0"/>
+              </a:rPr>
+              <a:t>sbin</a:t>
+            </a:r>
+            <a:r>
+              <a:rPr lang="en-US" sz="2100" dirty="0">
+                <a:latin typeface="Consolas" charset="0"/>
+                <a:ea typeface="Consolas" charset="0"/>
+                <a:cs typeface="Consolas" charset="0"/>
+              </a:rPr>
+              <a:t>/shutdown -t now</a:t>
+            </a:r>
+          </a:p>
+          <a:p>
+            <a:pPr marL="0" indent="0">
+              <a:buNone/>
+            </a:pPr>
+            <a:r>
+              <a:rPr lang="en-US" sz="2100" dirty="0">
+                <a:latin typeface="Consolas" charset="0"/>
+                <a:ea typeface="Consolas" charset="0"/>
+                <a:cs typeface="Consolas" charset="0"/>
+              </a:rPr>
+              <a:t>    when:</a:t>
+            </a:r>
+          </a:p>
+          <a:p>
+            <a:pPr marL="0" indent="0">
+              <a:buNone/>
+            </a:pPr>
+            <a:r>
+              <a:rPr lang="en-US" sz="2100" dirty="0">
+                <a:latin typeface="Consolas" charset="0"/>
+                <a:ea typeface="Consolas" charset="0"/>
+                <a:cs typeface="Consolas" charset="0"/>
+              </a:rPr>
+              <a:t>      - </a:t>
+            </a:r>
+            <a:r>
+              <a:rPr lang="en-US" sz="2100" dirty="0" err="1">
+                <a:latin typeface="Consolas" charset="0"/>
+                <a:ea typeface="Consolas" charset="0"/>
+                <a:cs typeface="Consolas" charset="0"/>
+              </a:rPr>
+              <a:t>ansible_distribution</a:t>
+            </a:r>
+            <a:r>
+              <a:rPr lang="en-US" sz="2100" dirty="0">
+                <a:latin typeface="Consolas" charset="0"/>
+                <a:ea typeface="Consolas" charset="0"/>
+                <a:cs typeface="Consolas" charset="0"/>
+              </a:rPr>
+              <a:t> == "CentOS"</a:t>
+            </a:r>
+          </a:p>
+          <a:p>
+            <a:pPr marL="0" indent="0">
+              <a:buNone/>
+            </a:pPr>
+            <a:r>
+              <a:rPr lang="en-US" sz="2100" dirty="0">
+                <a:latin typeface="Consolas" charset="0"/>
+                <a:ea typeface="Consolas" charset="0"/>
+                <a:cs typeface="Consolas" charset="0"/>
+              </a:rPr>
+              <a:t>      - </a:t>
+            </a:r>
+            <a:r>
+              <a:rPr lang="en-US" sz="2100" dirty="0" err="1">
+                <a:latin typeface="Consolas" charset="0"/>
+                <a:ea typeface="Consolas" charset="0"/>
+                <a:cs typeface="Consolas" charset="0"/>
+              </a:rPr>
+              <a:t>ansible_distribution_major_version</a:t>
+            </a:r>
+            <a:r>
+              <a:rPr lang="en-US" sz="2100" dirty="0">
+                <a:latin typeface="Consolas" charset="0"/>
+                <a:ea typeface="Consolas" charset="0"/>
+                <a:cs typeface="Consolas" charset="0"/>
+              </a:rPr>
+              <a:t> == "6"</a:t>
+            </a:r>
+          </a:p>
+          <a:p>
+            <a:pPr marL="0" indent="0">
+              <a:buNone/>
+            </a:pPr>
+            <a:endParaRPr lang="en-US" sz="2400" dirty="0">
+              <a:ea typeface="Consolas" charset="0"/>
+              <a:cs typeface="Consolas" charset="0"/>
+            </a:endParaRPr>
           </a:p>
         </p:txBody>
       </p:sp>
     </p:spTree>
     <p:extLst>
       <p:ext uri="{BB962C8B-B14F-4D97-AF65-F5344CB8AC3E}">
-        <p14:creationId xmlns:p14="http://schemas.microsoft.com/office/powerpoint/2010/main" val="1450313782"/>
+        <p14:creationId xmlns:p14="http://schemas.microsoft.com/office/powerpoint/2010/main" val="642372724"/>
       </p:ext>
     </p:extLst>
   </p:cSld>
@@ -12999,7 +13353,7 @@
           <a:p>
             <a:r>
               <a:rPr lang="en-US" dirty="0"/>
-              <a:t>Conditionals</a:t>
+              <a:t>Loops</a:t>
             </a:r>
           </a:p>
         </p:txBody>
@@ -13017,42 +13371,49 @@
         <p:spPr>
           <a:xfrm>
             <a:off x="457200" y="1600200"/>
-            <a:ext cx="8229600" cy="5063647"/>
+            <a:ext cx="8229600" cy="5013542"/>
           </a:xfrm>
         </p:spPr>
         <p:txBody>
           <a:bodyPr>
-            <a:normAutofit fontScale="77500" lnSpcReduction="20000"/>
+            <a:normAutofit fontScale="92500" lnSpcReduction="10000"/>
           </a:bodyPr>
           <a:lstStyle/>
           <a:p>
             <a:r>
-              <a:rPr lang="en-US" sz="2600" dirty="0"/>
-              <a:t>Use the </a:t>
-            </a:r>
-            <a:r>
-              <a:rPr lang="en-US" sz="2600" b="1" dirty="0"/>
-              <a:t>when</a:t>
-            </a:r>
-            <a:r>
-              <a:rPr lang="en-US" sz="2600" dirty="0"/>
-              <a:t> statement to skip a particular task from executing on a host.</a:t>
-            </a:r>
-          </a:p>
-          <a:p>
-            <a:endParaRPr lang="en-US" dirty="0"/>
+              <a:rPr lang="en-US" sz="2200" dirty="0"/>
+              <a:t>Oftentimes it’s useful to repeat tasks to save some typing.</a:t>
+            </a:r>
+          </a:p>
+          <a:p>
+            <a:pPr lvl="1"/>
+            <a:r>
+              <a:rPr lang="en-US" sz="2200" dirty="0"/>
+              <a:t>Loop using </a:t>
+            </a:r>
+            <a:r>
+              <a:rPr lang="en-US" sz="2200" b="1" dirty="0" err="1"/>
+              <a:t>with_items</a:t>
+            </a:r>
+            <a:r>
+              <a:rPr lang="en-US" sz="2200" dirty="0"/>
+              <a:t> directive.</a:t>
+            </a:r>
+          </a:p>
+          <a:p>
+            <a:endParaRPr lang="en-US" sz="2200" dirty="0"/>
           </a:p>
           <a:p>
             <a:pPr marL="0" indent="0">
               <a:buNone/>
             </a:pPr>
             <a:r>
-              <a:rPr lang="en-US" sz="1600" dirty="0">
-                <a:latin typeface="Consolas" charset="0"/>
-                <a:ea typeface="Consolas" charset="0"/>
-                <a:cs typeface="Consolas" charset="0"/>
-              </a:rPr>
-              <a:t>tasks:</a:t>
+              <a:rPr lang="en-US" sz="1700" dirty="0">
+                <a:latin typeface="Consolas" charset="0"/>
+                <a:ea typeface="Consolas" charset="0"/>
+                <a:cs typeface="Consolas" charset="0"/>
+              </a:rPr>
+              <a:t>- name: add several users</a:t>
             </a:r>
           </a:p>
           <a:p>
@@ -13060,28 +13421,12 @@
               <a:buNone/>
             </a:pPr>
             <a:r>
-              <a:rPr lang="en-US" sz="1600" dirty="0">
-                <a:latin typeface="Consolas" charset="0"/>
-                <a:ea typeface="Consolas" charset="0"/>
-                <a:cs typeface="Consolas" charset="0"/>
-              </a:rPr>
-              <a:t>  - name: "shut down </a:t>
-            </a:r>
-            <a:r>
-              <a:rPr lang="en-US" sz="1600" dirty="0" err="1">
-                <a:latin typeface="Consolas" charset="0"/>
-                <a:ea typeface="Consolas" charset="0"/>
-                <a:cs typeface="Consolas" charset="0"/>
-              </a:rPr>
-              <a:t>Debian</a:t>
-            </a:r>
-            <a:r>
-              <a:rPr lang="en-US" sz="1600" dirty="0">
-                <a:latin typeface="Consolas" charset="0"/>
-                <a:ea typeface="Consolas" charset="0"/>
-                <a:cs typeface="Consolas" charset="0"/>
-              </a:rPr>
-              <a:t> flavored systems"</a:t>
+              <a:rPr lang="en-US" sz="1700" dirty="0">
+                <a:latin typeface="Consolas" charset="0"/>
+                <a:ea typeface="Consolas" charset="0"/>
+                <a:cs typeface="Consolas" charset="0"/>
+              </a:rPr>
+              <a:t>  user: name={{ item }} state=present groups=developers</a:t>
             </a:r>
           </a:p>
           <a:p>
@@ -13089,28 +13434,28 @@
               <a:buNone/>
             </a:pPr>
             <a:r>
-              <a:rPr lang="en-US" sz="1600" dirty="0">
-                <a:latin typeface="Consolas" charset="0"/>
-                <a:ea typeface="Consolas" charset="0"/>
-                <a:cs typeface="Consolas" charset="0"/>
-              </a:rPr>
-              <a:t>    command: /</a:t>
-            </a:r>
-            <a:r>
-              <a:rPr lang="en-US" sz="1600" dirty="0" err="1">
-                <a:latin typeface="Consolas" charset="0"/>
-                <a:ea typeface="Consolas" charset="0"/>
-                <a:cs typeface="Consolas" charset="0"/>
-              </a:rPr>
-              <a:t>sbin</a:t>
-            </a:r>
-            <a:r>
-              <a:rPr lang="en-US" sz="1600" dirty="0">
-                <a:latin typeface="Consolas" charset="0"/>
-                <a:ea typeface="Consolas" charset="0"/>
-                <a:cs typeface="Consolas" charset="0"/>
-              </a:rPr>
-              <a:t>/shutdown -t now</a:t>
+              <a:rPr lang="en-US" sz="1700" dirty="0">
+                <a:latin typeface="Consolas" charset="0"/>
+                <a:ea typeface="Consolas" charset="0"/>
+                <a:cs typeface="Consolas" charset="0"/>
+              </a:rPr>
+              <a:t>  </a:t>
+            </a:r>
+            <a:r>
+              <a:rPr lang="en-US" sz="1700" dirty="0" err="1">
+                <a:latin typeface="Consolas" charset="0"/>
+                <a:ea typeface="Consolas" charset="0"/>
+                <a:cs typeface="Consolas" charset="0"/>
+              </a:rPr>
+              <a:t>with_items</a:t>
+            </a:r>
+            <a:r>
+              <a:rPr lang="en-US" sz="1700" dirty="0">
+                <a:latin typeface="Consolas" charset="0"/>
+                <a:ea typeface="Consolas" charset="0"/>
+                <a:cs typeface="Consolas" charset="0"/>
+              </a:rPr>
+              <a:t>:</a:t>
             </a:r>
           </a:p>
           <a:p>
@@ -13118,51 +13463,22 @@
               <a:buNone/>
             </a:pPr>
             <a:r>
-              <a:rPr lang="en-US" sz="1600" dirty="0">
-                <a:latin typeface="Consolas" charset="0"/>
-                <a:ea typeface="Consolas" charset="0"/>
-                <a:cs typeface="Consolas" charset="0"/>
-              </a:rPr>
-              <a:t>    when: </a:t>
-            </a:r>
-            <a:r>
-              <a:rPr lang="en-US" sz="1600" dirty="0" err="1">
-                <a:latin typeface="Consolas" charset="0"/>
-                <a:ea typeface="Consolas" charset="0"/>
-                <a:cs typeface="Consolas" charset="0"/>
-              </a:rPr>
-              <a:t>ansible_os_family</a:t>
-            </a:r>
-            <a:r>
-              <a:rPr lang="en-US" sz="1600" dirty="0">
-                <a:latin typeface="Consolas" charset="0"/>
-                <a:ea typeface="Consolas" charset="0"/>
-                <a:cs typeface="Consolas" charset="0"/>
-              </a:rPr>
-              <a:t> == "</a:t>
-            </a:r>
-            <a:r>
-              <a:rPr lang="en-US" sz="1600" dirty="0" err="1">
-                <a:latin typeface="Consolas" charset="0"/>
-                <a:ea typeface="Consolas" charset="0"/>
-                <a:cs typeface="Consolas" charset="0"/>
-              </a:rPr>
-              <a:t>Debian</a:t>
-            </a:r>
-            <a:r>
-              <a:rPr lang="en-US" sz="1600" dirty="0">
-                <a:latin typeface="Consolas" charset="0"/>
-                <a:ea typeface="Consolas" charset="0"/>
-                <a:cs typeface="Consolas" charset="0"/>
-              </a:rPr>
-              <a:t>”</a:t>
-            </a:r>
-          </a:p>
-          <a:p>
-            <a:pPr marL="0" indent="0">
-              <a:buNone/>
-            </a:pPr>
-            <a:endParaRPr lang="en-US" sz="1600" dirty="0">
+              <a:rPr lang="en-US" sz="1700" dirty="0">
+                <a:latin typeface="Consolas" charset="0"/>
+                <a:ea typeface="Consolas" charset="0"/>
+                <a:cs typeface="Consolas" charset="0"/>
+              </a:rPr>
+              <a:t>    - </a:t>
+            </a:r>
+            <a:r>
+              <a:rPr lang="en-US" sz="1700" dirty="0" err="1">
+                <a:latin typeface="Consolas" charset="0"/>
+                <a:ea typeface="Consolas" charset="0"/>
+                <a:cs typeface="Consolas" charset="0"/>
+              </a:rPr>
+              <a:t>jadams</a:t>
+            </a:r>
+            <a:endParaRPr lang="en-US" sz="1700" dirty="0">
               <a:latin typeface="Consolas" charset="0"/>
               <a:ea typeface="Consolas" charset="0"/>
               <a:cs typeface="Consolas" charset="0"/>
@@ -13172,225 +13488,198 @@
             <a:pPr marL="0" indent="0">
               <a:buNone/>
             </a:pPr>
-            <a:endParaRPr lang="en-US" sz="1600" dirty="0">
+            <a:r>
+              <a:rPr lang="en-US" sz="1700" dirty="0">
+                <a:latin typeface="Consolas" charset="0"/>
+                <a:ea typeface="Consolas" charset="0"/>
+                <a:cs typeface="Consolas" charset="0"/>
+              </a:rPr>
+              <a:t>    - </a:t>
+            </a:r>
+            <a:r>
+              <a:rPr lang="en-US" sz="1700" dirty="0" err="1">
+                <a:latin typeface="Consolas" charset="0"/>
+                <a:ea typeface="Consolas" charset="0"/>
+                <a:cs typeface="Consolas" charset="0"/>
+              </a:rPr>
+              <a:t>msmith</a:t>
+            </a:r>
+            <a:endParaRPr lang="en-US" sz="1700" dirty="0">
               <a:latin typeface="Consolas" charset="0"/>
               <a:ea typeface="Consolas" charset="0"/>
               <a:cs typeface="Consolas" charset="0"/>
             </a:endParaRPr>
           </a:p>
           <a:p>
-            <a:r>
-              <a:rPr lang="en-US" sz="2600" dirty="0">
-                <a:ea typeface="Consolas" charset="0"/>
-                <a:cs typeface="Consolas" charset="0"/>
-              </a:rPr>
-              <a:t>Note that </a:t>
-            </a:r>
-            <a:r>
-              <a:rPr lang="en-US" sz="2600" dirty="0" err="1">
-                <a:ea typeface="Consolas" charset="0"/>
-                <a:cs typeface="Consolas" charset="0"/>
-              </a:rPr>
-              <a:t>Ansible</a:t>
-            </a:r>
-            <a:r>
-              <a:rPr lang="en-US" sz="2600" dirty="0">
-                <a:ea typeface="Consolas" charset="0"/>
-                <a:cs typeface="Consolas" charset="0"/>
-              </a:rPr>
-              <a:t> facts and </a:t>
-            </a:r>
-            <a:r>
-              <a:rPr lang="en-US" sz="2600" dirty="0" err="1">
-                <a:ea typeface="Consolas" charset="0"/>
-                <a:cs typeface="Consolas" charset="0"/>
-              </a:rPr>
-              <a:t>vars</a:t>
-            </a:r>
-            <a:r>
-              <a:rPr lang="en-US" sz="2600" dirty="0">
-                <a:ea typeface="Consolas" charset="0"/>
-                <a:cs typeface="Consolas" charset="0"/>
-              </a:rPr>
-              <a:t> like </a:t>
-            </a:r>
-            <a:r>
-              <a:rPr lang="en-US" sz="2600" dirty="0" err="1">
-                <a:ea typeface="Consolas" charset="0"/>
-                <a:cs typeface="Consolas" charset="0"/>
-              </a:rPr>
-              <a:t>ansible_os_family</a:t>
-            </a:r>
-            <a:r>
-              <a:rPr lang="en-US" sz="2600" dirty="0">
-                <a:ea typeface="Consolas" charset="0"/>
-                <a:cs typeface="Consolas" charset="0"/>
-              </a:rPr>
-              <a:t> can be used directly in conditionals without double curly braces.</a:t>
-            </a:r>
-          </a:p>
-          <a:p>
-            <a:endParaRPr lang="en-US" sz="2400" dirty="0">
+            <a:pPr marL="0" indent="0">
+              <a:buNone/>
+            </a:pPr>
+            <a:r>
+              <a:rPr lang="en-US" sz="1700" dirty="0">
+                <a:latin typeface="Consolas" charset="0"/>
+                <a:ea typeface="Consolas" charset="0"/>
+                <a:cs typeface="Consolas" charset="0"/>
+              </a:rPr>
+              <a:t>    - </a:t>
+            </a:r>
+            <a:r>
+              <a:rPr lang="en-US" sz="1700" dirty="0" err="1">
+                <a:latin typeface="Consolas" charset="0"/>
+                <a:ea typeface="Consolas" charset="0"/>
+                <a:cs typeface="Consolas" charset="0"/>
+              </a:rPr>
+              <a:t>cmilwaui</a:t>
+            </a:r>
+            <a:endParaRPr lang="en-US" sz="1700" dirty="0">
+              <a:latin typeface="Consolas" charset="0"/>
               <a:ea typeface="Consolas" charset="0"/>
               <a:cs typeface="Consolas" charset="0"/>
             </a:endParaRPr>
           </a:p>
           <a:p>
-            <a:r>
-              <a:rPr lang="en-US" sz="2600" dirty="0">
-                <a:ea typeface="Consolas" charset="0"/>
-                <a:cs typeface="Consolas" charset="0"/>
-              </a:rPr>
-              <a:t>We can specify that multiple conditions need to be true:</a:t>
-            </a:r>
-          </a:p>
-          <a:p>
-            <a:endParaRPr lang="en-US" sz="2400" dirty="0">
+            <a:pPr marL="0" indent="0">
+              <a:buNone/>
+            </a:pPr>
+            <a:endParaRPr lang="en-US" sz="1700" dirty="0">
+              <a:latin typeface="Consolas" charset="0"/>
               <a:ea typeface="Consolas" charset="0"/>
               <a:cs typeface="Consolas" charset="0"/>
             </a:endParaRPr>
           </a:p>
           <a:p>
-            <a:pPr marL="0" indent="0">
-              <a:buNone/>
-            </a:pPr>
-            <a:r>
-              <a:rPr lang="en-US" sz="2100" dirty="0">
-                <a:latin typeface="Consolas" charset="0"/>
-                <a:ea typeface="Consolas" charset="0"/>
-                <a:cs typeface="Consolas" charset="0"/>
-              </a:rPr>
-              <a:t>tasks:</a:t>
-            </a:r>
-          </a:p>
-          <a:p>
-            <a:pPr marL="0" indent="0">
-              <a:buNone/>
-            </a:pPr>
-            <a:r>
-              <a:rPr lang="en-US" sz="2100" dirty="0">
-                <a:latin typeface="Consolas" charset="0"/>
-                <a:ea typeface="Consolas" charset="0"/>
-                <a:cs typeface="Consolas" charset="0"/>
-              </a:rPr>
-              <a:t>  - name: "shut down CentOS 6 systems"</a:t>
-            </a:r>
-          </a:p>
-          <a:p>
-            <a:pPr marL="0" indent="0">
-              <a:buNone/>
-            </a:pPr>
-            <a:r>
-              <a:rPr lang="en-US" sz="2100" dirty="0">
-                <a:latin typeface="Consolas" charset="0"/>
-                <a:ea typeface="Consolas" charset="0"/>
-                <a:cs typeface="Consolas" charset="0"/>
-              </a:rPr>
-              <a:t>    command: /</a:t>
-            </a:r>
-            <a:r>
-              <a:rPr lang="en-US" sz="2100" dirty="0" err="1">
-                <a:latin typeface="Consolas" charset="0"/>
-                <a:ea typeface="Consolas" charset="0"/>
-                <a:cs typeface="Consolas" charset="0"/>
-              </a:rPr>
-              <a:t>sbin</a:t>
-            </a:r>
-            <a:r>
-              <a:rPr lang="en-US" sz="2100" dirty="0">
-                <a:latin typeface="Consolas" charset="0"/>
-                <a:ea typeface="Consolas" charset="0"/>
-                <a:cs typeface="Consolas" charset="0"/>
-              </a:rPr>
-              <a:t>/shutdown -t now</a:t>
-            </a:r>
-          </a:p>
-          <a:p>
-            <a:pPr marL="0" indent="0">
-              <a:buNone/>
-            </a:pPr>
-            <a:r>
-              <a:rPr lang="en-US" sz="2100" dirty="0">
-                <a:latin typeface="Consolas" charset="0"/>
-                <a:ea typeface="Consolas" charset="0"/>
-                <a:cs typeface="Consolas" charset="0"/>
-              </a:rPr>
-              <a:t>    when:</a:t>
-            </a:r>
-          </a:p>
-          <a:p>
-            <a:pPr marL="0" indent="0">
-              <a:buNone/>
-            </a:pPr>
-            <a:r>
-              <a:rPr lang="en-US" sz="2100" dirty="0">
-                <a:latin typeface="Consolas" charset="0"/>
-                <a:ea typeface="Consolas" charset="0"/>
-                <a:cs typeface="Consolas" charset="0"/>
-              </a:rPr>
-              <a:t>      - </a:t>
-            </a:r>
-            <a:r>
-              <a:rPr lang="en-US" sz="2100" dirty="0" err="1">
-                <a:latin typeface="Consolas" charset="0"/>
-                <a:ea typeface="Consolas" charset="0"/>
-                <a:cs typeface="Consolas" charset="0"/>
-              </a:rPr>
-              <a:t>ansible_distribution</a:t>
-            </a:r>
-            <a:r>
-              <a:rPr lang="en-US" sz="2100" dirty="0">
-                <a:latin typeface="Consolas" charset="0"/>
-                <a:ea typeface="Consolas" charset="0"/>
-                <a:cs typeface="Consolas" charset="0"/>
-              </a:rPr>
-              <a:t> == "CentOS"</a:t>
-            </a:r>
-          </a:p>
-          <a:p>
-            <a:pPr marL="0" indent="0">
-              <a:buNone/>
-            </a:pPr>
-            <a:r>
-              <a:rPr lang="en-US" sz="2100" dirty="0">
-                <a:latin typeface="Consolas" charset="0"/>
-                <a:ea typeface="Consolas" charset="0"/>
-                <a:cs typeface="Consolas" charset="0"/>
-              </a:rPr>
-              <a:t>      - </a:t>
-            </a:r>
-            <a:r>
-              <a:rPr lang="en-US" sz="2100" dirty="0" err="1">
-                <a:latin typeface="Consolas" charset="0"/>
-                <a:ea typeface="Consolas" charset="0"/>
-                <a:cs typeface="Consolas" charset="0"/>
-              </a:rPr>
-              <a:t>ansible_distribution_major_version</a:t>
-            </a:r>
-            <a:r>
-              <a:rPr lang="en-US" sz="2100" dirty="0">
-                <a:latin typeface="Consolas" charset="0"/>
-                <a:ea typeface="Consolas" charset="0"/>
-                <a:cs typeface="Consolas" charset="0"/>
-              </a:rPr>
-              <a:t> == "6"</a:t>
-            </a:r>
-          </a:p>
-          <a:p>
-            <a:pPr marL="0" indent="0">
-              <a:buNone/>
-            </a:pPr>
-            <a:endParaRPr lang="en-US" sz="2400" dirty="0">
+            <a:r>
+              <a:rPr lang="en-US" sz="2200" dirty="0">
+                <a:ea typeface="Consolas" charset="0"/>
+                <a:cs typeface="Consolas" charset="0"/>
+              </a:rPr>
+              <a:t>Items in loops do not have to be simple strings:</a:t>
+            </a:r>
+          </a:p>
+          <a:p>
+            <a:endParaRPr lang="en-US" sz="2200" dirty="0">
               <a:ea typeface="Consolas" charset="0"/>
               <a:cs typeface="Consolas" charset="0"/>
             </a:endParaRPr>
           </a:p>
+          <a:p>
+            <a:pPr marL="0" indent="0">
+              <a:buNone/>
+            </a:pPr>
+            <a:r>
+              <a:rPr lang="en-US" sz="1700" dirty="0">
+                <a:latin typeface="Consolas" charset="0"/>
+                <a:ea typeface="Consolas" charset="0"/>
+                <a:cs typeface="Consolas" charset="0"/>
+              </a:rPr>
+              <a:t>- name: add several users</a:t>
+            </a:r>
+          </a:p>
+          <a:p>
+            <a:pPr marL="0" indent="0">
+              <a:buNone/>
+            </a:pPr>
+            <a:r>
+              <a:rPr lang="en-US" sz="1700" dirty="0">
+                <a:latin typeface="Consolas" charset="0"/>
+                <a:ea typeface="Consolas" charset="0"/>
+                <a:cs typeface="Consolas" charset="0"/>
+              </a:rPr>
+              <a:t>  user: name={{ </a:t>
+            </a:r>
+            <a:r>
+              <a:rPr lang="en-US" sz="1700" dirty="0" err="1">
+                <a:latin typeface="Consolas" charset="0"/>
+                <a:ea typeface="Consolas" charset="0"/>
+                <a:cs typeface="Consolas" charset="0"/>
+              </a:rPr>
+              <a:t>item.name</a:t>
+            </a:r>
+            <a:r>
+              <a:rPr lang="en-US" sz="1700" dirty="0">
+                <a:latin typeface="Consolas" charset="0"/>
+                <a:ea typeface="Consolas" charset="0"/>
+                <a:cs typeface="Consolas" charset="0"/>
+              </a:rPr>
+              <a:t> }} state=present groups={{ </a:t>
+            </a:r>
+            <a:r>
+              <a:rPr lang="en-US" sz="1700" dirty="0" err="1">
+                <a:latin typeface="Consolas" charset="0"/>
+                <a:ea typeface="Consolas" charset="0"/>
+                <a:cs typeface="Consolas" charset="0"/>
+              </a:rPr>
+              <a:t>item.groups</a:t>
+            </a:r>
+            <a:r>
+              <a:rPr lang="en-US" sz="1700" dirty="0">
+                <a:latin typeface="Consolas" charset="0"/>
+                <a:ea typeface="Consolas" charset="0"/>
+                <a:cs typeface="Consolas" charset="0"/>
+              </a:rPr>
+              <a:t> }}</a:t>
+            </a:r>
+          </a:p>
+          <a:p>
+            <a:pPr marL="0" indent="0">
+              <a:buNone/>
+            </a:pPr>
+            <a:r>
+              <a:rPr lang="en-US" sz="1700" dirty="0">
+                <a:latin typeface="Consolas" charset="0"/>
+                <a:ea typeface="Consolas" charset="0"/>
+                <a:cs typeface="Consolas" charset="0"/>
+              </a:rPr>
+              <a:t>  </a:t>
+            </a:r>
+            <a:r>
+              <a:rPr lang="en-US" sz="1700" dirty="0" err="1">
+                <a:latin typeface="Consolas" charset="0"/>
+                <a:ea typeface="Consolas" charset="0"/>
+                <a:cs typeface="Consolas" charset="0"/>
+              </a:rPr>
+              <a:t>with_items</a:t>
+            </a:r>
+            <a:r>
+              <a:rPr lang="en-US" sz="1700" dirty="0">
+                <a:latin typeface="Consolas" charset="0"/>
+                <a:ea typeface="Consolas" charset="0"/>
+                <a:cs typeface="Consolas" charset="0"/>
+              </a:rPr>
+              <a:t>:</a:t>
+            </a:r>
+          </a:p>
+          <a:p>
+            <a:pPr marL="0" indent="0">
+              <a:buNone/>
+            </a:pPr>
+            <a:r>
+              <a:rPr lang="en-US" sz="1700" dirty="0">
+                <a:latin typeface="Consolas" charset="0"/>
+                <a:ea typeface="Consolas" charset="0"/>
+                <a:cs typeface="Consolas" charset="0"/>
+              </a:rPr>
+              <a:t>    - { name: 'testuser1', groups: 'wheel' }</a:t>
+            </a:r>
+          </a:p>
+          <a:p>
+            <a:pPr marL="0" indent="0">
+              <a:buNone/>
+            </a:pPr>
+            <a:r>
+              <a:rPr lang="en-US" sz="1700" dirty="0">
+                <a:latin typeface="Consolas" charset="0"/>
+                <a:ea typeface="Consolas" charset="0"/>
+                <a:cs typeface="Consolas" charset="0"/>
+              </a:rPr>
+              <a:t>    - { name: 'testuser2', groups: 'root' }</a:t>
+            </a:r>
+          </a:p>
         </p:txBody>
       </p:sp>
     </p:spTree>
     <p:extLst>
       <p:ext uri="{BB962C8B-B14F-4D97-AF65-F5344CB8AC3E}">
-        <p14:creationId xmlns:p14="http://schemas.microsoft.com/office/powerpoint/2010/main" val="642372724"/>
+        <p14:creationId xmlns:p14="http://schemas.microsoft.com/office/powerpoint/2010/main" val="207360145"/>
       </p:ext>
     </p:extLst>
   </p:cSld>
@@ -13457,44 +13746,34 @@
         </p:spPr>
         <p:txBody>
           <a:bodyPr>
-            <a:normAutofit fontScale="92500" lnSpcReduction="10000"/>
+            <a:normAutofit lnSpcReduction="10000"/>
           </a:bodyPr>
           <a:lstStyle/>
           <a:p>
             <a:r>
-              <a:rPr lang="en-US" sz="2200" dirty="0"/>
-              <a:t>Oftentimes it’s useful to repeat tasks to save some typing.</a:t>
-            </a:r>
-          </a:p>
-          <a:p>
-            <a:pPr lvl="1"/>
-            <a:r>
-              <a:rPr lang="en-US" sz="2200" dirty="0"/>
-              <a:t>Loop using </a:t>
-            </a:r>
-            <a:r>
-              <a:rPr lang="en-US" sz="2200" b="1" dirty="0" err="1"/>
-              <a:t>with_items</a:t>
-            </a:r>
-            <a:r>
-              <a:rPr lang="en-US" sz="2200" dirty="0"/>
-              <a:t> directive.</a:t>
-            </a:r>
-          </a:p>
-          <a:p>
-            <a:endParaRPr lang="en-US" sz="2200" dirty="0"/>
+              <a:rPr lang="en-US" dirty="0"/>
+              <a:t>The </a:t>
+            </a:r>
+            <a:r>
+              <a:rPr lang="en-US" dirty="0" err="1"/>
+              <a:t>with_sequence</a:t>
+            </a:r>
+            <a:r>
+              <a:rPr lang="en-US" dirty="0"/>
+              <a:t> directive generates a sequence of items in ascending order.</a:t>
+            </a:r>
           </a:p>
           <a:p>
             <a:pPr marL="0" indent="0">
               <a:buNone/>
             </a:pPr>
             <a:r>
-              <a:rPr lang="en-US" sz="1700" dirty="0">
-                <a:latin typeface="Consolas" charset="0"/>
-                <a:ea typeface="Consolas" charset="0"/>
-                <a:cs typeface="Consolas" charset="0"/>
-              </a:rPr>
-              <a:t>- name: add several users</a:t>
+              <a:rPr lang="en-US" sz="1600" dirty="0">
+                <a:latin typeface="Consolas" charset="0"/>
+                <a:ea typeface="Consolas" charset="0"/>
+                <a:cs typeface="Consolas" charset="0"/>
+              </a:rPr>
+              <a:t> </a:t>
             </a:r>
           </a:p>
           <a:p>
@@ -13502,12 +13781,12 @@
               <a:buNone/>
             </a:pPr>
             <a:r>
-              <a:rPr lang="en-US" sz="1700" dirty="0">
-                <a:latin typeface="Consolas" charset="0"/>
-                <a:ea typeface="Consolas" charset="0"/>
-                <a:cs typeface="Consolas" charset="0"/>
-              </a:rPr>
-              <a:t>  user: name={{ item }} state=present groups=developers</a:t>
+              <a:rPr lang="en-US" sz="1600" dirty="0">
+                <a:latin typeface="Consolas" charset="0"/>
+                <a:ea typeface="Consolas" charset="0"/>
+                <a:cs typeface="Consolas" charset="0"/>
+              </a:rPr>
+              <a:t># create a series of directories with even numbers for some reason</a:t>
             </a:r>
           </a:p>
           <a:p>
@@ -13515,28 +13794,44 @@
               <a:buNone/>
             </a:pPr>
             <a:r>
-              <a:rPr lang="en-US" sz="1700" dirty="0">
-                <a:latin typeface="Consolas" charset="0"/>
-                <a:ea typeface="Consolas" charset="0"/>
-                <a:cs typeface="Consolas" charset="0"/>
-              </a:rPr>
-              <a:t>  </a:t>
-            </a:r>
-            <a:r>
-              <a:rPr lang="en-US" sz="1700" dirty="0" err="1">
-                <a:latin typeface="Consolas" charset="0"/>
-                <a:ea typeface="Consolas" charset="0"/>
-                <a:cs typeface="Consolas" charset="0"/>
-              </a:rPr>
-              <a:t>with_items</a:t>
-            </a:r>
-            <a:r>
-              <a:rPr lang="en-US" sz="1700" dirty="0">
-                <a:latin typeface="Consolas" charset="0"/>
-                <a:ea typeface="Consolas" charset="0"/>
-                <a:cs typeface="Consolas" charset="0"/>
-              </a:rPr>
-              <a:t>:</a:t>
+              <a:rPr lang="en-US" sz="1600" dirty="0">
+                <a:latin typeface="Consolas" charset="0"/>
+                <a:ea typeface="Consolas" charset="0"/>
+                <a:cs typeface="Consolas" charset="0"/>
+              </a:rPr>
+              <a:t>    - file: </a:t>
+            </a:r>
+            <a:r>
+              <a:rPr lang="en-US" sz="1600" dirty="0" err="1">
+                <a:latin typeface="Consolas" charset="0"/>
+                <a:ea typeface="Consolas" charset="0"/>
+                <a:cs typeface="Consolas" charset="0"/>
+              </a:rPr>
+              <a:t>dest</a:t>
+            </a:r>
+            <a:r>
+              <a:rPr lang="en-US" sz="1600" dirty="0">
+                <a:latin typeface="Consolas" charset="0"/>
+                <a:ea typeface="Consolas" charset="0"/>
+                <a:cs typeface="Consolas" charset="0"/>
+              </a:rPr>
+              <a:t>=/</a:t>
+            </a:r>
+            <a:r>
+              <a:rPr lang="en-US" sz="1600" dirty="0" err="1">
+                <a:latin typeface="Consolas" charset="0"/>
+                <a:ea typeface="Consolas" charset="0"/>
+                <a:cs typeface="Consolas" charset="0"/>
+              </a:rPr>
+              <a:t>var</a:t>
+            </a:r>
+            <a:r>
+              <a:rPr lang="en-US" sz="1600" dirty="0">
+                <a:latin typeface="Consolas" charset="0"/>
+                <a:ea typeface="Consolas" charset="0"/>
+                <a:cs typeface="Consolas" charset="0"/>
+              </a:rPr>
+              <a:t>/stuff/{{ item }} state=directory</a:t>
             </a:r>
           </a:p>
           <a:p>
@@ -13544,48 +13839,51 @@
               <a:buNone/>
             </a:pPr>
             <a:r>
-              <a:rPr lang="en-US" sz="1700" dirty="0">
-                <a:latin typeface="Consolas" charset="0"/>
-                <a:ea typeface="Consolas" charset="0"/>
-                <a:cs typeface="Consolas" charset="0"/>
-              </a:rPr>
-              <a:t>    - </a:t>
-            </a:r>
-            <a:r>
-              <a:rPr lang="en-US" sz="1700" dirty="0" err="1">
-                <a:latin typeface="Consolas" charset="0"/>
-                <a:ea typeface="Consolas" charset="0"/>
-                <a:cs typeface="Consolas" charset="0"/>
-              </a:rPr>
-              <a:t>jadams</a:t>
-            </a:r>
-            <a:endParaRPr lang="en-US" sz="1700" dirty="0">
+              <a:rPr lang="en-US" sz="1600" dirty="0">
+                <a:latin typeface="Consolas" charset="0"/>
+                <a:ea typeface="Consolas" charset="0"/>
+                <a:cs typeface="Consolas" charset="0"/>
+              </a:rPr>
+              <a:t>      </a:t>
+            </a:r>
+            <a:r>
+              <a:rPr lang="en-US" sz="1600" dirty="0" err="1">
+                <a:latin typeface="Consolas" charset="0"/>
+                <a:ea typeface="Consolas" charset="0"/>
+                <a:cs typeface="Consolas" charset="0"/>
+              </a:rPr>
+              <a:t>with_sequence</a:t>
+            </a:r>
+            <a:r>
+              <a:rPr lang="en-US" sz="1600" dirty="0">
+                <a:latin typeface="Consolas" charset="0"/>
+                <a:ea typeface="Consolas" charset="0"/>
+                <a:cs typeface="Consolas" charset="0"/>
+              </a:rPr>
+              <a:t>: start=4 end=16 stride=2</a:t>
+            </a:r>
+          </a:p>
+          <a:p>
+            <a:pPr marL="0" indent="0">
+              <a:buNone/>
+            </a:pPr>
+            <a:endParaRPr lang="en-US" sz="1600" dirty="0">
               <a:latin typeface="Consolas" charset="0"/>
               <a:ea typeface="Consolas" charset="0"/>
               <a:cs typeface="Consolas" charset="0"/>
             </a:endParaRPr>
           </a:p>
           <a:p>
+            <a:r>
+              <a:rPr lang="en-US" dirty="0"/>
+              <a:t>Sometimes we want to retry a task until a certain condition is met.</a:t>
+            </a:r>
+          </a:p>
+          <a:p>
             <a:pPr marL="0" indent="0">
               <a:buNone/>
             </a:pPr>
-            <a:r>
-              <a:rPr lang="en-US" sz="1700" dirty="0">
-                <a:latin typeface="Consolas" charset="0"/>
-                <a:ea typeface="Consolas" charset="0"/>
-                <a:cs typeface="Consolas" charset="0"/>
-              </a:rPr>
-              <a:t>    - </a:t>
-            </a:r>
-            <a:r>
-              <a:rPr lang="en-US" sz="1700" dirty="0" err="1">
-                <a:latin typeface="Consolas" charset="0"/>
-                <a:ea typeface="Consolas" charset="0"/>
-                <a:cs typeface="Consolas" charset="0"/>
-              </a:rPr>
-              <a:t>msmith</a:t>
-            </a:r>
-            <a:endParaRPr lang="en-US" sz="1700" dirty="0">
+            <a:endParaRPr lang="en-US" sz="1600" dirty="0">
               <a:latin typeface="Consolas" charset="0"/>
               <a:ea typeface="Consolas" charset="0"/>
               <a:cs typeface="Consolas" charset="0"/>
@@ -13596,63 +13894,70 @@
               <a:buNone/>
             </a:pPr>
             <a:r>
-              <a:rPr lang="en-US" sz="1700" dirty="0">
-                <a:latin typeface="Consolas" charset="0"/>
-                <a:ea typeface="Consolas" charset="0"/>
-                <a:cs typeface="Consolas" charset="0"/>
-              </a:rPr>
-              <a:t>    - </a:t>
-            </a:r>
-            <a:r>
-              <a:rPr lang="en-US" sz="1700" dirty="0" err="1">
-                <a:latin typeface="Consolas" charset="0"/>
-                <a:ea typeface="Consolas" charset="0"/>
-                <a:cs typeface="Consolas" charset="0"/>
-              </a:rPr>
-              <a:t>cmilwaui</a:t>
-            </a:r>
-            <a:endParaRPr lang="en-US" sz="1700" dirty="0">
-              <a:latin typeface="Consolas" charset="0"/>
-              <a:ea typeface="Consolas" charset="0"/>
-              <a:cs typeface="Consolas" charset="0"/>
-            </a:endParaRPr>
+              <a:rPr lang="en-US" sz="1600" dirty="0">
+                <a:latin typeface="Consolas" charset="0"/>
+                <a:ea typeface="Consolas" charset="0"/>
+                <a:cs typeface="Consolas" charset="0"/>
+              </a:rPr>
+              <a:t>- action: shell /</a:t>
+            </a:r>
+            <a:r>
+              <a:rPr lang="en-US" sz="1600" dirty="0" err="1">
+                <a:latin typeface="Consolas" charset="0"/>
+                <a:ea typeface="Consolas" charset="0"/>
+                <a:cs typeface="Consolas" charset="0"/>
+              </a:rPr>
+              <a:t>usr</a:t>
+            </a:r>
+            <a:r>
+              <a:rPr lang="en-US" sz="1600" dirty="0">
+                <a:latin typeface="Consolas" charset="0"/>
+                <a:ea typeface="Consolas" charset="0"/>
+                <a:cs typeface="Consolas" charset="0"/>
+              </a:rPr>
+              <a:t>/bin/foo</a:t>
+            </a:r>
           </a:p>
           <a:p>
             <a:pPr marL="0" indent="0">
               <a:buNone/>
             </a:pPr>
-            <a:endParaRPr lang="en-US" sz="1700" dirty="0">
-              <a:latin typeface="Consolas" charset="0"/>
-              <a:ea typeface="Consolas" charset="0"/>
-              <a:cs typeface="Consolas" charset="0"/>
-            </a:endParaRPr>
-          </a:p>
-          <a:p>
-            <a:r>
-              <a:rPr lang="en-US" sz="2200" dirty="0">
-                <a:ea typeface="Consolas" charset="0"/>
-                <a:cs typeface="Consolas" charset="0"/>
-              </a:rPr>
-              <a:t>Items in loops do not have to be simple strings:</a:t>
-            </a:r>
-          </a:p>
-          <a:p>
-            <a:endParaRPr lang="en-US" sz="2200" dirty="0">
-              <a:ea typeface="Consolas" charset="0"/>
-              <a:cs typeface="Consolas" charset="0"/>
-            </a:endParaRPr>
+            <a:r>
+              <a:rPr lang="en-US" sz="1600" dirty="0">
+                <a:latin typeface="Consolas" charset="0"/>
+                <a:ea typeface="Consolas" charset="0"/>
+                <a:cs typeface="Consolas" charset="0"/>
+              </a:rPr>
+              <a:t>  register: result</a:t>
+            </a:r>
           </a:p>
           <a:p>
             <a:pPr marL="0" indent="0">
               <a:buNone/>
             </a:pPr>
             <a:r>
-              <a:rPr lang="en-US" sz="1700" dirty="0">
-                <a:latin typeface="Consolas" charset="0"/>
-                <a:ea typeface="Consolas" charset="0"/>
-                <a:cs typeface="Consolas" charset="0"/>
-              </a:rPr>
-              <a:t>- name: add several users</a:t>
+              <a:rPr lang="en-US" sz="1600" dirty="0">
+                <a:latin typeface="Consolas" charset="0"/>
+                <a:ea typeface="Consolas" charset="0"/>
+                <a:cs typeface="Consolas" charset="0"/>
+              </a:rPr>
+              <a:t>  until: </a:t>
+            </a:r>
+            <a:r>
+              <a:rPr lang="en-US" sz="1600" dirty="0" err="1">
+                <a:latin typeface="Consolas" charset="0"/>
+                <a:ea typeface="Consolas" charset="0"/>
+                <a:cs typeface="Consolas" charset="0"/>
+              </a:rPr>
+              <a:t>result.stdout.find</a:t>
+            </a:r>
+            <a:r>
+              <a:rPr lang="en-US" sz="1600" dirty="0">
+                <a:latin typeface="Consolas" charset="0"/>
+                <a:ea typeface="Consolas" charset="0"/>
+                <a:cs typeface="Consolas" charset="0"/>
+              </a:rPr>
+              <a:t>("all systems go") != -1</a:t>
             </a:r>
           </a:p>
           <a:p>
@@ -13660,44 +13965,12 @@
               <a:buNone/>
             </a:pPr>
             <a:r>
-              <a:rPr lang="en-US" sz="1700" dirty="0">
-                <a:latin typeface="Consolas" charset="0"/>
-                <a:ea typeface="Consolas" charset="0"/>
-                <a:cs typeface="Consolas" charset="0"/>
-              </a:rPr>
-              <a:t>  user: name={{ </a:t>
-            </a:r>
-            <a:r>
-              <a:rPr lang="en-US" sz="1700" dirty="0" err="1">
-                <a:latin typeface="Consolas" charset="0"/>
-                <a:ea typeface="Consolas" charset="0"/>
-                <a:cs typeface="Consolas" charset="0"/>
-              </a:rPr>
-              <a:t>item.name</a:t>
-            </a:r>
-            <a:r>
-              <a:rPr lang="en-US" sz="1700" dirty="0">
-                <a:latin typeface="Consolas" charset="0"/>
-                <a:ea typeface="Consolas" charset="0"/>
-                <a:cs typeface="Consolas" charset="0"/>
-              </a:rPr>
-              <a:t> }} state=present groups={{ </a:t>
-            </a:r>
-            <a:r>
-              <a:rPr lang="en-US" sz="1700" dirty="0" err="1">
-                <a:latin typeface="Consolas" charset="0"/>
-                <a:ea typeface="Consolas" charset="0"/>
-                <a:cs typeface="Consolas" charset="0"/>
-              </a:rPr>
-              <a:t>item.groups</a:t>
-            </a:r>
-            <a:r>
-              <a:rPr lang="en-US" sz="1700" dirty="0">
-                <a:latin typeface="Consolas" charset="0"/>
-                <a:ea typeface="Consolas" charset="0"/>
-                <a:cs typeface="Consolas" charset="0"/>
-              </a:rPr>
-              <a:t> }}</a:t>
+              <a:rPr lang="en-US" sz="1600" dirty="0">
+                <a:latin typeface="Consolas" charset="0"/>
+                <a:ea typeface="Consolas" charset="0"/>
+                <a:cs typeface="Consolas" charset="0"/>
+              </a:rPr>
+              <a:t>  retries: 5</a:t>
             </a:r>
           </a:p>
           <a:p>
@@ -13705,54 +13978,12 @@
               <a:buNone/>
             </a:pPr>
             <a:r>
-              <a:rPr lang="en-US" sz="1700" dirty="0">
-                <a:latin typeface="Consolas" charset="0"/>
-                <a:ea typeface="Consolas" charset="0"/>
-                <a:cs typeface="Consolas" charset="0"/>
-              </a:rPr>
-              <a:t>  </a:t>
-            </a:r>
-            <a:r>
-              <a:rPr lang="en-US" sz="1700" dirty="0" err="1">
-                <a:latin typeface="Consolas" charset="0"/>
-                <a:ea typeface="Consolas" charset="0"/>
-                <a:cs typeface="Consolas" charset="0"/>
-              </a:rPr>
-              <a:t>with_items</a:t>
-            </a:r>
-            <a:r>
-              <a:rPr lang="en-US" sz="1700" dirty="0">
-                <a:latin typeface="Consolas" charset="0"/>
-                <a:ea typeface="Consolas" charset="0"/>
-                <a:cs typeface="Consolas" charset="0"/>
-              </a:rPr>
-              <a:t>:</a:t>
-            </a:r>
-          </a:p>
-          <a:p>
-            <a:pPr marL="0" indent="0">
-              <a:buNone/>
-            </a:pPr>
-            <a:r>
-              <a:rPr lang="en-US" sz="1700" dirty="0">
-                <a:latin typeface="Consolas" charset="0"/>
-                <a:ea typeface="Consolas" charset="0"/>
-                <a:cs typeface="Consolas" charset="0"/>
-              </a:rPr>
-              <a:t>    - { name: 'testuser1', groups: 'wheel' }</a:t>
-            </a:r>
-          </a:p>
-          <a:p>
-            <a:pPr marL="0" indent="0">
-              <a:buNone/>
-            </a:pPr>
-            <a:r>
-              <a:rPr lang="en-US" sz="1700" dirty="0">
-                <a:latin typeface="Consolas" charset="0"/>
-                <a:ea typeface="Consolas" charset="0"/>
-                <a:cs typeface="Consolas" charset="0"/>
-              </a:rPr>
-              <a:t>    - { name: 'testuser2', groups: 'root' }</a:t>
+              <a:rPr lang="en-US" sz="1600" dirty="0">
+                <a:latin typeface="Consolas" charset="0"/>
+                <a:ea typeface="Consolas" charset="0"/>
+                <a:cs typeface="Consolas" charset="0"/>
+              </a:rPr>
+              <a:t>  delay: 10</a:t>
             </a:r>
           </a:p>
         </p:txBody>
@@ -13760,7 +13991,7 @@
     </p:spTree>
     <p:extLst>
       <p:ext uri="{BB962C8B-B14F-4D97-AF65-F5344CB8AC3E}">
-        <p14:creationId xmlns:p14="http://schemas.microsoft.com/office/powerpoint/2010/main" val="207360145"/>
+        <p14:creationId xmlns:p14="http://schemas.microsoft.com/office/powerpoint/2010/main" val="1169857534"/>
       </p:ext>
     </p:extLst>
   </p:cSld>
@@ -14179,318 +14410,6 @@
 </file>
 
 <file path=ppt/slides/slide50.xml><?xml version="1.0" encoding="utf-8"?>
-<p:sld xmlns:a="http://schemas.openxmlformats.org/drawingml/2006/main" xmlns:r="http://schemas.openxmlformats.org/officeDocument/2006/relationships" xmlns:p="http://schemas.openxmlformats.org/presentationml/2006/main">
-  <p:cSld>
-    <p:spTree>
-      <p:nvGrpSpPr>
-        <p:cNvPr id="1" name=""/>
-        <p:cNvGrpSpPr/>
-        <p:nvPr/>
-      </p:nvGrpSpPr>
-      <p:grpSpPr>
-        <a:xfrm>
-          <a:off x="0" y="0"/>
-          <a:ext cx="0" cy="0"/>
-          <a:chOff x="0" y="0"/>
-          <a:chExt cx="0" cy="0"/>
-        </a:xfrm>
-      </p:grpSpPr>
-      <p:sp>
-        <p:nvSpPr>
-          <p:cNvPr id="2" name="Title 1"/>
-          <p:cNvSpPr>
-            <a:spLocks noGrp="1"/>
-          </p:cNvSpPr>
-          <p:nvPr>
-            <p:ph type="title"/>
-          </p:nvPr>
-        </p:nvSpPr>
-        <p:spPr/>
-        <p:txBody>
-          <a:bodyPr/>
-          <a:lstStyle/>
-          <a:p>
-            <a:r>
-              <a:rPr lang="en-US" dirty="0"/>
-              <a:t>Loops</a:t>
-            </a:r>
-          </a:p>
-        </p:txBody>
-      </p:sp>
-      <p:sp>
-        <p:nvSpPr>
-          <p:cNvPr id="3" name="Content Placeholder 2"/>
-          <p:cNvSpPr>
-            <a:spLocks noGrp="1"/>
-          </p:cNvSpPr>
-          <p:nvPr>
-            <p:ph idx="1"/>
-          </p:nvPr>
-        </p:nvSpPr>
-        <p:spPr>
-          <a:xfrm>
-            <a:off x="457200" y="1600200"/>
-            <a:ext cx="8229600" cy="5013542"/>
-          </a:xfrm>
-        </p:spPr>
-        <p:txBody>
-          <a:bodyPr>
-            <a:normAutofit lnSpcReduction="10000"/>
-          </a:bodyPr>
-          <a:lstStyle/>
-          <a:p>
-            <a:r>
-              <a:rPr lang="en-US" dirty="0"/>
-              <a:t>The </a:t>
-            </a:r>
-            <a:r>
-              <a:rPr lang="en-US" dirty="0" err="1"/>
-              <a:t>with_sequence</a:t>
-            </a:r>
-            <a:r>
-              <a:rPr lang="en-US" dirty="0"/>
-              <a:t> directive generates a sequence of items in ascending order.</a:t>
-            </a:r>
-          </a:p>
-          <a:p>
-            <a:pPr marL="0" indent="0">
-              <a:buNone/>
-            </a:pPr>
-            <a:r>
-              <a:rPr lang="en-US" sz="1600" dirty="0">
-                <a:latin typeface="Consolas" charset="0"/>
-                <a:ea typeface="Consolas" charset="0"/>
-                <a:cs typeface="Consolas" charset="0"/>
-              </a:rPr>
-              <a:t> </a:t>
-            </a:r>
-          </a:p>
-          <a:p>
-            <a:pPr marL="0" indent="0">
-              <a:buNone/>
-            </a:pPr>
-            <a:r>
-              <a:rPr lang="en-US" sz="1600" dirty="0">
-                <a:latin typeface="Consolas" charset="0"/>
-                <a:ea typeface="Consolas" charset="0"/>
-                <a:cs typeface="Consolas" charset="0"/>
-              </a:rPr>
-              <a:t># create a series of directories with even numbers for some reason</a:t>
-            </a:r>
-          </a:p>
-          <a:p>
-            <a:pPr marL="0" indent="0">
-              <a:buNone/>
-            </a:pPr>
-            <a:r>
-              <a:rPr lang="en-US" sz="1600" dirty="0">
-                <a:latin typeface="Consolas" charset="0"/>
-                <a:ea typeface="Consolas" charset="0"/>
-                <a:cs typeface="Consolas" charset="0"/>
-              </a:rPr>
-              <a:t>    - file: </a:t>
-            </a:r>
-            <a:r>
-              <a:rPr lang="en-US" sz="1600" dirty="0" err="1">
-                <a:latin typeface="Consolas" charset="0"/>
-                <a:ea typeface="Consolas" charset="0"/>
-                <a:cs typeface="Consolas" charset="0"/>
-              </a:rPr>
-              <a:t>dest</a:t>
-            </a:r>
-            <a:r>
-              <a:rPr lang="en-US" sz="1600" dirty="0">
-                <a:latin typeface="Consolas" charset="0"/>
-                <a:ea typeface="Consolas" charset="0"/>
-                <a:cs typeface="Consolas" charset="0"/>
-              </a:rPr>
-              <a:t>=/</a:t>
-            </a:r>
-            <a:r>
-              <a:rPr lang="en-US" sz="1600" dirty="0" err="1">
-                <a:latin typeface="Consolas" charset="0"/>
-                <a:ea typeface="Consolas" charset="0"/>
-                <a:cs typeface="Consolas" charset="0"/>
-              </a:rPr>
-              <a:t>var</a:t>
-            </a:r>
-            <a:r>
-              <a:rPr lang="en-US" sz="1600" dirty="0">
-                <a:latin typeface="Consolas" charset="0"/>
-                <a:ea typeface="Consolas" charset="0"/>
-                <a:cs typeface="Consolas" charset="0"/>
-              </a:rPr>
-              <a:t>/stuff/{{ item }} state=directory</a:t>
-            </a:r>
-          </a:p>
-          <a:p>
-            <a:pPr marL="0" indent="0">
-              <a:buNone/>
-            </a:pPr>
-            <a:r>
-              <a:rPr lang="en-US" sz="1600" dirty="0">
-                <a:latin typeface="Consolas" charset="0"/>
-                <a:ea typeface="Consolas" charset="0"/>
-                <a:cs typeface="Consolas" charset="0"/>
-              </a:rPr>
-              <a:t>      </a:t>
-            </a:r>
-            <a:r>
-              <a:rPr lang="en-US" sz="1600" dirty="0" err="1">
-                <a:latin typeface="Consolas" charset="0"/>
-                <a:ea typeface="Consolas" charset="0"/>
-                <a:cs typeface="Consolas" charset="0"/>
-              </a:rPr>
-              <a:t>with_sequence</a:t>
-            </a:r>
-            <a:r>
-              <a:rPr lang="en-US" sz="1600" dirty="0">
-                <a:latin typeface="Consolas" charset="0"/>
-                <a:ea typeface="Consolas" charset="0"/>
-                <a:cs typeface="Consolas" charset="0"/>
-              </a:rPr>
-              <a:t>: start=4 end=16 stride=2</a:t>
-            </a:r>
-          </a:p>
-          <a:p>
-            <a:pPr marL="0" indent="0">
-              <a:buNone/>
-            </a:pPr>
-            <a:endParaRPr lang="en-US" sz="1600" dirty="0">
-              <a:latin typeface="Consolas" charset="0"/>
-              <a:ea typeface="Consolas" charset="0"/>
-              <a:cs typeface="Consolas" charset="0"/>
-            </a:endParaRPr>
-          </a:p>
-          <a:p>
-            <a:r>
-              <a:rPr lang="en-US" dirty="0"/>
-              <a:t>Sometimes we want to retry a task until a certain condition is met.</a:t>
-            </a:r>
-          </a:p>
-          <a:p>
-            <a:pPr marL="0" indent="0">
-              <a:buNone/>
-            </a:pPr>
-            <a:endParaRPr lang="en-US" sz="1600" dirty="0">
-              <a:latin typeface="Consolas" charset="0"/>
-              <a:ea typeface="Consolas" charset="0"/>
-              <a:cs typeface="Consolas" charset="0"/>
-            </a:endParaRPr>
-          </a:p>
-          <a:p>
-            <a:pPr marL="0" indent="0">
-              <a:buNone/>
-            </a:pPr>
-            <a:r>
-              <a:rPr lang="en-US" sz="1600" dirty="0">
-                <a:latin typeface="Consolas" charset="0"/>
-                <a:ea typeface="Consolas" charset="0"/>
-                <a:cs typeface="Consolas" charset="0"/>
-              </a:rPr>
-              <a:t>- action: shell /</a:t>
-            </a:r>
-            <a:r>
-              <a:rPr lang="en-US" sz="1600" dirty="0" err="1">
-                <a:latin typeface="Consolas" charset="0"/>
-                <a:ea typeface="Consolas" charset="0"/>
-                <a:cs typeface="Consolas" charset="0"/>
-              </a:rPr>
-              <a:t>usr</a:t>
-            </a:r>
-            <a:r>
-              <a:rPr lang="en-US" sz="1600" dirty="0">
-                <a:latin typeface="Consolas" charset="0"/>
-                <a:ea typeface="Consolas" charset="0"/>
-                <a:cs typeface="Consolas" charset="0"/>
-              </a:rPr>
-              <a:t>/bin/foo</a:t>
-            </a:r>
-          </a:p>
-          <a:p>
-            <a:pPr marL="0" indent="0">
-              <a:buNone/>
-            </a:pPr>
-            <a:r>
-              <a:rPr lang="en-US" sz="1600" dirty="0">
-                <a:latin typeface="Consolas" charset="0"/>
-                <a:ea typeface="Consolas" charset="0"/>
-                <a:cs typeface="Consolas" charset="0"/>
-              </a:rPr>
-              <a:t>  register: result</a:t>
-            </a:r>
-          </a:p>
-          <a:p>
-            <a:pPr marL="0" indent="0">
-              <a:buNone/>
-            </a:pPr>
-            <a:r>
-              <a:rPr lang="en-US" sz="1600" dirty="0">
-                <a:latin typeface="Consolas" charset="0"/>
-                <a:ea typeface="Consolas" charset="0"/>
-                <a:cs typeface="Consolas" charset="0"/>
-              </a:rPr>
-              <a:t>  until: </a:t>
-            </a:r>
-            <a:r>
-              <a:rPr lang="en-US" sz="1600" dirty="0" err="1">
-                <a:latin typeface="Consolas" charset="0"/>
-                <a:ea typeface="Consolas" charset="0"/>
-                <a:cs typeface="Consolas" charset="0"/>
-              </a:rPr>
-              <a:t>result.stdout.find</a:t>
-            </a:r>
-            <a:r>
-              <a:rPr lang="en-US" sz="1600" dirty="0">
-                <a:latin typeface="Consolas" charset="0"/>
-                <a:ea typeface="Consolas" charset="0"/>
-                <a:cs typeface="Consolas" charset="0"/>
-              </a:rPr>
-              <a:t>("all systems go") != -1</a:t>
-            </a:r>
-          </a:p>
-          <a:p>
-            <a:pPr marL="0" indent="0">
-              <a:buNone/>
-            </a:pPr>
-            <a:r>
-              <a:rPr lang="en-US" sz="1600" dirty="0">
-                <a:latin typeface="Consolas" charset="0"/>
-                <a:ea typeface="Consolas" charset="0"/>
-                <a:cs typeface="Consolas" charset="0"/>
-              </a:rPr>
-              <a:t>  retries: 5</a:t>
-            </a:r>
-          </a:p>
-          <a:p>
-            <a:pPr marL="0" indent="0">
-              <a:buNone/>
-            </a:pPr>
-            <a:r>
-              <a:rPr lang="en-US" sz="1600" dirty="0">
-                <a:latin typeface="Consolas" charset="0"/>
-                <a:ea typeface="Consolas" charset="0"/>
-                <a:cs typeface="Consolas" charset="0"/>
-              </a:rPr>
-              <a:t>  delay: 10</a:t>
-            </a:r>
-          </a:p>
-        </p:txBody>
-      </p:sp>
-    </p:spTree>
-    <p:extLst>
-      <p:ext uri="{BB962C8B-B14F-4D97-AF65-F5344CB8AC3E}">
-        <p14:creationId xmlns:p14="http://schemas.microsoft.com/office/powerpoint/2010/main" val="1169857534"/>
-      </p:ext>
-    </p:extLst>
-  </p:cSld>
-  <p:clrMapOvr>
-    <a:masterClrMapping/>
-  </p:clrMapOvr>
-</p:sld>
-</file>
-
-<file path=ppt/slides/slide51.xml><?xml version="1.0" encoding="utf-8"?>
 <p:sld xmlns:a="http://schemas.openxmlformats.org/drawingml/2006/main" xmlns:r="http://schemas.openxmlformats.org/officeDocument/2006/relationships" xmlns:p="http://schemas.openxmlformats.org/presentationml/2006/main">
   <p:cSld>
     <p:spTree>
@@ -14572,7 +14491,7 @@
 </p:sld>
 </file>
 
-<file path=ppt/slides/slide52.xml><?xml version="1.0" encoding="utf-8"?>
+<file path=ppt/slides/slide51.xml><?xml version="1.0" encoding="utf-8"?>
 <p:sld xmlns:a="http://schemas.openxmlformats.org/drawingml/2006/main" xmlns:r="http://schemas.openxmlformats.org/officeDocument/2006/relationships" xmlns:p="http://schemas.openxmlformats.org/presentationml/2006/main">
   <p:cSld>
     <p:spTree>

--- a/lectures/infrastructure-week-9.pptx
+++ b/lectures/infrastructure-week-9.pptx
@@ -258,7 +258,7 @@
           <a:p>
             <a:fld id="{EAA08BAD-04ED-244C-92B6-E3671520D864}" type="datetimeFigureOut">
               <a:rPr lang="en-US" smtClean="0"/>
-              <a:t>11/4/18</a:t>
+              <a:t>8/10/20</a:t>
             </a:fld>
             <a:endParaRPr lang="en-US"/>
           </a:p>
@@ -704,7 +704,7 @@
           <a:p>
             <a:fld id="{972605B8-2E90-124E-924E-6F58993143C6}" type="datetimeFigureOut">
               <a:rPr lang="en-US" smtClean="0"/>
-              <a:t>11/4/18</a:t>
+              <a:t>8/10/20</a:t>
             </a:fld>
             <a:endParaRPr lang="en-US"/>
           </a:p>
@@ -872,7 +872,7 @@
           <a:p>
             <a:fld id="{972605B8-2E90-124E-924E-6F58993143C6}" type="datetimeFigureOut">
               <a:rPr lang="en-US" smtClean="0"/>
-              <a:t>11/4/18</a:t>
+              <a:t>8/10/20</a:t>
             </a:fld>
             <a:endParaRPr lang="en-US"/>
           </a:p>
@@ -1050,7 +1050,7 @@
           <a:p>
             <a:fld id="{972605B8-2E90-124E-924E-6F58993143C6}" type="datetimeFigureOut">
               <a:rPr lang="en-US" smtClean="0"/>
-              <a:t>11/4/18</a:t>
+              <a:t>8/10/20</a:t>
             </a:fld>
             <a:endParaRPr lang="en-US"/>
           </a:p>
@@ -1218,7 +1218,7 @@
           <a:p>
             <a:fld id="{972605B8-2E90-124E-924E-6F58993143C6}" type="datetimeFigureOut">
               <a:rPr lang="en-US" smtClean="0"/>
-              <a:t>11/4/18</a:t>
+              <a:t>8/10/20</a:t>
             </a:fld>
             <a:endParaRPr lang="en-US"/>
           </a:p>
@@ -1463,7 +1463,7 @@
           <a:p>
             <a:fld id="{972605B8-2E90-124E-924E-6F58993143C6}" type="datetimeFigureOut">
               <a:rPr lang="en-US" smtClean="0"/>
-              <a:t>11/4/18</a:t>
+              <a:t>8/10/20</a:t>
             </a:fld>
             <a:endParaRPr lang="en-US"/>
           </a:p>
@@ -1748,7 +1748,7 @@
           <a:p>
             <a:fld id="{972605B8-2E90-124E-924E-6F58993143C6}" type="datetimeFigureOut">
               <a:rPr lang="en-US" smtClean="0"/>
-              <a:t>11/4/18</a:t>
+              <a:t>8/10/20</a:t>
             </a:fld>
             <a:endParaRPr lang="en-US"/>
           </a:p>
@@ -2167,7 +2167,7 @@
           <a:p>
             <a:fld id="{972605B8-2E90-124E-924E-6F58993143C6}" type="datetimeFigureOut">
               <a:rPr lang="en-US" smtClean="0"/>
-              <a:t>11/4/18</a:t>
+              <a:t>8/10/20</a:t>
             </a:fld>
             <a:endParaRPr lang="en-US"/>
           </a:p>
@@ -2284,7 +2284,7 @@
           <a:p>
             <a:fld id="{972605B8-2E90-124E-924E-6F58993143C6}" type="datetimeFigureOut">
               <a:rPr lang="en-US" smtClean="0"/>
-              <a:t>11/4/18</a:t>
+              <a:t>8/10/20</a:t>
             </a:fld>
             <a:endParaRPr lang="en-US"/>
           </a:p>
@@ -2379,7 +2379,7 @@
           <a:p>
             <a:fld id="{972605B8-2E90-124E-924E-6F58993143C6}" type="datetimeFigureOut">
               <a:rPr lang="en-US" smtClean="0"/>
-              <a:t>11/4/18</a:t>
+              <a:t>8/10/20</a:t>
             </a:fld>
             <a:endParaRPr lang="en-US"/>
           </a:p>
@@ -2654,7 +2654,7 @@
           <a:p>
             <a:fld id="{972605B8-2E90-124E-924E-6F58993143C6}" type="datetimeFigureOut">
               <a:rPr lang="en-US" smtClean="0"/>
-              <a:t>11/4/18</a:t>
+              <a:t>8/10/20</a:t>
             </a:fld>
             <a:endParaRPr lang="en-US"/>
           </a:p>
@@ -2906,7 +2906,7 @@
           <a:p>
             <a:fld id="{972605B8-2E90-124E-924E-6F58993143C6}" type="datetimeFigureOut">
               <a:rPr lang="en-US" smtClean="0"/>
-              <a:t>11/4/18</a:t>
+              <a:t>8/10/20</a:t>
             </a:fld>
             <a:endParaRPr lang="en-US"/>
           </a:p>
@@ -3117,7 +3117,7 @@
           <a:p>
             <a:fld id="{972605B8-2E90-124E-924E-6F58993143C6}" type="datetimeFigureOut">
               <a:rPr lang="en-US" smtClean="0"/>
-              <a:t>11/4/18</a:t>
+              <a:t>8/10/20</a:t>
             </a:fld>
             <a:endParaRPr lang="en-US"/>
           </a:p>
@@ -3522,8 +3522,8 @@
               <a:rPr lang="en-US" sz="3600" dirty="0"/>
             </a:br>
             <a:r>
-              <a:rPr lang="en-US" sz="3600" dirty="0"/>
-              <a:t>SEIS 665</a:t>
+              <a:rPr lang="en-US" sz="3600"/>
+              <a:t>SEIS 615</a:t>
             </a:r>
             <a:br>
               <a:rPr lang="en-US" sz="3600" dirty="0"/>

--- a/lectures/infrastructure-week-9.pptx
+++ b/lectures/infrastructure-week-9.pptx
@@ -258,7 +258,7 @@
           <a:p>
             <a:fld id="{EAA08BAD-04ED-244C-92B6-E3671520D864}" type="datetimeFigureOut">
               <a:rPr lang="en-US" smtClean="0"/>
-              <a:t>8/10/20</a:t>
+              <a:t>9/4/21</a:t>
             </a:fld>
             <a:endParaRPr lang="en-US"/>
           </a:p>
@@ -704,7 +704,7 @@
           <a:p>
             <a:fld id="{972605B8-2E90-124E-924E-6F58993143C6}" type="datetimeFigureOut">
               <a:rPr lang="en-US" smtClean="0"/>
-              <a:t>8/10/20</a:t>
+              <a:t>9/4/21</a:t>
             </a:fld>
             <a:endParaRPr lang="en-US"/>
           </a:p>
@@ -872,7 +872,7 @@
           <a:p>
             <a:fld id="{972605B8-2E90-124E-924E-6F58993143C6}" type="datetimeFigureOut">
               <a:rPr lang="en-US" smtClean="0"/>
-              <a:t>8/10/20</a:t>
+              <a:t>9/4/21</a:t>
             </a:fld>
             <a:endParaRPr lang="en-US"/>
           </a:p>
@@ -1050,7 +1050,7 @@
           <a:p>
             <a:fld id="{972605B8-2E90-124E-924E-6F58993143C6}" type="datetimeFigureOut">
               <a:rPr lang="en-US" smtClean="0"/>
-              <a:t>8/10/20</a:t>
+              <a:t>9/4/21</a:t>
             </a:fld>
             <a:endParaRPr lang="en-US"/>
           </a:p>
@@ -1218,7 +1218,7 @@
           <a:p>
             <a:fld id="{972605B8-2E90-124E-924E-6F58993143C6}" type="datetimeFigureOut">
               <a:rPr lang="en-US" smtClean="0"/>
-              <a:t>8/10/20</a:t>
+              <a:t>9/4/21</a:t>
             </a:fld>
             <a:endParaRPr lang="en-US"/>
           </a:p>
@@ -1463,7 +1463,7 @@
           <a:p>
             <a:fld id="{972605B8-2E90-124E-924E-6F58993143C6}" type="datetimeFigureOut">
               <a:rPr lang="en-US" smtClean="0"/>
-              <a:t>8/10/20</a:t>
+              <a:t>9/4/21</a:t>
             </a:fld>
             <a:endParaRPr lang="en-US"/>
           </a:p>
@@ -1748,7 +1748,7 @@
           <a:p>
             <a:fld id="{972605B8-2E90-124E-924E-6F58993143C6}" type="datetimeFigureOut">
               <a:rPr lang="en-US" smtClean="0"/>
-              <a:t>8/10/20</a:t>
+              <a:t>9/4/21</a:t>
             </a:fld>
             <a:endParaRPr lang="en-US"/>
           </a:p>
@@ -2167,7 +2167,7 @@
           <a:p>
             <a:fld id="{972605B8-2E90-124E-924E-6F58993143C6}" type="datetimeFigureOut">
               <a:rPr lang="en-US" smtClean="0"/>
-              <a:t>8/10/20</a:t>
+              <a:t>9/4/21</a:t>
             </a:fld>
             <a:endParaRPr lang="en-US"/>
           </a:p>
@@ -2284,7 +2284,7 @@
           <a:p>
             <a:fld id="{972605B8-2E90-124E-924E-6F58993143C6}" type="datetimeFigureOut">
               <a:rPr lang="en-US" smtClean="0"/>
-              <a:t>8/10/20</a:t>
+              <a:t>9/4/21</a:t>
             </a:fld>
             <a:endParaRPr lang="en-US"/>
           </a:p>
@@ -2379,7 +2379,7 @@
           <a:p>
             <a:fld id="{972605B8-2E90-124E-924E-6F58993143C6}" type="datetimeFigureOut">
               <a:rPr lang="en-US" smtClean="0"/>
-              <a:t>8/10/20</a:t>
+              <a:t>9/4/21</a:t>
             </a:fld>
             <a:endParaRPr lang="en-US"/>
           </a:p>
@@ -2654,7 +2654,7 @@
           <a:p>
             <a:fld id="{972605B8-2E90-124E-924E-6F58993143C6}" type="datetimeFigureOut">
               <a:rPr lang="en-US" smtClean="0"/>
-              <a:t>8/10/20</a:t>
+              <a:t>9/4/21</a:t>
             </a:fld>
             <a:endParaRPr lang="en-US"/>
           </a:p>
@@ -2906,7 +2906,7 @@
           <a:p>
             <a:fld id="{972605B8-2E90-124E-924E-6F58993143C6}" type="datetimeFigureOut">
               <a:rPr lang="en-US" smtClean="0"/>
-              <a:t>8/10/20</a:t>
+              <a:t>9/4/21</a:t>
             </a:fld>
             <a:endParaRPr lang="en-US"/>
           </a:p>
@@ -3117,7 +3117,7 @@
           <a:p>
             <a:fld id="{972605B8-2E90-124E-924E-6F58993143C6}" type="datetimeFigureOut">
               <a:rPr lang="en-US" smtClean="0"/>
-              <a:t>8/10/20</a:t>
+              <a:t>9/4/21</a:t>
             </a:fld>
             <a:endParaRPr lang="en-US"/>
           </a:p>
@@ -4294,7 +4294,7 @@
           <a:p>
             <a:r>
               <a:rPr lang="en-US" dirty="0"/>
-              <a:t>Review Packer JSON file.</a:t>
+              <a:t>Review Packer HCL file.</a:t>
             </a:r>
           </a:p>
           <a:p>
@@ -4328,7 +4328,7 @@
                 <a:ea typeface="Consolas" charset="0"/>
                 <a:cs typeface="Consolas" charset="0"/>
               </a:rPr>
-              <a:t>redis.json</a:t>
+              <a:t>redis.pkr.hcl</a:t>
             </a:r>
             <a:endParaRPr lang="en-US" sz="2000" dirty="0">
               <a:latin typeface="Consolas" charset="0"/>
@@ -8051,7 +8051,7 @@
               <a:rPr lang="en-US" u="sng" dirty="0">
                 <a:hlinkClick r:id="rId2"/>
               </a:rPr>
-              <a:t>https://s3.amazonaws.com/seis665/AnsibleSystems.json</a:t>
+              <a:t>https://s3.amazonaws.com/seis615/AnsibleSystems.yaml</a:t>
             </a:r>
             <a:endParaRPr lang="en-US" u="sng" dirty="0"/>
           </a:p>
@@ -8108,23 +8108,7 @@
                 <a:ea typeface="Consolas" charset="0"/>
                 <a:cs typeface="Consolas" charset="0"/>
               </a:rPr>
-              <a:t>$ </a:t>
-            </a:r>
-            <a:r>
-              <a:rPr lang="en-US" sz="2300" dirty="0" err="1">
-                <a:latin typeface="Consolas" charset="0"/>
-                <a:ea typeface="Consolas" charset="0"/>
-                <a:cs typeface="Consolas" charset="0"/>
-              </a:rPr>
-              <a:t>ansible</a:t>
-            </a:r>
-            <a:r>
-              <a:rPr lang="en-US" sz="2300" dirty="0">
-                <a:latin typeface="Consolas" charset="0"/>
-                <a:ea typeface="Consolas" charset="0"/>
-                <a:cs typeface="Consolas" charset="0"/>
-              </a:rPr>
-              <a:t> web1 –m ping</a:t>
+              <a:t>$ ansible web1 -m ping</a:t>
             </a:r>
           </a:p>
           <a:p>
@@ -8159,52 +8143,20 @@
                 <a:ea typeface="Consolas" charset="0"/>
                 <a:cs typeface="Consolas" charset="0"/>
               </a:rPr>
-              <a:t>$ </a:t>
-            </a:r>
-            <a:r>
-              <a:rPr lang="en-US" sz="2300" dirty="0" err="1">
-                <a:latin typeface="Consolas" charset="0"/>
-                <a:ea typeface="Consolas" charset="0"/>
-                <a:cs typeface="Consolas" charset="0"/>
-              </a:rPr>
-              <a:t>ansible</a:t>
-            </a:r>
+              <a:t>$ ansible web1 -m command -a "uptime"</a:t>
+            </a:r>
+          </a:p>
+          <a:p>
+            <a:pPr marL="914400" lvl="2" indent="0">
+              <a:buNone/>
+            </a:pPr>
             <a:r>
               <a:rPr lang="en-US" sz="2300" dirty="0">
                 <a:latin typeface="Consolas" charset="0"/>
                 <a:ea typeface="Consolas" charset="0"/>
                 <a:cs typeface="Consolas" charset="0"/>
               </a:rPr>
-              <a:t> web1 -m command –a “uptime”</a:t>
-            </a:r>
-          </a:p>
-          <a:p>
-            <a:pPr marL="914400" lvl="2" indent="0">
-              <a:buNone/>
-            </a:pPr>
-            <a:r>
-              <a:rPr lang="en-US" sz="2300" dirty="0">
-                <a:latin typeface="Consolas" charset="0"/>
-                <a:ea typeface="Consolas" charset="0"/>
-                <a:cs typeface="Consolas" charset="0"/>
-              </a:rPr>
-              <a:t>$ </a:t>
-            </a:r>
-            <a:r>
-              <a:rPr lang="en-US" sz="2300" dirty="0" err="1">
-                <a:latin typeface="Consolas" charset="0"/>
-                <a:ea typeface="Consolas" charset="0"/>
-                <a:cs typeface="Consolas" charset="0"/>
-              </a:rPr>
-              <a:t>ansible</a:t>
-            </a:r>
-            <a:r>
-              <a:rPr lang="en-US" sz="2300" dirty="0">
-                <a:latin typeface="Consolas" charset="0"/>
-                <a:ea typeface="Consolas" charset="0"/>
-                <a:cs typeface="Consolas" charset="0"/>
-              </a:rPr>
-              <a:t> web1 –a “uptime”</a:t>
+              <a:t>$ ansible web1 -a "uptime"</a:t>
             </a:r>
           </a:p>
           <a:p>
@@ -8221,7 +8173,7 @@
             <a:pPr lvl="1"/>
             <a:r>
               <a:rPr lang="en-US" dirty="0"/>
-              <a:t>Top (sorted by memory allocation): </a:t>
+              <a:t>Top</a:t>
             </a:r>
             <a:endParaRPr lang="en-US" sz="1500" dirty="0">
               <a:latin typeface="Consolas" charset="0"/>
@@ -8239,39 +8191,7 @@
                 <a:ea typeface="Consolas" charset="0"/>
                 <a:cs typeface="Consolas" charset="0"/>
               </a:rPr>
-              <a:t>$ </a:t>
-            </a:r>
-            <a:r>
-              <a:rPr lang="en-US" sz="2300" dirty="0" err="1">
-                <a:latin typeface="Consolas" charset="0"/>
-                <a:ea typeface="Consolas" charset="0"/>
-                <a:cs typeface="Consolas" charset="0"/>
-              </a:rPr>
-              <a:t>ansible</a:t>
-            </a:r>
-            <a:r>
-              <a:rPr lang="en-US" sz="2300" dirty="0">
-                <a:latin typeface="Consolas" charset="0"/>
-                <a:ea typeface="Consolas" charset="0"/>
-                <a:cs typeface="Consolas" charset="0"/>
-              </a:rPr>
-              <a:t> web1 –a “top -</a:t>
-            </a:r>
-            <a:r>
-              <a:rPr lang="en-US" sz="2300" dirty="0" err="1">
-                <a:latin typeface="Consolas" charset="0"/>
-                <a:ea typeface="Consolas" charset="0"/>
-                <a:cs typeface="Consolas" charset="0"/>
-              </a:rPr>
-              <a:t>abn</a:t>
-            </a:r>
-            <a:r>
-              <a:rPr lang="en-US" sz="2300" dirty="0">
-                <a:latin typeface="Consolas" charset="0"/>
-                <a:ea typeface="Consolas" charset="0"/>
-                <a:cs typeface="Consolas" charset="0"/>
-              </a:rPr>
-              <a:t> 1”</a:t>
+              <a:t>$ ansible web1 -a "top -bn 1"</a:t>
             </a:r>
           </a:p>
           <a:p>
@@ -8474,12 +8394,8 @@
             </a:r>
             <a:r>
               <a:rPr lang="en-US" dirty="0"/>
-              <a:t> package: </a:t>
-            </a:r>
-          </a:p>
-          <a:p>
-            <a:pPr lvl="1"/>
-            <a:endParaRPr lang="en-US" dirty="0"/>
+              <a:t> package:  </a:t>
+            </a:r>
           </a:p>
           <a:p>
             <a:pPr marL="914400" lvl="2" indent="0">
@@ -8491,7 +8407,7 @@
                 <a:ea typeface="Consolas" charset="0"/>
                 <a:cs typeface="Consolas" charset="0"/>
               </a:rPr>
-              <a:t>$ </a:t>
+              <a:t>$ ansible web1 -m command --become -a "amazon-</a:t>
             </a:r>
             <a:r>
               <a:rPr lang="en-US" sz="2300" dirty="0" err="1">
@@ -8499,7 +8415,7 @@
                 <a:ea typeface="Consolas" charset="0"/>
                 <a:cs typeface="Consolas" charset="0"/>
               </a:rPr>
-              <a:t>ansible</a:t>
+              <a:t>linux</a:t>
             </a:r>
             <a:r>
               <a:rPr lang="en-US" sz="2300" dirty="0">
@@ -8507,7 +8423,20 @@
                 <a:ea typeface="Consolas" charset="0"/>
                 <a:cs typeface="Consolas" charset="0"/>
               </a:rPr>
-              <a:t> web1 –m yum --become -a “name=</a:t>
+              <a:t>-extras enable nginx1"</a:t>
+            </a:r>
+          </a:p>
+          <a:p>
+            <a:pPr marL="914400" lvl="2" indent="0">
+              <a:buNone/>
+            </a:pPr>
+            <a:r>
+              <a:rPr lang="en-US" sz="2300" dirty="0">
+                <a:latin typeface="Consolas" charset="0"/>
+                <a:ea typeface="Consolas" charset="0"/>
+                <a:cs typeface="Consolas" charset="0"/>
+              </a:rPr>
+              <a:t>$ ansible web1 -m yum --become -a "name=</a:t>
             </a:r>
             <a:r>
               <a:rPr lang="en-US" sz="2300" dirty="0" err="1">
@@ -8523,7 +8452,7 @@
                 <a:ea typeface="Consolas" charset="0"/>
                 <a:cs typeface="Consolas" charset="0"/>
               </a:rPr>
-              <a:t> state=present”</a:t>
+              <a:t> state=present"</a:t>
             </a:r>
           </a:p>
           <a:p>
@@ -8587,7 +8516,7 @@
                 <a:ea typeface="Consolas" charset="0"/>
                 <a:cs typeface="Consolas" charset="0"/>
               </a:rPr>
-              <a:t>$ </a:t>
+              <a:t>$ ansible web1 -m yum --become -a "name=</a:t>
             </a:r>
             <a:r>
               <a:rPr lang="en-US" sz="2300" dirty="0" err="1">
@@ -8595,7 +8524,7 @@
                 <a:ea typeface="Consolas" charset="0"/>
                 <a:cs typeface="Consolas" charset="0"/>
               </a:rPr>
-              <a:t>ansible</a:t>
+              <a:t>nginx</a:t>
             </a:r>
             <a:r>
               <a:rPr lang="en-US" sz="2300" dirty="0">
@@ -8603,23 +8532,7 @@
                 <a:ea typeface="Consolas" charset="0"/>
                 <a:cs typeface="Consolas" charset="0"/>
               </a:rPr>
-              <a:t> web1 –m yum --become -a “name=</a:t>
-            </a:r>
-            <a:r>
-              <a:rPr lang="en-US" sz="2300" dirty="0" err="1">
-                <a:latin typeface="Consolas" charset="0"/>
-                <a:ea typeface="Consolas" charset="0"/>
-                <a:cs typeface="Consolas" charset="0"/>
-              </a:rPr>
-              <a:t>nginx</a:t>
-            </a:r>
-            <a:r>
-              <a:rPr lang="en-US" sz="2300" dirty="0">
-                <a:latin typeface="Consolas" charset="0"/>
-                <a:ea typeface="Consolas" charset="0"/>
-                <a:cs typeface="Consolas" charset="0"/>
-              </a:rPr>
-              <a:t> state=absent”</a:t>
+              <a:t> state=absent"</a:t>
             </a:r>
           </a:p>
           <a:p>
